--- a/Presentation.pptx
+++ b/Presentation.pptx
@@ -6,20 +6,25 @@
   </p:sldMasterIdLst>
   <p:sldIdLst>
     <p:sldId id="265" r:id="rId2"/>
-    <p:sldId id="264" r:id="rId3"/>
-    <p:sldId id="268" r:id="rId4"/>
-    <p:sldId id="256" r:id="rId5"/>
-    <p:sldId id="257" r:id="rId6"/>
-    <p:sldId id="258" r:id="rId7"/>
-    <p:sldId id="259" r:id="rId8"/>
-    <p:sldId id="260" r:id="rId9"/>
-    <p:sldId id="261" r:id="rId10"/>
-    <p:sldId id="262" r:id="rId11"/>
-    <p:sldId id="263" r:id="rId12"/>
-    <p:sldId id="266" r:id="rId13"/>
-    <p:sldId id="269" r:id="rId14"/>
-    <p:sldId id="267" r:id="rId15"/>
-    <p:sldId id="270" r:id="rId16"/>
+    <p:sldId id="269" r:id="rId3"/>
+    <p:sldId id="264" r:id="rId4"/>
+    <p:sldId id="272" r:id="rId5"/>
+    <p:sldId id="268" r:id="rId6"/>
+    <p:sldId id="256" r:id="rId7"/>
+    <p:sldId id="257" r:id="rId8"/>
+    <p:sldId id="258" r:id="rId9"/>
+    <p:sldId id="259" r:id="rId10"/>
+    <p:sldId id="260" r:id="rId11"/>
+    <p:sldId id="261" r:id="rId12"/>
+    <p:sldId id="262" r:id="rId13"/>
+    <p:sldId id="263" r:id="rId14"/>
+    <p:sldId id="271" r:id="rId15"/>
+    <p:sldId id="273" r:id="rId16"/>
+    <p:sldId id="274" r:id="rId17"/>
+    <p:sldId id="266" r:id="rId18"/>
+    <p:sldId id="270" r:id="rId19"/>
+    <p:sldId id="267" r:id="rId20"/>
+    <p:sldId id="276" r:id="rId21"/>
   </p:sldIdLst>
   <p:sldSz cx="9144000" cy="6858000" type="screen4x3"/>
   <p:notesSz cx="6858000" cy="9144000"/>
@@ -3500,6 +3505,36 @@
       </p:sp>
       <p:sp>
         <p:nvSpPr>
+          <p:cNvPr id="41" name="TextBox 40"/>
+          <p:cNvSpPr txBox="1"/>
+          <p:nvPr/>
+        </p:nvSpPr>
+        <p:spPr>
+          <a:xfrm>
+            <a:off x="6832212" y="1170767"/>
+            <a:ext cx="403476" cy="584776"/>
+          </a:xfrm>
+          <a:prstGeom prst="rect">
+            <a:avLst/>
+          </a:prstGeom>
+          <a:noFill/>
+        </p:spPr>
+        <p:txBody>
+          <a:bodyPr wrap="none" rtlCol="0">
+            <a:spAutoFit/>
+          </a:bodyPr>
+          <a:lstStyle/>
+          <a:p>
+            <a:r>
+              <a:rPr lang="en-US" sz="3200" dirty="0" smtClean="0"/>
+              <a:t>C</a:t>
+            </a:r>
+            <a:endParaRPr lang="en-US" sz="3200" dirty="0"/>
+          </a:p>
+        </p:txBody>
+      </p:sp>
+      <p:sp>
+        <p:nvSpPr>
           <p:cNvPr id="44" name="TextBox 43"/>
           <p:cNvSpPr txBox="1"/>
           <p:nvPr/>
@@ -3530,13 +3565,43 @@
       </p:sp>
       <p:sp>
         <p:nvSpPr>
-          <p:cNvPr id="49" name="TextBox 48"/>
-          <p:cNvSpPr txBox="1"/>
-          <p:nvPr/>
-        </p:nvSpPr>
-        <p:spPr>
-          <a:xfrm>
-            <a:off x="5728344" y="1904786"/>
+          <p:cNvPr id="45" name="TextBox 44"/>
+          <p:cNvSpPr txBox="1"/>
+          <p:nvPr/>
+        </p:nvSpPr>
+        <p:spPr>
+          <a:xfrm>
+            <a:off x="7373018" y="1170767"/>
+            <a:ext cx="437139" cy="584776"/>
+          </a:xfrm>
+          <a:prstGeom prst="rect">
+            <a:avLst/>
+          </a:prstGeom>
+          <a:noFill/>
+        </p:spPr>
+        <p:txBody>
+          <a:bodyPr wrap="none" rtlCol="0">
+            <a:spAutoFit/>
+          </a:bodyPr>
+          <a:lstStyle/>
+          <a:p>
+            <a:r>
+              <a:rPr lang="en-US" sz="3200" dirty="0" smtClean="0"/>
+              <a:t>D</a:t>
+            </a:r>
+            <a:endParaRPr lang="en-US" sz="3200" dirty="0"/>
+          </a:p>
+        </p:txBody>
+      </p:sp>
+      <p:sp>
+        <p:nvSpPr>
+          <p:cNvPr id="46" name="TextBox 45"/>
+          <p:cNvSpPr txBox="1"/>
+          <p:nvPr/>
+        </p:nvSpPr>
+        <p:spPr>
+          <a:xfrm>
+            <a:off x="1330455" y="1892040"/>
             <a:ext cx="385041" cy="584776"/>
           </a:xfrm>
           <a:prstGeom prst="rect">
@@ -3560,14 +3625,14 @@
       </p:sp>
       <p:sp>
         <p:nvSpPr>
-          <p:cNvPr id="53" name="TextBox 52"/>
-          <p:cNvSpPr txBox="1"/>
-          <p:nvPr/>
-        </p:nvSpPr>
-        <p:spPr>
-          <a:xfrm>
-            <a:off x="6302855" y="1904786"/>
-            <a:ext cx="373219" cy="584776"/>
+          <p:cNvPr id="62" name="TextBox 61"/>
+          <p:cNvSpPr txBox="1"/>
+          <p:nvPr/>
+        </p:nvSpPr>
+        <p:spPr>
+          <a:xfrm>
+            <a:off x="2975129" y="1170767"/>
+            <a:ext cx="437139" cy="584776"/>
           </a:xfrm>
           <a:prstGeom prst="rect">
             <a:avLst/>
@@ -3582,67 +3647,7 @@
           <a:p>
             <a:r>
               <a:rPr lang="en-US" sz="3200" dirty="0" smtClean="0"/>
-              <a:t>F</a:t>
-            </a:r>
-            <a:endParaRPr lang="en-US" sz="3200" dirty="0"/>
-          </a:p>
-        </p:txBody>
-      </p:sp>
-      <p:sp>
-        <p:nvSpPr>
-          <p:cNvPr id="54" name="TextBox 53"/>
-          <p:cNvSpPr txBox="1"/>
-          <p:nvPr/>
-        </p:nvSpPr>
-        <p:spPr>
-          <a:xfrm>
-            <a:off x="2468028" y="1892040"/>
-            <a:ext cx="443551" cy="584776"/>
-          </a:xfrm>
-          <a:prstGeom prst="rect">
-            <a:avLst/>
-          </a:prstGeom>
-          <a:noFill/>
-        </p:spPr>
-        <p:txBody>
-          <a:bodyPr wrap="none" rtlCol="0">
-            <a:spAutoFit/>
-          </a:bodyPr>
-          <a:lstStyle/>
-          <a:p>
-            <a:r>
-              <a:rPr lang="en-US" sz="3200" dirty="0" smtClean="0"/>
-              <a:t>G</a:t>
-            </a:r>
-            <a:endParaRPr lang="en-US" sz="3200" dirty="0"/>
-          </a:p>
-        </p:txBody>
-      </p:sp>
-      <p:sp>
-        <p:nvSpPr>
-          <p:cNvPr id="62" name="TextBox 61"/>
-          <p:cNvSpPr txBox="1"/>
-          <p:nvPr/>
-        </p:nvSpPr>
-        <p:spPr>
-          <a:xfrm>
-            <a:off x="1904966" y="1892040"/>
-            <a:ext cx="373219" cy="584776"/>
-          </a:xfrm>
-          <a:prstGeom prst="rect">
-            <a:avLst/>
-          </a:prstGeom>
-          <a:noFill/>
-        </p:spPr>
-        <p:txBody>
-          <a:bodyPr wrap="none" rtlCol="0">
-            <a:spAutoFit/>
-          </a:bodyPr>
-          <a:lstStyle/>
-          <a:p>
-            <a:r>
-              <a:rPr lang="en-US" sz="3200" dirty="0" smtClean="0"/>
-              <a:t>F</a:t>
+              <a:t>D</a:t>
             </a:r>
             <a:endParaRPr lang="en-US" sz="3200" dirty="0"/>
           </a:p>
@@ -3676,7 +3681,7 @@
             </a:r>
             <a:r>
               <a:rPr lang="en-US" sz="2800" dirty="0" smtClean="0"/>
-              <a:t> =7</a:t>
+              <a:t> = 5</a:t>
             </a:r>
             <a:endParaRPr lang="en-US" sz="2800" dirty="0"/>
           </a:p>
@@ -3785,6 +3790,1311 @@
 </file>
 
 <file path=ppt/slides/slide11.xml><?xml version="1.0" encoding="utf-8"?>
+<p:sld xmlns:a="http://schemas.openxmlformats.org/drawingml/2006/main" xmlns:r="http://schemas.openxmlformats.org/officeDocument/2006/relationships" xmlns:p="http://schemas.openxmlformats.org/presentationml/2006/main">
+  <p:cSld>
+    <p:spTree>
+      <p:nvGrpSpPr>
+        <p:cNvPr id="1" name=""/>
+        <p:cNvGrpSpPr/>
+        <p:nvPr/>
+      </p:nvGrpSpPr>
+      <p:grpSpPr>
+        <a:xfrm>
+          <a:off x="0" y="0"/>
+          <a:ext cx="0" cy="0"/>
+          <a:chOff x="0" y="0"/>
+          <a:chExt cx="0" cy="0"/>
+        </a:xfrm>
+      </p:grpSpPr>
+      <p:sp>
+        <p:nvSpPr>
+          <p:cNvPr id="20" name="TextBox 19"/>
+          <p:cNvSpPr txBox="1"/>
+          <p:nvPr/>
+        </p:nvSpPr>
+        <p:spPr>
+          <a:xfrm>
+            <a:off x="-2" y="12096"/>
+            <a:ext cx="4572000" cy="646331"/>
+          </a:xfrm>
+          <a:prstGeom prst="rect">
+            <a:avLst/>
+          </a:prstGeom>
+          <a:noFill/>
+        </p:spPr>
+        <p:txBody>
+          <a:bodyPr wrap="square" rtlCol="0">
+            <a:spAutoFit/>
+          </a:bodyPr>
+          <a:lstStyle/>
+          <a:p>
+            <a:pPr algn="ctr"/>
+            <a:r>
+              <a:rPr lang="en-US" sz="3600" b="1" dirty="0" smtClean="0"/>
+              <a:t>M</a:t>
+            </a:r>
+            <a:r>
+              <a:rPr lang="en-US" sz="3600" b="1" baseline="30000" dirty="0" smtClean="0"/>
+              <a:t>0</a:t>
+            </a:r>
+            <a:endParaRPr lang="en-US" sz="3600" b="1" dirty="0"/>
+          </a:p>
+        </p:txBody>
+      </p:sp>
+      <p:sp>
+        <p:nvSpPr>
+          <p:cNvPr id="21" name="TextBox 20"/>
+          <p:cNvSpPr txBox="1"/>
+          <p:nvPr/>
+        </p:nvSpPr>
+        <p:spPr>
+          <a:xfrm>
+            <a:off x="4650956" y="12096"/>
+            <a:ext cx="4572000" cy="646331"/>
+          </a:xfrm>
+          <a:prstGeom prst="rect">
+            <a:avLst/>
+          </a:prstGeom>
+          <a:noFill/>
+        </p:spPr>
+        <p:txBody>
+          <a:bodyPr wrap="square" rtlCol="0">
+            <a:spAutoFit/>
+          </a:bodyPr>
+          <a:lstStyle/>
+          <a:p>
+            <a:pPr algn="ctr"/>
+            <a:r>
+              <a:rPr lang="en-US" sz="3600" b="1" dirty="0" smtClean="0"/>
+              <a:t>M</a:t>
+            </a:r>
+            <a:r>
+              <a:rPr lang="en-US" sz="3600" b="1" baseline="30000" dirty="0"/>
+              <a:t>1</a:t>
+            </a:r>
+            <a:endParaRPr lang="en-US" sz="3600" b="1" dirty="0"/>
+          </a:p>
+        </p:txBody>
+      </p:sp>
+      <p:cxnSp>
+        <p:nvCxnSpPr>
+          <p:cNvPr id="23" name="Straight Connector 22"/>
+          <p:cNvCxnSpPr/>
+          <p:nvPr/>
+        </p:nvCxnSpPr>
+        <p:spPr>
+          <a:xfrm>
+            <a:off x="4572000" y="-94961"/>
+            <a:ext cx="0" cy="7050890"/>
+          </a:xfrm>
+          <a:prstGeom prst="line">
+            <a:avLst/>
+          </a:prstGeom>
+        </p:spPr>
+        <p:style>
+          <a:lnRef idx="2">
+            <a:schemeClr val="accent1"/>
+          </a:lnRef>
+          <a:fillRef idx="0">
+            <a:schemeClr val="accent1"/>
+          </a:fillRef>
+          <a:effectRef idx="1">
+            <a:schemeClr val="accent1"/>
+          </a:effectRef>
+          <a:fontRef idx="minor">
+            <a:schemeClr val="tx1"/>
+          </a:fontRef>
+        </p:style>
+      </p:cxnSp>
+      <p:cxnSp>
+        <p:nvCxnSpPr>
+          <p:cNvPr id="26" name="Straight Connector 25"/>
+          <p:cNvCxnSpPr/>
+          <p:nvPr/>
+        </p:nvCxnSpPr>
+        <p:spPr>
+          <a:xfrm>
+            <a:off x="-94956" y="3429000"/>
+            <a:ext cx="9317912" cy="0"/>
+          </a:xfrm>
+          <a:prstGeom prst="line">
+            <a:avLst/>
+          </a:prstGeom>
+        </p:spPr>
+        <p:style>
+          <a:lnRef idx="2">
+            <a:schemeClr val="accent1"/>
+          </a:lnRef>
+          <a:fillRef idx="0">
+            <a:schemeClr val="accent1"/>
+          </a:fillRef>
+          <a:effectRef idx="1">
+            <a:schemeClr val="accent1"/>
+          </a:effectRef>
+          <a:fontRef idx="minor">
+            <a:schemeClr val="tx1"/>
+          </a:fontRef>
+        </p:style>
+      </p:cxnSp>
+      <p:sp>
+        <p:nvSpPr>
+          <p:cNvPr id="28" name="TextBox 27"/>
+          <p:cNvSpPr txBox="1"/>
+          <p:nvPr/>
+        </p:nvSpPr>
+        <p:spPr>
+          <a:xfrm>
+            <a:off x="0" y="3429000"/>
+            <a:ext cx="4572000" cy="646331"/>
+          </a:xfrm>
+          <a:prstGeom prst="rect">
+            <a:avLst/>
+          </a:prstGeom>
+          <a:noFill/>
+        </p:spPr>
+        <p:txBody>
+          <a:bodyPr wrap="square" rtlCol="0">
+            <a:spAutoFit/>
+          </a:bodyPr>
+          <a:lstStyle/>
+          <a:p>
+            <a:pPr algn="ctr"/>
+            <a:r>
+              <a:rPr lang="en-US" sz="3600" b="1" dirty="0" smtClean="0"/>
+              <a:t>M</a:t>
+            </a:r>
+            <a:r>
+              <a:rPr lang="en-US" sz="3600" b="1" baseline="30000" dirty="0" smtClean="0"/>
+              <a:t>2</a:t>
+            </a:r>
+            <a:endParaRPr lang="en-US" sz="3600" b="1" dirty="0"/>
+          </a:p>
+        </p:txBody>
+      </p:sp>
+      <p:sp>
+        <p:nvSpPr>
+          <p:cNvPr id="29" name="TextBox 28"/>
+          <p:cNvSpPr txBox="1"/>
+          <p:nvPr/>
+        </p:nvSpPr>
+        <p:spPr>
+          <a:xfrm>
+            <a:off x="4650956" y="3429000"/>
+            <a:ext cx="4572000" cy="646331"/>
+          </a:xfrm>
+          <a:prstGeom prst="rect">
+            <a:avLst/>
+          </a:prstGeom>
+          <a:noFill/>
+        </p:spPr>
+        <p:txBody>
+          <a:bodyPr wrap="square" rtlCol="0">
+            <a:spAutoFit/>
+          </a:bodyPr>
+          <a:lstStyle/>
+          <a:p>
+            <a:pPr algn="ctr"/>
+            <a:r>
+              <a:rPr lang="en-US" sz="3600" b="1" dirty="0" smtClean="0"/>
+              <a:t>M</a:t>
+            </a:r>
+            <a:r>
+              <a:rPr lang="en-US" sz="3600" b="1" baseline="30000" dirty="0"/>
+              <a:t>3</a:t>
+            </a:r>
+            <a:endParaRPr lang="en-US" sz="3600" b="1" dirty="0"/>
+          </a:p>
+        </p:txBody>
+      </p:sp>
+      <p:sp>
+        <p:nvSpPr>
+          <p:cNvPr id="32" name="TextBox 31"/>
+          <p:cNvSpPr txBox="1"/>
+          <p:nvPr/>
+        </p:nvSpPr>
+        <p:spPr>
+          <a:xfrm>
+            <a:off x="1293384" y="5026665"/>
+            <a:ext cx="422111" cy="584776"/>
+          </a:xfrm>
+          <a:prstGeom prst="rect">
+            <a:avLst/>
+          </a:prstGeom>
+          <a:noFill/>
+        </p:spPr>
+        <p:txBody>
+          <a:bodyPr wrap="none" rtlCol="0">
+            <a:spAutoFit/>
+          </a:bodyPr>
+          <a:lstStyle/>
+          <a:p>
+            <a:r>
+              <a:rPr lang="en-US" sz="3200" dirty="0" smtClean="0"/>
+              <a:t>A</a:t>
+            </a:r>
+            <a:endParaRPr lang="en-US" sz="3200" dirty="0"/>
+          </a:p>
+        </p:txBody>
+      </p:sp>
+      <p:sp>
+        <p:nvSpPr>
+          <p:cNvPr id="36" name="TextBox 35"/>
+          <p:cNvSpPr txBox="1"/>
+          <p:nvPr/>
+        </p:nvSpPr>
+        <p:spPr>
+          <a:xfrm>
+            <a:off x="1871260" y="5023877"/>
+            <a:ext cx="422111" cy="584776"/>
+          </a:xfrm>
+          <a:prstGeom prst="rect">
+            <a:avLst/>
+          </a:prstGeom>
+          <a:noFill/>
+        </p:spPr>
+        <p:txBody>
+          <a:bodyPr wrap="none" rtlCol="0">
+            <a:spAutoFit/>
+          </a:bodyPr>
+          <a:lstStyle/>
+          <a:p>
+            <a:r>
+              <a:rPr lang="en-US" sz="3200" dirty="0" smtClean="0"/>
+              <a:t>B</a:t>
+            </a:r>
+            <a:endParaRPr lang="en-US" sz="3200" dirty="0"/>
+          </a:p>
+        </p:txBody>
+      </p:sp>
+      <p:sp>
+        <p:nvSpPr>
+          <p:cNvPr id="40" name="TextBox 39"/>
+          <p:cNvSpPr txBox="1"/>
+          <p:nvPr/>
+        </p:nvSpPr>
+        <p:spPr>
+          <a:xfrm>
+            <a:off x="2434322" y="5023877"/>
+            <a:ext cx="403476" cy="584776"/>
+          </a:xfrm>
+          <a:prstGeom prst="rect">
+            <a:avLst/>
+          </a:prstGeom>
+          <a:noFill/>
+        </p:spPr>
+        <p:txBody>
+          <a:bodyPr wrap="none" rtlCol="0">
+            <a:spAutoFit/>
+          </a:bodyPr>
+          <a:lstStyle/>
+          <a:p>
+            <a:r>
+              <a:rPr lang="en-US" sz="3200" dirty="0" smtClean="0"/>
+              <a:t>C</a:t>
+            </a:r>
+            <a:endParaRPr lang="en-US" sz="3200" dirty="0"/>
+          </a:p>
+        </p:txBody>
+      </p:sp>
+      <p:sp>
+        <p:nvSpPr>
+          <p:cNvPr id="44" name="TextBox 43"/>
+          <p:cNvSpPr txBox="1"/>
+          <p:nvPr/>
+        </p:nvSpPr>
+        <p:spPr>
+          <a:xfrm>
+            <a:off x="2975128" y="5023877"/>
+            <a:ext cx="437139" cy="584776"/>
+          </a:xfrm>
+          <a:prstGeom prst="rect">
+            <a:avLst/>
+          </a:prstGeom>
+          <a:noFill/>
+        </p:spPr>
+        <p:txBody>
+          <a:bodyPr wrap="none" rtlCol="0">
+            <a:spAutoFit/>
+          </a:bodyPr>
+          <a:lstStyle/>
+          <a:p>
+            <a:r>
+              <a:rPr lang="en-US" sz="3200" dirty="0" smtClean="0"/>
+              <a:t>D</a:t>
+            </a:r>
+            <a:endParaRPr lang="en-US" sz="3200" dirty="0"/>
+          </a:p>
+        </p:txBody>
+      </p:sp>
+      <p:sp>
+        <p:nvSpPr>
+          <p:cNvPr id="46" name="TextBox 45"/>
+          <p:cNvSpPr txBox="1"/>
+          <p:nvPr/>
+        </p:nvSpPr>
+        <p:spPr>
+          <a:xfrm>
+            <a:off x="1330455" y="1892040"/>
+            <a:ext cx="385041" cy="584776"/>
+          </a:xfrm>
+          <a:prstGeom prst="rect">
+            <a:avLst/>
+          </a:prstGeom>
+          <a:noFill/>
+        </p:spPr>
+        <p:txBody>
+          <a:bodyPr wrap="none" rtlCol="0">
+            <a:spAutoFit/>
+          </a:bodyPr>
+          <a:lstStyle/>
+          <a:p>
+            <a:r>
+              <a:rPr lang="en-US" sz="3200" dirty="0" smtClean="0"/>
+              <a:t>E</a:t>
+            </a:r>
+            <a:endParaRPr lang="en-US" sz="3200" dirty="0"/>
+          </a:p>
+        </p:txBody>
+      </p:sp>
+      <p:sp>
+        <p:nvSpPr>
+          <p:cNvPr id="50" name="TextBox 49"/>
+          <p:cNvSpPr txBox="1"/>
+          <p:nvPr/>
+        </p:nvSpPr>
+        <p:spPr>
+          <a:xfrm>
+            <a:off x="1904966" y="1892040"/>
+            <a:ext cx="373219" cy="584776"/>
+          </a:xfrm>
+          <a:prstGeom prst="rect">
+            <a:avLst/>
+          </a:prstGeom>
+          <a:noFill/>
+        </p:spPr>
+        <p:txBody>
+          <a:bodyPr wrap="none" rtlCol="0">
+            <a:spAutoFit/>
+          </a:bodyPr>
+          <a:lstStyle/>
+          <a:p>
+            <a:r>
+              <a:rPr lang="en-US" sz="3200" dirty="0" smtClean="0"/>
+              <a:t>F</a:t>
+            </a:r>
+            <a:endParaRPr lang="en-US" sz="3200" dirty="0"/>
+          </a:p>
+        </p:txBody>
+      </p:sp>
+      <p:sp>
+        <p:nvSpPr>
+          <p:cNvPr id="62" name="TextBox 61"/>
+          <p:cNvSpPr txBox="1"/>
+          <p:nvPr/>
+        </p:nvSpPr>
+        <p:spPr>
+          <a:xfrm>
+            <a:off x="1904966" y="1892040"/>
+            <a:ext cx="373219" cy="584776"/>
+          </a:xfrm>
+          <a:prstGeom prst="rect">
+            <a:avLst/>
+          </a:prstGeom>
+          <a:noFill/>
+        </p:spPr>
+        <p:txBody>
+          <a:bodyPr wrap="none" rtlCol="0">
+            <a:spAutoFit/>
+          </a:bodyPr>
+          <a:lstStyle/>
+          <a:p>
+            <a:r>
+              <a:rPr lang="en-US" sz="3200" dirty="0" smtClean="0"/>
+              <a:t>F</a:t>
+            </a:r>
+            <a:endParaRPr lang="en-US" sz="3200" dirty="0"/>
+          </a:p>
+        </p:txBody>
+      </p:sp>
+      <p:sp>
+        <p:nvSpPr>
+          <p:cNvPr id="63" name="TextBox 62"/>
+          <p:cNvSpPr txBox="1"/>
+          <p:nvPr/>
+        </p:nvSpPr>
+        <p:spPr>
+          <a:xfrm>
+            <a:off x="6832212" y="1170767"/>
+            <a:ext cx="403476" cy="584776"/>
+          </a:xfrm>
+          <a:prstGeom prst="rect">
+            <a:avLst/>
+          </a:prstGeom>
+          <a:noFill/>
+        </p:spPr>
+        <p:txBody>
+          <a:bodyPr wrap="none" rtlCol="0">
+            <a:spAutoFit/>
+          </a:bodyPr>
+          <a:lstStyle/>
+          <a:p>
+            <a:r>
+              <a:rPr lang="en-US" sz="3200" dirty="0" smtClean="0"/>
+              <a:t>C</a:t>
+            </a:r>
+            <a:endParaRPr lang="en-US" sz="3200" dirty="0"/>
+          </a:p>
+        </p:txBody>
+      </p:sp>
+      <p:sp>
+        <p:nvSpPr>
+          <p:cNvPr id="64" name="TextBox 63"/>
+          <p:cNvSpPr txBox="1"/>
+          <p:nvPr/>
+        </p:nvSpPr>
+        <p:spPr>
+          <a:xfrm>
+            <a:off x="7373018" y="1170767"/>
+            <a:ext cx="437139" cy="584776"/>
+          </a:xfrm>
+          <a:prstGeom prst="rect">
+            <a:avLst/>
+          </a:prstGeom>
+          <a:noFill/>
+        </p:spPr>
+        <p:txBody>
+          <a:bodyPr wrap="none" rtlCol="0">
+            <a:spAutoFit/>
+          </a:bodyPr>
+          <a:lstStyle/>
+          <a:p>
+            <a:r>
+              <a:rPr lang="en-US" sz="3200" dirty="0" smtClean="0"/>
+              <a:t>D</a:t>
+            </a:r>
+            <a:endParaRPr lang="en-US" sz="3200" dirty="0"/>
+          </a:p>
+        </p:txBody>
+      </p:sp>
+      <p:sp>
+        <p:nvSpPr>
+          <p:cNvPr id="65" name="TextBox 64"/>
+          <p:cNvSpPr txBox="1"/>
+          <p:nvPr/>
+        </p:nvSpPr>
+        <p:spPr>
+          <a:xfrm>
+            <a:off x="-2" y="-65965"/>
+            <a:ext cx="913957" cy="523220"/>
+          </a:xfrm>
+          <a:prstGeom prst="rect">
+            <a:avLst/>
+          </a:prstGeom>
+          <a:noFill/>
+        </p:spPr>
+        <p:txBody>
+          <a:bodyPr wrap="square" rtlCol="0">
+            <a:spAutoFit/>
+          </a:bodyPr>
+          <a:lstStyle/>
+          <a:p>
+            <a:r>
+              <a:rPr lang="en-US" sz="2800" dirty="0"/>
+              <a:t>t</a:t>
+            </a:r>
+            <a:r>
+              <a:rPr lang="en-US" sz="2800" dirty="0" smtClean="0"/>
+              <a:t> =6</a:t>
+            </a:r>
+            <a:endParaRPr lang="en-US" sz="2800" dirty="0"/>
+          </a:p>
+        </p:txBody>
+      </p:sp>
+    </p:spTree>
+    <p:extLst>
+      <p:ext uri="{BB962C8B-B14F-4D97-AF65-F5344CB8AC3E}">
+        <p14:creationId xmlns:p14="http://schemas.microsoft.com/office/powerpoint/2010/main" val="1409968461"/>
+      </p:ext>
+    </p:extLst>
+  </p:cSld>
+  <p:clrMapOvr>
+    <a:masterClrMapping/>
+  </p:clrMapOvr>
+  <p:timing>
+    <p:tnLst>
+      <p:par>
+        <p:cTn xmlns:p14="http://schemas.microsoft.com/office/powerpoint/2010/main" id="1" dur="indefinite" restart="never" nodeType="tmRoot">
+          <p:childTnLst>
+            <p:seq concurrent="1" nextAc="seek">
+              <p:cTn id="2" dur="indefinite" nodeType="mainSeq">
+                <p:childTnLst>
+                  <p:par>
+                    <p:cTn id="3" fill="hold">
+                      <p:stCondLst>
+                        <p:cond delay="indefinite"/>
+                        <p:cond evt="onBegin" delay="0">
+                          <p:tn val="2"/>
+                        </p:cond>
+                      </p:stCondLst>
+                      <p:childTnLst>
+                        <p:par>
+                          <p:cTn id="4" fill="hold">
+                            <p:stCondLst>
+                              <p:cond delay="0"/>
+                            </p:stCondLst>
+                            <p:childTnLst>
+                              <p:par>
+                                <p:cTn id="5" presetID="0" presetClass="path" presetSubtype="0" accel="50000" decel="50000" fill="hold" grpId="0" nodeType="afterEffect">
+                                  <p:stCondLst>
+                                    <p:cond delay="250"/>
+                                  </p:stCondLst>
+                                  <p:childTnLst>
+                                    <p:animMotion origin="layout" path="M 0 0 L 0.48046 0 " pathEditMode="relative" ptsTypes="AA">
+                                      <p:cBhvr>
+                                        <p:cTn id="6" dur="1000" fill="hold"/>
+                                        <p:tgtEl>
+                                          <p:spTgt spid="50"/>
+                                        </p:tgtEl>
+                                        <p:attrNameLst>
+                                          <p:attrName>ppt_x</p:attrName>
+                                          <p:attrName>ppt_y</p:attrName>
+                                        </p:attrNameLst>
+                                      </p:cBhvr>
+                                    </p:animMotion>
+                                  </p:childTnLst>
+                                </p:cTn>
+                              </p:par>
+                              <p:par>
+                                <p:cTn id="7" presetID="0" presetClass="path" presetSubtype="0" accel="50000" decel="50000" fill="hold" grpId="0" nodeType="withEffect">
+                                  <p:stCondLst>
+                                    <p:cond delay="250"/>
+                                  </p:stCondLst>
+                                  <p:childTnLst>
+                                    <p:animMotion origin="layout" path="M 0 0 L 0.48046 0 " pathEditMode="relative" ptsTypes="AA">
+                                      <p:cBhvr>
+                                        <p:cTn id="8" dur="1000" fill="hold"/>
+                                        <p:tgtEl>
+                                          <p:spTgt spid="46"/>
+                                        </p:tgtEl>
+                                        <p:attrNameLst>
+                                          <p:attrName>ppt_x</p:attrName>
+                                          <p:attrName>ppt_y</p:attrName>
+                                        </p:attrNameLst>
+                                      </p:cBhvr>
+                                    </p:animMotion>
+                                  </p:childTnLst>
+                                </p:cTn>
+                              </p:par>
+                            </p:childTnLst>
+                          </p:cTn>
+                        </p:par>
+                        <p:par>
+                          <p:cTn id="9" fill="hold">
+                            <p:stCondLst>
+                              <p:cond delay="1250"/>
+                            </p:stCondLst>
+                            <p:childTnLst>
+                              <p:par>
+                                <p:cTn id="10" presetID="9" presetClass="exit" presetSubtype="0" fill="hold" grpId="0" nodeType="afterEffect">
+                                  <p:stCondLst>
+                                    <p:cond delay="0"/>
+                                  </p:stCondLst>
+                                  <p:childTnLst>
+                                    <p:animEffect transition="out" filter="dissolve">
+                                      <p:cBhvr>
+                                        <p:cTn id="11" dur="500"/>
+                                        <p:tgtEl>
+                                          <p:spTgt spid="63"/>
+                                        </p:tgtEl>
+                                      </p:cBhvr>
+                                    </p:animEffect>
+                                    <p:set>
+                                      <p:cBhvr>
+                                        <p:cTn id="12" dur="1" fill="hold">
+                                          <p:stCondLst>
+                                            <p:cond delay="499"/>
+                                          </p:stCondLst>
+                                        </p:cTn>
+                                        <p:tgtEl>
+                                          <p:spTgt spid="63"/>
+                                        </p:tgtEl>
+                                        <p:attrNameLst>
+                                          <p:attrName>style.visibility</p:attrName>
+                                        </p:attrNameLst>
+                                      </p:cBhvr>
+                                      <p:to>
+                                        <p:strVal val="hidden"/>
+                                      </p:to>
+                                    </p:set>
+                                  </p:childTnLst>
+                                </p:cTn>
+                              </p:par>
+                              <p:par>
+                                <p:cTn id="13" presetID="9" presetClass="exit" presetSubtype="0" fill="hold" grpId="0" nodeType="withEffect">
+                                  <p:stCondLst>
+                                    <p:cond delay="0"/>
+                                  </p:stCondLst>
+                                  <p:childTnLst>
+                                    <p:animEffect transition="out" filter="dissolve">
+                                      <p:cBhvr>
+                                        <p:cTn id="14" dur="500"/>
+                                        <p:tgtEl>
+                                          <p:spTgt spid="64"/>
+                                        </p:tgtEl>
+                                      </p:cBhvr>
+                                    </p:animEffect>
+                                    <p:set>
+                                      <p:cBhvr>
+                                        <p:cTn id="15" dur="1" fill="hold">
+                                          <p:stCondLst>
+                                            <p:cond delay="499"/>
+                                          </p:stCondLst>
+                                        </p:cTn>
+                                        <p:tgtEl>
+                                          <p:spTgt spid="64"/>
+                                        </p:tgtEl>
+                                        <p:attrNameLst>
+                                          <p:attrName>style.visibility</p:attrName>
+                                        </p:attrNameLst>
+                                      </p:cBhvr>
+                                      <p:to>
+                                        <p:strVal val="hidden"/>
+                                      </p:to>
+                                    </p:set>
+                                  </p:childTnLst>
+                                </p:cTn>
+                              </p:par>
+                            </p:childTnLst>
+                          </p:cTn>
+                        </p:par>
+                      </p:childTnLst>
+                    </p:cTn>
+                  </p:par>
+                </p:childTnLst>
+              </p:cTn>
+              <p:prevCondLst>
+                <p:cond evt="onPrev" delay="0">
+                  <p:tgtEl>
+                    <p:sldTgt/>
+                  </p:tgtEl>
+                </p:cond>
+              </p:prevCondLst>
+              <p:nextCondLst>
+                <p:cond evt="onNext" delay="0">
+                  <p:tgtEl>
+                    <p:sldTgt/>
+                  </p:tgtEl>
+                </p:cond>
+              </p:nextCondLst>
+            </p:seq>
+          </p:childTnLst>
+        </p:cTn>
+      </p:par>
+    </p:tnLst>
+    <p:bldLst>
+      <p:bldP spid="46" grpId="0"/>
+      <p:bldP spid="50" grpId="0"/>
+      <p:bldP spid="63" grpId="0"/>
+      <p:bldP spid="64" grpId="0"/>
+    </p:bldLst>
+  </p:timing>
+</p:sld>
+</file>
+
+<file path=ppt/slides/slide12.xml><?xml version="1.0" encoding="utf-8"?>
+<p:sld xmlns:a="http://schemas.openxmlformats.org/drawingml/2006/main" xmlns:r="http://schemas.openxmlformats.org/officeDocument/2006/relationships" xmlns:p="http://schemas.openxmlformats.org/presentationml/2006/main">
+  <p:cSld>
+    <p:spTree>
+      <p:nvGrpSpPr>
+        <p:cNvPr id="1" name=""/>
+        <p:cNvGrpSpPr/>
+        <p:nvPr/>
+      </p:nvGrpSpPr>
+      <p:grpSpPr>
+        <a:xfrm>
+          <a:off x="0" y="0"/>
+          <a:ext cx="0" cy="0"/>
+          <a:chOff x="0" y="0"/>
+          <a:chExt cx="0" cy="0"/>
+        </a:xfrm>
+      </p:grpSpPr>
+      <p:sp>
+        <p:nvSpPr>
+          <p:cNvPr id="20" name="TextBox 19"/>
+          <p:cNvSpPr txBox="1"/>
+          <p:nvPr/>
+        </p:nvSpPr>
+        <p:spPr>
+          <a:xfrm>
+            <a:off x="-2" y="12096"/>
+            <a:ext cx="4572000" cy="646331"/>
+          </a:xfrm>
+          <a:prstGeom prst="rect">
+            <a:avLst/>
+          </a:prstGeom>
+          <a:noFill/>
+        </p:spPr>
+        <p:txBody>
+          <a:bodyPr wrap="square" rtlCol="0">
+            <a:spAutoFit/>
+          </a:bodyPr>
+          <a:lstStyle/>
+          <a:p>
+            <a:pPr algn="ctr"/>
+            <a:r>
+              <a:rPr lang="en-US" sz="3600" b="1" dirty="0" smtClean="0"/>
+              <a:t>M</a:t>
+            </a:r>
+            <a:r>
+              <a:rPr lang="en-US" sz="3600" b="1" baseline="30000" dirty="0" smtClean="0"/>
+              <a:t>0</a:t>
+            </a:r>
+            <a:endParaRPr lang="en-US" sz="3600" b="1" dirty="0"/>
+          </a:p>
+        </p:txBody>
+      </p:sp>
+      <p:sp>
+        <p:nvSpPr>
+          <p:cNvPr id="21" name="TextBox 20"/>
+          <p:cNvSpPr txBox="1"/>
+          <p:nvPr/>
+        </p:nvSpPr>
+        <p:spPr>
+          <a:xfrm>
+            <a:off x="4650956" y="12096"/>
+            <a:ext cx="4572000" cy="646331"/>
+          </a:xfrm>
+          <a:prstGeom prst="rect">
+            <a:avLst/>
+          </a:prstGeom>
+          <a:noFill/>
+        </p:spPr>
+        <p:txBody>
+          <a:bodyPr wrap="square" rtlCol="0">
+            <a:spAutoFit/>
+          </a:bodyPr>
+          <a:lstStyle/>
+          <a:p>
+            <a:pPr algn="ctr"/>
+            <a:r>
+              <a:rPr lang="en-US" sz="3600" b="1" dirty="0" smtClean="0"/>
+              <a:t>M</a:t>
+            </a:r>
+            <a:r>
+              <a:rPr lang="en-US" sz="3600" b="1" baseline="30000" dirty="0"/>
+              <a:t>1</a:t>
+            </a:r>
+            <a:endParaRPr lang="en-US" sz="3600" b="1" dirty="0"/>
+          </a:p>
+        </p:txBody>
+      </p:sp>
+      <p:cxnSp>
+        <p:nvCxnSpPr>
+          <p:cNvPr id="23" name="Straight Connector 22"/>
+          <p:cNvCxnSpPr/>
+          <p:nvPr/>
+        </p:nvCxnSpPr>
+        <p:spPr>
+          <a:xfrm>
+            <a:off x="4572000" y="-94961"/>
+            <a:ext cx="0" cy="7050890"/>
+          </a:xfrm>
+          <a:prstGeom prst="line">
+            <a:avLst/>
+          </a:prstGeom>
+        </p:spPr>
+        <p:style>
+          <a:lnRef idx="2">
+            <a:schemeClr val="accent1"/>
+          </a:lnRef>
+          <a:fillRef idx="0">
+            <a:schemeClr val="accent1"/>
+          </a:fillRef>
+          <a:effectRef idx="1">
+            <a:schemeClr val="accent1"/>
+          </a:effectRef>
+          <a:fontRef idx="minor">
+            <a:schemeClr val="tx1"/>
+          </a:fontRef>
+        </p:style>
+      </p:cxnSp>
+      <p:cxnSp>
+        <p:nvCxnSpPr>
+          <p:cNvPr id="26" name="Straight Connector 25"/>
+          <p:cNvCxnSpPr/>
+          <p:nvPr/>
+        </p:nvCxnSpPr>
+        <p:spPr>
+          <a:xfrm>
+            <a:off x="-94956" y="3429000"/>
+            <a:ext cx="9317912" cy="0"/>
+          </a:xfrm>
+          <a:prstGeom prst="line">
+            <a:avLst/>
+          </a:prstGeom>
+        </p:spPr>
+        <p:style>
+          <a:lnRef idx="2">
+            <a:schemeClr val="accent1"/>
+          </a:lnRef>
+          <a:fillRef idx="0">
+            <a:schemeClr val="accent1"/>
+          </a:fillRef>
+          <a:effectRef idx="1">
+            <a:schemeClr val="accent1"/>
+          </a:effectRef>
+          <a:fontRef idx="minor">
+            <a:schemeClr val="tx1"/>
+          </a:fontRef>
+        </p:style>
+      </p:cxnSp>
+      <p:sp>
+        <p:nvSpPr>
+          <p:cNvPr id="28" name="TextBox 27"/>
+          <p:cNvSpPr txBox="1"/>
+          <p:nvPr/>
+        </p:nvSpPr>
+        <p:spPr>
+          <a:xfrm>
+            <a:off x="0" y="3429000"/>
+            <a:ext cx="4572000" cy="646331"/>
+          </a:xfrm>
+          <a:prstGeom prst="rect">
+            <a:avLst/>
+          </a:prstGeom>
+          <a:noFill/>
+        </p:spPr>
+        <p:txBody>
+          <a:bodyPr wrap="square" rtlCol="0">
+            <a:spAutoFit/>
+          </a:bodyPr>
+          <a:lstStyle/>
+          <a:p>
+            <a:pPr algn="ctr"/>
+            <a:r>
+              <a:rPr lang="en-US" sz="3600" b="1" dirty="0" smtClean="0"/>
+              <a:t>M</a:t>
+            </a:r>
+            <a:r>
+              <a:rPr lang="en-US" sz="3600" b="1" baseline="30000" dirty="0" smtClean="0"/>
+              <a:t>2</a:t>
+            </a:r>
+            <a:endParaRPr lang="en-US" sz="3600" b="1" dirty="0"/>
+          </a:p>
+        </p:txBody>
+      </p:sp>
+      <p:sp>
+        <p:nvSpPr>
+          <p:cNvPr id="29" name="TextBox 28"/>
+          <p:cNvSpPr txBox="1"/>
+          <p:nvPr/>
+        </p:nvSpPr>
+        <p:spPr>
+          <a:xfrm>
+            <a:off x="4650956" y="3429000"/>
+            <a:ext cx="4572000" cy="646331"/>
+          </a:xfrm>
+          <a:prstGeom prst="rect">
+            <a:avLst/>
+          </a:prstGeom>
+          <a:noFill/>
+        </p:spPr>
+        <p:txBody>
+          <a:bodyPr wrap="square" rtlCol="0">
+            <a:spAutoFit/>
+          </a:bodyPr>
+          <a:lstStyle/>
+          <a:p>
+            <a:pPr algn="ctr"/>
+            <a:r>
+              <a:rPr lang="en-US" sz="3600" b="1" dirty="0" smtClean="0"/>
+              <a:t>M</a:t>
+            </a:r>
+            <a:r>
+              <a:rPr lang="en-US" sz="3600" b="1" baseline="30000" dirty="0"/>
+              <a:t>3</a:t>
+            </a:r>
+            <a:endParaRPr lang="en-US" sz="3600" b="1" dirty="0"/>
+          </a:p>
+        </p:txBody>
+      </p:sp>
+      <p:sp>
+        <p:nvSpPr>
+          <p:cNvPr id="32" name="TextBox 31"/>
+          <p:cNvSpPr txBox="1"/>
+          <p:nvPr/>
+        </p:nvSpPr>
+        <p:spPr>
+          <a:xfrm>
+            <a:off x="1293384" y="5026665"/>
+            <a:ext cx="422111" cy="584776"/>
+          </a:xfrm>
+          <a:prstGeom prst="rect">
+            <a:avLst/>
+          </a:prstGeom>
+          <a:noFill/>
+        </p:spPr>
+        <p:txBody>
+          <a:bodyPr wrap="none" rtlCol="0">
+            <a:spAutoFit/>
+          </a:bodyPr>
+          <a:lstStyle/>
+          <a:p>
+            <a:r>
+              <a:rPr lang="en-US" sz="3200" dirty="0" smtClean="0"/>
+              <a:t>A</a:t>
+            </a:r>
+            <a:endParaRPr lang="en-US" sz="3200" dirty="0"/>
+          </a:p>
+        </p:txBody>
+      </p:sp>
+      <p:sp>
+        <p:nvSpPr>
+          <p:cNvPr id="36" name="TextBox 35"/>
+          <p:cNvSpPr txBox="1"/>
+          <p:nvPr/>
+        </p:nvSpPr>
+        <p:spPr>
+          <a:xfrm>
+            <a:off x="1871260" y="5023877"/>
+            <a:ext cx="422111" cy="584776"/>
+          </a:xfrm>
+          <a:prstGeom prst="rect">
+            <a:avLst/>
+          </a:prstGeom>
+          <a:noFill/>
+        </p:spPr>
+        <p:txBody>
+          <a:bodyPr wrap="none" rtlCol="0">
+            <a:spAutoFit/>
+          </a:bodyPr>
+          <a:lstStyle/>
+          <a:p>
+            <a:r>
+              <a:rPr lang="en-US" sz="3200" dirty="0" smtClean="0"/>
+              <a:t>B</a:t>
+            </a:r>
+            <a:endParaRPr lang="en-US" sz="3200" dirty="0"/>
+          </a:p>
+        </p:txBody>
+      </p:sp>
+      <p:sp>
+        <p:nvSpPr>
+          <p:cNvPr id="40" name="TextBox 39"/>
+          <p:cNvSpPr txBox="1"/>
+          <p:nvPr/>
+        </p:nvSpPr>
+        <p:spPr>
+          <a:xfrm>
+            <a:off x="2434322" y="5023877"/>
+            <a:ext cx="403476" cy="584776"/>
+          </a:xfrm>
+          <a:prstGeom prst="rect">
+            <a:avLst/>
+          </a:prstGeom>
+          <a:noFill/>
+        </p:spPr>
+        <p:txBody>
+          <a:bodyPr wrap="none" rtlCol="0">
+            <a:spAutoFit/>
+          </a:bodyPr>
+          <a:lstStyle/>
+          <a:p>
+            <a:r>
+              <a:rPr lang="en-US" sz="3200" dirty="0" smtClean="0"/>
+              <a:t>C</a:t>
+            </a:r>
+            <a:endParaRPr lang="en-US" sz="3200" dirty="0"/>
+          </a:p>
+        </p:txBody>
+      </p:sp>
+      <p:sp>
+        <p:nvSpPr>
+          <p:cNvPr id="44" name="TextBox 43"/>
+          <p:cNvSpPr txBox="1"/>
+          <p:nvPr/>
+        </p:nvSpPr>
+        <p:spPr>
+          <a:xfrm>
+            <a:off x="2975128" y="5023877"/>
+            <a:ext cx="437139" cy="584776"/>
+          </a:xfrm>
+          <a:prstGeom prst="rect">
+            <a:avLst/>
+          </a:prstGeom>
+          <a:noFill/>
+        </p:spPr>
+        <p:txBody>
+          <a:bodyPr wrap="none" rtlCol="0">
+            <a:spAutoFit/>
+          </a:bodyPr>
+          <a:lstStyle/>
+          <a:p>
+            <a:r>
+              <a:rPr lang="en-US" sz="3200" dirty="0" smtClean="0"/>
+              <a:t>D</a:t>
+            </a:r>
+            <a:endParaRPr lang="en-US" sz="3200" dirty="0"/>
+          </a:p>
+        </p:txBody>
+      </p:sp>
+      <p:sp>
+        <p:nvSpPr>
+          <p:cNvPr id="49" name="TextBox 48"/>
+          <p:cNvSpPr txBox="1"/>
+          <p:nvPr/>
+        </p:nvSpPr>
+        <p:spPr>
+          <a:xfrm>
+            <a:off x="5728344" y="1904786"/>
+            <a:ext cx="385041" cy="584776"/>
+          </a:xfrm>
+          <a:prstGeom prst="rect">
+            <a:avLst/>
+          </a:prstGeom>
+          <a:noFill/>
+        </p:spPr>
+        <p:txBody>
+          <a:bodyPr wrap="none" rtlCol="0">
+            <a:spAutoFit/>
+          </a:bodyPr>
+          <a:lstStyle/>
+          <a:p>
+            <a:r>
+              <a:rPr lang="en-US" sz="3200" dirty="0" smtClean="0"/>
+              <a:t>E</a:t>
+            </a:r>
+            <a:endParaRPr lang="en-US" sz="3200" dirty="0"/>
+          </a:p>
+        </p:txBody>
+      </p:sp>
+      <p:sp>
+        <p:nvSpPr>
+          <p:cNvPr id="53" name="TextBox 52"/>
+          <p:cNvSpPr txBox="1"/>
+          <p:nvPr/>
+        </p:nvSpPr>
+        <p:spPr>
+          <a:xfrm>
+            <a:off x="6302855" y="1904786"/>
+            <a:ext cx="373219" cy="584776"/>
+          </a:xfrm>
+          <a:prstGeom prst="rect">
+            <a:avLst/>
+          </a:prstGeom>
+          <a:noFill/>
+        </p:spPr>
+        <p:txBody>
+          <a:bodyPr wrap="none" rtlCol="0">
+            <a:spAutoFit/>
+          </a:bodyPr>
+          <a:lstStyle/>
+          <a:p>
+            <a:r>
+              <a:rPr lang="en-US" sz="3200" dirty="0" smtClean="0"/>
+              <a:t>F</a:t>
+            </a:r>
+            <a:endParaRPr lang="en-US" sz="3200" dirty="0"/>
+          </a:p>
+        </p:txBody>
+      </p:sp>
+      <p:sp>
+        <p:nvSpPr>
+          <p:cNvPr id="54" name="TextBox 53"/>
+          <p:cNvSpPr txBox="1"/>
+          <p:nvPr/>
+        </p:nvSpPr>
+        <p:spPr>
+          <a:xfrm>
+            <a:off x="2468028" y="1892040"/>
+            <a:ext cx="443551" cy="584776"/>
+          </a:xfrm>
+          <a:prstGeom prst="rect">
+            <a:avLst/>
+          </a:prstGeom>
+          <a:noFill/>
+        </p:spPr>
+        <p:txBody>
+          <a:bodyPr wrap="none" rtlCol="0">
+            <a:spAutoFit/>
+          </a:bodyPr>
+          <a:lstStyle/>
+          <a:p>
+            <a:r>
+              <a:rPr lang="en-US" sz="3200" dirty="0" smtClean="0"/>
+              <a:t>G</a:t>
+            </a:r>
+            <a:endParaRPr lang="en-US" sz="3200" dirty="0"/>
+          </a:p>
+        </p:txBody>
+      </p:sp>
+      <p:sp>
+        <p:nvSpPr>
+          <p:cNvPr id="62" name="TextBox 61"/>
+          <p:cNvSpPr txBox="1"/>
+          <p:nvPr/>
+        </p:nvSpPr>
+        <p:spPr>
+          <a:xfrm>
+            <a:off x="1904966" y="1892040"/>
+            <a:ext cx="373219" cy="584776"/>
+          </a:xfrm>
+          <a:prstGeom prst="rect">
+            <a:avLst/>
+          </a:prstGeom>
+          <a:noFill/>
+        </p:spPr>
+        <p:txBody>
+          <a:bodyPr wrap="none" rtlCol="0">
+            <a:spAutoFit/>
+          </a:bodyPr>
+          <a:lstStyle/>
+          <a:p>
+            <a:r>
+              <a:rPr lang="en-US" sz="3200" dirty="0" smtClean="0"/>
+              <a:t>F</a:t>
+            </a:r>
+            <a:endParaRPr lang="en-US" sz="3200" dirty="0"/>
+          </a:p>
+        </p:txBody>
+      </p:sp>
+      <p:sp>
+        <p:nvSpPr>
+          <p:cNvPr id="63" name="TextBox 62"/>
+          <p:cNvSpPr txBox="1"/>
+          <p:nvPr/>
+        </p:nvSpPr>
+        <p:spPr>
+          <a:xfrm>
+            <a:off x="-2" y="-65965"/>
+            <a:ext cx="913957" cy="523220"/>
+          </a:xfrm>
+          <a:prstGeom prst="rect">
+            <a:avLst/>
+          </a:prstGeom>
+          <a:noFill/>
+        </p:spPr>
+        <p:txBody>
+          <a:bodyPr wrap="square" rtlCol="0">
+            <a:spAutoFit/>
+          </a:bodyPr>
+          <a:lstStyle/>
+          <a:p>
+            <a:r>
+              <a:rPr lang="en-US" sz="2800" dirty="0"/>
+              <a:t>t</a:t>
+            </a:r>
+            <a:r>
+              <a:rPr lang="en-US" sz="2800" dirty="0" smtClean="0"/>
+              <a:t> =7</a:t>
+            </a:r>
+            <a:endParaRPr lang="en-US" sz="2800" dirty="0"/>
+          </a:p>
+        </p:txBody>
+      </p:sp>
+    </p:spTree>
+    <p:extLst>
+      <p:ext uri="{BB962C8B-B14F-4D97-AF65-F5344CB8AC3E}">
+        <p14:creationId xmlns:p14="http://schemas.microsoft.com/office/powerpoint/2010/main" val="1409968461"/>
+      </p:ext>
+    </p:extLst>
+  </p:cSld>
+  <p:clrMapOvr>
+    <a:masterClrMapping/>
+  </p:clrMapOvr>
+  <p:timing>
+    <p:tnLst>
+      <p:par>
+        <p:cTn xmlns:p14="http://schemas.microsoft.com/office/powerpoint/2010/main" id="1" dur="indefinite" restart="never" nodeType="tmRoot">
+          <p:childTnLst>
+            <p:seq concurrent="1" nextAc="seek">
+              <p:cTn id="2" dur="indefinite" nodeType="mainSeq">
+                <p:childTnLst>
+                  <p:par>
+                    <p:cTn id="3" fill="hold">
+                      <p:stCondLst>
+                        <p:cond delay="indefinite"/>
+                        <p:cond evt="onBegin" delay="0">
+                          <p:tn val="2"/>
+                        </p:cond>
+                      </p:stCondLst>
+                      <p:childTnLst>
+                        <p:par>
+                          <p:cTn id="4" fill="hold">
+                            <p:stCondLst>
+                              <p:cond delay="0"/>
+                            </p:stCondLst>
+                            <p:childTnLst>
+                              <p:par>
+                                <p:cTn id="5" presetID="9" presetClass="exit" presetSubtype="0" fill="hold" grpId="0" nodeType="withEffect">
+                                  <p:stCondLst>
+                                    <p:cond delay="0"/>
+                                  </p:stCondLst>
+                                  <p:childTnLst>
+                                    <p:animEffect transition="out" filter="dissolve">
+                                      <p:cBhvr>
+                                        <p:cTn id="6" dur="500"/>
+                                        <p:tgtEl>
+                                          <p:spTgt spid="62"/>
+                                        </p:tgtEl>
+                                      </p:cBhvr>
+                                    </p:animEffect>
+                                    <p:set>
+                                      <p:cBhvr>
+                                        <p:cTn id="7" dur="1" fill="hold">
+                                          <p:stCondLst>
+                                            <p:cond delay="499"/>
+                                          </p:stCondLst>
+                                        </p:cTn>
+                                        <p:tgtEl>
+                                          <p:spTgt spid="62"/>
+                                        </p:tgtEl>
+                                        <p:attrNameLst>
+                                          <p:attrName>style.visibility</p:attrName>
+                                        </p:attrNameLst>
+                                      </p:cBhvr>
+                                      <p:to>
+                                        <p:strVal val="hidden"/>
+                                      </p:to>
+                                    </p:set>
+                                  </p:childTnLst>
+                                </p:cTn>
+                              </p:par>
+                            </p:childTnLst>
+                          </p:cTn>
+                        </p:par>
+                      </p:childTnLst>
+                    </p:cTn>
+                  </p:par>
+                </p:childTnLst>
+              </p:cTn>
+              <p:prevCondLst>
+                <p:cond evt="onPrev" delay="0">
+                  <p:tgtEl>
+                    <p:sldTgt/>
+                  </p:tgtEl>
+                </p:cond>
+              </p:prevCondLst>
+              <p:nextCondLst>
+                <p:cond evt="onNext" delay="0">
+                  <p:tgtEl>
+                    <p:sldTgt/>
+                  </p:tgtEl>
+                </p:cond>
+              </p:nextCondLst>
+            </p:seq>
+          </p:childTnLst>
+        </p:cTn>
+      </p:par>
+    </p:tnLst>
+    <p:bldLst>
+      <p:bldP spid="62" grpId="0"/>
+    </p:bldLst>
+  </p:timing>
+</p:sld>
+</file>
+
+<file path=ppt/slides/slide13.xml><?xml version="1.0" encoding="utf-8"?>
 <p:sld xmlns:a="http://schemas.openxmlformats.org/drawingml/2006/main" xmlns:r="http://schemas.openxmlformats.org/officeDocument/2006/relationships" xmlns:p="http://schemas.openxmlformats.org/presentationml/2006/main">
   <p:cSld>
     <p:spTree>
@@ -5099,173 +6409,6 @@
 </p:sld>
 </file>
 
-<file path=ppt/slides/slide12.xml><?xml version="1.0" encoding="utf-8"?>
-<p:sld xmlns:a="http://schemas.openxmlformats.org/drawingml/2006/main" xmlns:r="http://schemas.openxmlformats.org/officeDocument/2006/relationships" xmlns:p="http://schemas.openxmlformats.org/presentationml/2006/main">
-  <p:cSld>
-    <p:spTree>
-      <p:nvGrpSpPr>
-        <p:cNvPr id="1" name=""/>
-        <p:cNvGrpSpPr/>
-        <p:nvPr/>
-      </p:nvGrpSpPr>
-      <p:grpSpPr>
-        <a:xfrm>
-          <a:off x="0" y="0"/>
-          <a:ext cx="0" cy="0"/>
-          <a:chOff x="0" y="0"/>
-          <a:chExt cx="0" cy="0"/>
-        </a:xfrm>
-      </p:grpSpPr>
-      <p:sp>
-        <p:nvSpPr>
-          <p:cNvPr id="2" name="Title 1"/>
-          <p:cNvSpPr>
-            <a:spLocks noGrp="1"/>
-          </p:cNvSpPr>
-          <p:nvPr>
-            <p:ph type="title"/>
-          </p:nvPr>
-        </p:nvSpPr>
-        <p:spPr/>
-        <p:txBody>
-          <a:bodyPr/>
-          <a:lstStyle/>
-          <a:p>
-            <a:r>
-              <a:rPr lang="en-US" dirty="0" smtClean="0"/>
-              <a:t>Analysis</a:t>
-            </a:r>
-            <a:endParaRPr lang="en-US" dirty="0"/>
-          </a:p>
-        </p:txBody>
-      </p:sp>
-      <p:sp>
-        <p:nvSpPr>
-          <p:cNvPr id="3" name="Content Placeholder 2"/>
-          <p:cNvSpPr>
-            <a:spLocks noGrp="1"/>
-          </p:cNvSpPr>
-          <p:nvPr>
-            <p:ph idx="1"/>
-          </p:nvPr>
-        </p:nvSpPr>
-        <p:spPr/>
-        <p:txBody>
-          <a:bodyPr/>
-          <a:lstStyle/>
-          <a:p>
-            <a:r>
-              <a:rPr lang="en-US" dirty="0" smtClean="0"/>
-              <a:t>Space requirements:</a:t>
-            </a:r>
-          </a:p>
-          <a:p>
-            <a:r>
-              <a:rPr lang="en-US" dirty="0" smtClean="0"/>
-              <a:t>Time constraints:</a:t>
-            </a:r>
-          </a:p>
-          <a:p>
-            <a:r>
-              <a:rPr lang="en-US" dirty="0" smtClean="0"/>
-              <a:t>Correctness:</a:t>
-            </a:r>
-            <a:endParaRPr lang="en-US" dirty="0"/>
-          </a:p>
-        </p:txBody>
-      </p:sp>
-    </p:spTree>
-    <p:extLst>
-      <p:ext uri="{BB962C8B-B14F-4D97-AF65-F5344CB8AC3E}">
-        <p14:creationId xmlns:p14="http://schemas.microsoft.com/office/powerpoint/2010/main" val="1225324306"/>
-      </p:ext>
-    </p:extLst>
-  </p:cSld>
-  <p:clrMapOvr>
-    <a:masterClrMapping/>
-  </p:clrMapOvr>
-  <p:timing>
-    <p:tnLst>
-      <p:par>
-        <p:cTn xmlns:p14="http://schemas.microsoft.com/office/powerpoint/2010/main" id="1" dur="indefinite" restart="never" nodeType="tmRoot"/>
-      </p:par>
-    </p:tnLst>
-  </p:timing>
-</p:sld>
-</file>
-
-<file path=ppt/slides/slide13.xml><?xml version="1.0" encoding="utf-8"?>
-<p:sld xmlns:a="http://schemas.openxmlformats.org/drawingml/2006/main" xmlns:r="http://schemas.openxmlformats.org/officeDocument/2006/relationships" xmlns:p="http://schemas.openxmlformats.org/presentationml/2006/main">
-  <p:cSld>
-    <p:spTree>
-      <p:nvGrpSpPr>
-        <p:cNvPr id="1" name=""/>
-        <p:cNvGrpSpPr/>
-        <p:nvPr/>
-      </p:nvGrpSpPr>
-      <p:grpSpPr>
-        <a:xfrm>
-          <a:off x="0" y="0"/>
-          <a:ext cx="0" cy="0"/>
-          <a:chOff x="0" y="0"/>
-          <a:chExt cx="0" cy="0"/>
-        </a:xfrm>
-      </p:grpSpPr>
-      <p:sp>
-        <p:nvSpPr>
-          <p:cNvPr id="2" name="Title 1"/>
-          <p:cNvSpPr>
-            <a:spLocks noGrp="1"/>
-          </p:cNvSpPr>
-          <p:nvPr>
-            <p:ph type="title"/>
-          </p:nvPr>
-        </p:nvSpPr>
-        <p:spPr/>
-        <p:txBody>
-          <a:bodyPr/>
-          <a:lstStyle/>
-          <a:p>
-            <a:r>
-              <a:rPr lang="en-US" dirty="0" smtClean="0"/>
-              <a:t>Visualization</a:t>
-            </a:r>
-            <a:endParaRPr lang="en-US" dirty="0"/>
-          </a:p>
-        </p:txBody>
-      </p:sp>
-      <p:sp>
-        <p:nvSpPr>
-          <p:cNvPr id="3" name="Content Placeholder 2"/>
-          <p:cNvSpPr>
-            <a:spLocks noGrp="1"/>
-          </p:cNvSpPr>
-          <p:nvPr>
-            <p:ph idx="1"/>
-          </p:nvPr>
-        </p:nvSpPr>
-        <p:spPr/>
-        <p:txBody>
-          <a:bodyPr/>
-          <a:lstStyle/>
-          <a:p>
-            <a:endParaRPr lang="en-US"/>
-          </a:p>
-        </p:txBody>
-      </p:sp>
-    </p:spTree>
-    <p:extLst>
-      <p:ext uri="{BB962C8B-B14F-4D97-AF65-F5344CB8AC3E}">
-        <p14:creationId xmlns:p14="http://schemas.microsoft.com/office/powerpoint/2010/main" val="1543210240"/>
-      </p:ext>
-    </p:extLst>
-  </p:cSld>
-  <p:clrMapOvr>
-    <a:masterClrMapping/>
-  </p:clrMapOvr>
-</p:sld>
-</file>
-
 <file path=ppt/slides/slide14.xml><?xml version="1.0" encoding="utf-8"?>
 <p:sld xmlns:a="http://schemas.openxmlformats.org/drawingml/2006/main" xmlns:r="http://schemas.openxmlformats.org/officeDocument/2006/relationships" xmlns:p="http://schemas.openxmlformats.org/presentationml/2006/main">
   <p:cSld>
@@ -5300,7 +6443,7 @@
           <a:p>
             <a:r>
               <a:rPr lang="en-US" dirty="0" smtClean="0"/>
-              <a:t>Conclusions</a:t>
+              <a:t>History-Sensitive Algorithm</a:t>
             </a:r>
             <a:endParaRPr lang="en-US" dirty="0"/>
           </a:p>
@@ -5321,14 +6464,43 @@
           <a:bodyPr/>
           <a:lstStyle/>
           <a:p>
-            <a:endParaRPr lang="en-US"/>
+            <a:r>
+              <a:rPr lang="en-US" dirty="0" smtClean="0"/>
+              <a:t>Store historical frequency data in a Hokusai structure</a:t>
+            </a:r>
+            <a:endParaRPr lang="en-US" dirty="0"/>
+          </a:p>
+          <a:p>
+            <a:r>
+              <a:rPr lang="en-US" dirty="0" smtClean="0"/>
+              <a:t>Store exact values of frequencies for recent </a:t>
+            </a:r>
+            <a:r>
+              <a:rPr lang="en-US" dirty="0" err="1" smtClean="0"/>
+              <a:t>hashtags</a:t>
+            </a:r>
+            <a:endParaRPr lang="en-US" dirty="0" smtClean="0"/>
+          </a:p>
+          <a:p>
+            <a:r>
+              <a:rPr lang="en-US" dirty="0" smtClean="0"/>
+              <a:t>Find </a:t>
+            </a:r>
+            <a:r>
+              <a:rPr lang="en-US" dirty="0" err="1" smtClean="0"/>
+              <a:t>hashtags</a:t>
+            </a:r>
+            <a:r>
+              <a:rPr lang="en-US" dirty="0" smtClean="0"/>
+              <a:t> with abnormally high recent frequencies</a:t>
+            </a:r>
           </a:p>
         </p:txBody>
       </p:sp>
     </p:spTree>
     <p:extLst>
       <p:ext uri="{BB962C8B-B14F-4D97-AF65-F5344CB8AC3E}">
-        <p14:creationId xmlns:p14="http://schemas.microsoft.com/office/powerpoint/2010/main" val="59731230"/>
+        <p14:creationId xmlns:p14="http://schemas.microsoft.com/office/powerpoint/2010/main" val="809194568"/>
       </p:ext>
     </p:extLst>
   </p:cSld>
@@ -5362,6 +6534,477 @@
           <a:chExt cx="0" cy="0"/>
         </a:xfrm>
       </p:grpSpPr>
+      <p:graphicFrame>
+        <p:nvGraphicFramePr>
+          <p:cNvPr id="5" name="Object 4"/>
+          <p:cNvGraphicFramePr>
+            <a:graphicFrameLocks noChangeAspect="1"/>
+          </p:cNvGraphicFramePr>
+          <p:nvPr>
+            <p:extLst>
+              <p:ext uri="{D42A27DB-BD31-4B8C-83A1-F6EECF244321}">
+                <p14:modId xmlns:p14="http://schemas.microsoft.com/office/powerpoint/2010/main" val="2915724507"/>
+              </p:ext>
+            </p:extLst>
+          </p:nvPr>
+        </p:nvGraphicFramePr>
+        <p:xfrm>
+          <a:off x="2732088" y="2805113"/>
+          <a:ext cx="3567112" cy="1412875"/>
+        </p:xfrm>
+        <a:graphic>
+          <a:graphicData uri="http://schemas.openxmlformats.org/presentationml/2006/ole">
+            <mc:AlternateContent xmlns:mc="http://schemas.openxmlformats.org/markup-compatibility/2006">
+              <mc:Choice xmlns:v="urn:schemas-microsoft-com:vml" Requires="v">
+                <p:oleObj spid="_x0000_s9225" name="Equation" r:id="rId3" imgW="1219200" imgH="482600" progId="Equation.3">
+                  <p:embed/>
+                </p:oleObj>
+              </mc:Choice>
+              <mc:Fallback>
+                <p:oleObj name="Equation" r:id="rId3" imgW="1219200" imgH="482600" progId="Equation.3">
+                  <p:embed/>
+                  <p:pic>
+                    <p:nvPicPr>
+                      <p:cNvPr id="0" name=""/>
+                      <p:cNvPicPr/>
+                      <p:nvPr/>
+                    </p:nvPicPr>
+                    <p:blipFill>
+                      <a:blip r:embed="rId4"/>
+                      <a:stretch>
+                        <a:fillRect/>
+                      </a:stretch>
+                    </p:blipFill>
+                    <p:spPr>
+                      <a:xfrm>
+                        <a:off x="2732088" y="2805113"/>
+                        <a:ext cx="3567112" cy="1412875"/>
+                      </a:xfrm>
+                      <a:prstGeom prst="rect">
+                        <a:avLst/>
+                      </a:prstGeom>
+                    </p:spPr>
+                  </p:pic>
+                </p:oleObj>
+              </mc:Fallback>
+            </mc:AlternateContent>
+          </a:graphicData>
+        </a:graphic>
+      </p:graphicFrame>
+      <p:sp>
+        <p:nvSpPr>
+          <p:cNvPr id="2" name="Title 1"/>
+          <p:cNvSpPr>
+            <a:spLocks noGrp="1"/>
+          </p:cNvSpPr>
+          <p:nvPr>
+            <p:ph type="title"/>
+          </p:nvPr>
+        </p:nvSpPr>
+        <p:spPr/>
+        <p:txBody>
+          <a:bodyPr/>
+          <a:lstStyle/>
+          <a:p>
+            <a:r>
+              <a:rPr lang="en-US" dirty="0" smtClean="0"/>
+              <a:t>History</a:t>
+            </a:r>
+            <a:endParaRPr lang="en-US" dirty="0"/>
+          </a:p>
+        </p:txBody>
+      </p:sp>
+      <p:sp>
+        <p:nvSpPr>
+          <p:cNvPr id="3" name="Content Placeholder 2"/>
+          <p:cNvSpPr>
+            <a:spLocks noGrp="1"/>
+          </p:cNvSpPr>
+          <p:nvPr>
+            <p:ph idx="1"/>
+          </p:nvPr>
+        </p:nvSpPr>
+        <p:spPr/>
+        <p:txBody>
+          <a:bodyPr/>
+          <a:lstStyle/>
+          <a:p>
+            <a:r>
+              <a:rPr lang="en-US" dirty="0" smtClean="0"/>
+              <a:t>Stores data in a Hokusai structure, h</a:t>
+            </a:r>
+          </a:p>
+          <a:p>
+            <a:r>
+              <a:rPr lang="en-US" dirty="0" smtClean="0"/>
+              <a:t>Kernel function:</a:t>
+            </a:r>
+          </a:p>
+          <a:p>
+            <a:endParaRPr lang="en-US" dirty="0"/>
+          </a:p>
+          <a:p>
+            <a:endParaRPr lang="en-US" dirty="0" smtClean="0"/>
+          </a:p>
+          <a:p>
+            <a:endParaRPr lang="en-US" dirty="0"/>
+          </a:p>
+          <a:p>
+            <a:endParaRPr lang="en-US" dirty="0" smtClean="0"/>
+          </a:p>
+          <a:p>
+            <a:r>
+              <a:rPr lang="en-US" dirty="0" smtClean="0"/>
+              <a:t>Kernel CM sketch</a:t>
+            </a:r>
+          </a:p>
+        </p:txBody>
+      </p:sp>
+    </p:spTree>
+    <p:extLst>
+      <p:ext uri="{BB962C8B-B14F-4D97-AF65-F5344CB8AC3E}">
+        <p14:creationId xmlns:p14="http://schemas.microsoft.com/office/powerpoint/2010/main" val="858680308"/>
+      </p:ext>
+    </p:extLst>
+  </p:cSld>
+  <p:clrMapOvr>
+    <a:masterClrMapping/>
+  </p:clrMapOvr>
+  <p:timing>
+    <p:tnLst>
+      <p:par>
+        <p:cTn xmlns:p14="http://schemas.microsoft.com/office/powerpoint/2010/main" id="1" dur="indefinite" restart="never" nodeType="tmRoot"/>
+      </p:par>
+    </p:tnLst>
+  </p:timing>
+</p:sld>
+</file>
+
+<file path=ppt/slides/slide16.xml><?xml version="1.0" encoding="utf-8"?>
+<p:sld xmlns:a="http://schemas.openxmlformats.org/drawingml/2006/main" xmlns:r="http://schemas.openxmlformats.org/officeDocument/2006/relationships" xmlns:p="http://schemas.openxmlformats.org/presentationml/2006/main">
+  <p:cSld>
+    <p:spTree>
+      <p:nvGrpSpPr>
+        <p:cNvPr id="1" name=""/>
+        <p:cNvGrpSpPr/>
+        <p:nvPr/>
+      </p:nvGrpSpPr>
+      <p:grpSpPr>
+        <a:xfrm>
+          <a:off x="0" y="0"/>
+          <a:ext cx="0" cy="0"/>
+          <a:chOff x="0" y="0"/>
+          <a:chExt cx="0" cy="0"/>
+        </a:xfrm>
+      </p:grpSpPr>
+      <p:sp>
+        <p:nvSpPr>
+          <p:cNvPr id="2" name="Title 1"/>
+          <p:cNvSpPr>
+            <a:spLocks noGrp="1"/>
+          </p:cNvSpPr>
+          <p:nvPr>
+            <p:ph type="title"/>
+          </p:nvPr>
+        </p:nvSpPr>
+        <p:spPr/>
+        <p:txBody>
+          <a:bodyPr/>
+          <a:lstStyle/>
+          <a:p>
+            <a:r>
+              <a:rPr lang="en-US" dirty="0" smtClean="0"/>
+              <a:t>Current Window</a:t>
+            </a:r>
+            <a:endParaRPr lang="en-US" dirty="0"/>
+          </a:p>
+        </p:txBody>
+      </p:sp>
+      <p:sp>
+        <p:nvSpPr>
+          <p:cNvPr id="3" name="Content Placeholder 2"/>
+          <p:cNvSpPr>
+            <a:spLocks noGrp="1"/>
+          </p:cNvSpPr>
+          <p:nvPr>
+            <p:ph idx="1"/>
+          </p:nvPr>
+        </p:nvSpPr>
+        <p:spPr/>
+        <p:txBody>
+          <a:bodyPr/>
+          <a:lstStyle/>
+          <a:p>
+            <a:r>
+              <a:rPr lang="en-US" dirty="0" smtClean="0"/>
+              <a:t>Data structure has 3 components:</a:t>
+            </a:r>
+          </a:p>
+          <a:p>
+            <a:pPr lvl="1"/>
+            <a:r>
+              <a:rPr lang="en-US" dirty="0" smtClean="0"/>
+              <a:t>Max Heap</a:t>
+            </a:r>
+          </a:p>
+          <a:p>
+            <a:pPr lvl="1"/>
+            <a:r>
+              <a:rPr lang="en-US" dirty="0" smtClean="0"/>
+              <a:t>Queue</a:t>
+            </a:r>
+          </a:p>
+          <a:p>
+            <a:pPr lvl="1"/>
+            <a:r>
+              <a:rPr lang="en-US" dirty="0" smtClean="0"/>
+              <a:t>Hash table</a:t>
+            </a:r>
+          </a:p>
+          <a:p>
+            <a:r>
+              <a:rPr lang="en-US" dirty="0" smtClean="0"/>
+              <a:t>Heap function is: frequency in last 3 hours/value stored in Kernel CM sketch</a:t>
+            </a:r>
+            <a:endParaRPr lang="en-US" dirty="0"/>
+          </a:p>
+        </p:txBody>
+      </p:sp>
+    </p:spTree>
+    <p:extLst>
+      <p:ext uri="{BB962C8B-B14F-4D97-AF65-F5344CB8AC3E}">
+        <p14:creationId xmlns:p14="http://schemas.microsoft.com/office/powerpoint/2010/main" val="496115422"/>
+      </p:ext>
+    </p:extLst>
+  </p:cSld>
+  <p:clrMapOvr>
+    <a:masterClrMapping/>
+  </p:clrMapOvr>
+  <p:timing>
+    <p:tnLst>
+      <p:par>
+        <p:cTn xmlns:p14="http://schemas.microsoft.com/office/powerpoint/2010/main" id="1" dur="indefinite" restart="never" nodeType="tmRoot"/>
+      </p:par>
+    </p:tnLst>
+  </p:timing>
+</p:sld>
+</file>
+
+<file path=ppt/slides/slide17.xml><?xml version="1.0" encoding="utf-8"?>
+<p:sld xmlns:a="http://schemas.openxmlformats.org/drawingml/2006/main" xmlns:r="http://schemas.openxmlformats.org/officeDocument/2006/relationships" xmlns:p="http://schemas.openxmlformats.org/presentationml/2006/main">
+  <p:cSld>
+    <p:spTree>
+      <p:nvGrpSpPr>
+        <p:cNvPr id="1" name=""/>
+        <p:cNvGrpSpPr/>
+        <p:nvPr/>
+      </p:nvGrpSpPr>
+      <p:grpSpPr>
+        <a:xfrm>
+          <a:off x="0" y="0"/>
+          <a:ext cx="0" cy="0"/>
+          <a:chOff x="0" y="0"/>
+          <a:chExt cx="0" cy="0"/>
+        </a:xfrm>
+      </p:grpSpPr>
+      <p:sp>
+        <p:nvSpPr>
+          <p:cNvPr id="2" name="Title 1"/>
+          <p:cNvSpPr>
+            <a:spLocks noGrp="1"/>
+          </p:cNvSpPr>
+          <p:nvPr>
+            <p:ph type="title"/>
+          </p:nvPr>
+        </p:nvSpPr>
+        <p:spPr/>
+        <p:txBody>
+          <a:bodyPr/>
+          <a:lstStyle/>
+          <a:p>
+            <a:r>
+              <a:rPr lang="en-US" dirty="0" smtClean="0"/>
+              <a:t>Space/Time Analysis</a:t>
+            </a:r>
+            <a:endParaRPr lang="en-US" dirty="0"/>
+          </a:p>
+        </p:txBody>
+      </p:sp>
+      <p:sp>
+        <p:nvSpPr>
+          <p:cNvPr id="6" name="TextBox 5"/>
+          <p:cNvSpPr txBox="1"/>
+          <p:nvPr/>
+        </p:nvSpPr>
+        <p:spPr>
+          <a:xfrm>
+            <a:off x="1448084" y="5249200"/>
+            <a:ext cx="6265320" cy="1754327"/>
+          </a:xfrm>
+          <a:prstGeom prst="rect">
+            <a:avLst/>
+          </a:prstGeom>
+          <a:noFill/>
+        </p:spPr>
+        <p:txBody>
+          <a:bodyPr wrap="none" rtlCol="0">
+            <a:spAutoFit/>
+          </a:bodyPr>
+          <a:lstStyle/>
+          <a:p>
+            <a:r>
+              <a:rPr lang="en-US" dirty="0" smtClean="0"/>
+              <a:t>d = Number of hash tables for each CM sketch</a:t>
+            </a:r>
+          </a:p>
+          <a:p>
+            <a:r>
+              <a:rPr lang="en-US" dirty="0" smtClean="0"/>
+              <a:t>m = Size of each hash table in each CM sketch</a:t>
+            </a:r>
+          </a:p>
+          <a:p>
+            <a:r>
+              <a:rPr lang="en-US" dirty="0" smtClean="0"/>
+              <a:t>s = Number of distinct </a:t>
+            </a:r>
+            <a:r>
+              <a:rPr lang="en-US" dirty="0" err="1" smtClean="0"/>
+              <a:t>hashtags</a:t>
+            </a:r>
+            <a:r>
+              <a:rPr lang="en-US" dirty="0" smtClean="0"/>
+              <a:t> in the Current Window</a:t>
+            </a:r>
+          </a:p>
+          <a:p>
+            <a:r>
+              <a:rPr lang="en-US" dirty="0" smtClean="0"/>
+              <a:t>T = Upper bound on the number of days of data stored in History</a:t>
+            </a:r>
+          </a:p>
+          <a:p>
+            <a:r>
+              <a:rPr lang="en-US" dirty="0" smtClean="0"/>
+              <a:t>x = Total number of </a:t>
+            </a:r>
+            <a:r>
+              <a:rPr lang="en-US" dirty="0" err="1" smtClean="0"/>
+              <a:t>hashtags</a:t>
+            </a:r>
+            <a:r>
+              <a:rPr lang="en-US" dirty="0" smtClean="0"/>
+              <a:t> in the Current Window</a:t>
+            </a:r>
+          </a:p>
+          <a:p>
+            <a:endParaRPr lang="en-US" dirty="0" smtClean="0"/>
+          </a:p>
+        </p:txBody>
+      </p:sp>
+      <p:pic>
+        <p:nvPicPr>
+          <p:cNvPr id="8" name="Picture 7"/>
+          <p:cNvPicPr>
+            <a:picLocks noChangeAspect="1"/>
+          </p:cNvPicPr>
+          <p:nvPr/>
+        </p:nvPicPr>
+        <p:blipFill>
+          <a:blip r:embed="rId2"/>
+          <a:stretch>
+            <a:fillRect/>
+          </a:stretch>
+        </p:blipFill>
+        <p:spPr>
+          <a:xfrm>
+            <a:off x="1448084" y="1750004"/>
+            <a:ext cx="5956300" cy="2133600"/>
+          </a:xfrm>
+          <a:prstGeom prst="rect">
+            <a:avLst/>
+          </a:prstGeom>
+        </p:spPr>
+      </p:pic>
+      <p:sp>
+        <p:nvSpPr>
+          <p:cNvPr id="9" name="TextBox 8"/>
+          <p:cNvSpPr txBox="1"/>
+          <p:nvPr/>
+        </p:nvSpPr>
+        <p:spPr>
+          <a:xfrm>
+            <a:off x="1554910" y="4188819"/>
+            <a:ext cx="2896169" cy="707886"/>
+          </a:xfrm>
+          <a:prstGeom prst="rect">
+            <a:avLst/>
+          </a:prstGeom>
+          <a:noFill/>
+        </p:spPr>
+        <p:txBody>
+          <a:bodyPr wrap="square" rtlCol="0">
+            <a:spAutoFit/>
+          </a:bodyPr>
+          <a:lstStyle/>
+          <a:p>
+            <a:r>
+              <a:rPr lang="en-US" sz="2000" dirty="0" smtClean="0"/>
+              <a:t>Space requirements: </a:t>
+            </a:r>
+            <a:r>
+              <a:rPr lang="en-US" sz="2000" i="1" dirty="0" smtClean="0"/>
+              <a:t>O(md * </a:t>
+            </a:r>
+            <a:r>
+              <a:rPr lang="en-US" sz="2000" dirty="0" smtClean="0"/>
+              <a:t>log</a:t>
+            </a:r>
+            <a:r>
+              <a:rPr lang="en-US" sz="2000" i="1" dirty="0" smtClean="0"/>
+              <a:t>(T) + x)</a:t>
+            </a:r>
+            <a:endParaRPr lang="en-US" sz="2000" dirty="0"/>
+          </a:p>
+        </p:txBody>
+      </p:sp>
+    </p:spTree>
+    <p:extLst>
+      <p:ext uri="{BB962C8B-B14F-4D97-AF65-F5344CB8AC3E}">
+        <p14:creationId xmlns:p14="http://schemas.microsoft.com/office/powerpoint/2010/main" val="1225324306"/>
+      </p:ext>
+    </p:extLst>
+  </p:cSld>
+  <p:clrMapOvr>
+    <a:masterClrMapping/>
+  </p:clrMapOvr>
+  <p:timing>
+    <p:tnLst>
+      <p:par>
+        <p:cTn xmlns:p14="http://schemas.microsoft.com/office/powerpoint/2010/main" id="1" dur="indefinite" restart="never" nodeType="tmRoot"/>
+      </p:par>
+    </p:tnLst>
+  </p:timing>
+</p:sld>
+</file>
+
+<file path=ppt/slides/slide18.xml><?xml version="1.0" encoding="utf-8"?>
+<p:sld xmlns:a="http://schemas.openxmlformats.org/drawingml/2006/main" xmlns:r="http://schemas.openxmlformats.org/officeDocument/2006/relationships" xmlns:p="http://schemas.openxmlformats.org/presentationml/2006/main">
+  <p:cSld>
+    <p:spTree>
+      <p:nvGrpSpPr>
+        <p:cNvPr id="1" name=""/>
+        <p:cNvGrpSpPr/>
+        <p:nvPr/>
+      </p:nvGrpSpPr>
+      <p:grpSpPr>
+        <a:xfrm>
+          <a:off x="0" y="0"/>
+          <a:ext cx="0" cy="0"/>
+          <a:chOff x="0" y="0"/>
+          <a:chExt cx="0" cy="0"/>
+        </a:xfrm>
+      </p:grpSpPr>
       <p:cxnSp>
         <p:nvCxnSpPr>
           <p:cNvPr id="32" name="Straight Connector 31"/>
@@ -5950,7 +7593,7 @@
         </p:nvSpPr>
         <p:spPr>
           <a:xfrm>
-            <a:off x="479856" y="2253980"/>
+            <a:off x="1937815" y="133834"/>
             <a:ext cx="1031051" cy="369332"/>
           </a:xfrm>
           <a:prstGeom prst="rect">
@@ -5988,7 +7631,7 @@
         </p:nvSpPr>
         <p:spPr>
           <a:xfrm>
-            <a:off x="1333783" y="169445"/>
+            <a:off x="-21799" y="2984674"/>
             <a:ext cx="2988468" cy="369332"/>
           </a:xfrm>
           <a:prstGeom prst="rect">
@@ -6162,7 +7805,7 @@
         </p:blipFill>
         <p:spPr>
           <a:xfrm>
-            <a:off x="164345" y="2777623"/>
+            <a:off x="743051" y="548653"/>
             <a:ext cx="2916835" cy="2504807"/>
           </a:xfrm>
           <a:prstGeom prst="rect">
@@ -6186,7 +7829,7 @@
         </p:blipFill>
         <p:spPr>
           <a:xfrm>
-            <a:off x="1889604" y="503166"/>
+            <a:off x="819980" y="3354006"/>
             <a:ext cx="1705843" cy="2274457"/>
           </a:xfrm>
           <a:prstGeom prst="rect">
@@ -6292,6 +7935,162 @@
     <p:extLst>
       <p:ext uri="{BB962C8B-B14F-4D97-AF65-F5344CB8AC3E}">
         <p14:creationId xmlns:p14="http://schemas.microsoft.com/office/powerpoint/2010/main" val="2148953089"/>
+      </p:ext>
+    </p:extLst>
+  </p:cSld>
+  <p:clrMapOvr>
+    <a:masterClrMapping/>
+  </p:clrMapOvr>
+  <p:timing>
+    <p:tnLst>
+      <p:par>
+        <p:cTn xmlns:p14="http://schemas.microsoft.com/office/powerpoint/2010/main" id="1" dur="indefinite" restart="never" nodeType="tmRoot"/>
+      </p:par>
+    </p:tnLst>
+  </p:timing>
+</p:sld>
+</file>
+
+<file path=ppt/slides/slide19.xml><?xml version="1.0" encoding="utf-8"?>
+<p:sld xmlns:a="http://schemas.openxmlformats.org/drawingml/2006/main" xmlns:r="http://schemas.openxmlformats.org/officeDocument/2006/relationships" xmlns:p="http://schemas.openxmlformats.org/presentationml/2006/main">
+  <p:cSld>
+    <p:spTree>
+      <p:nvGrpSpPr>
+        <p:cNvPr id="1" name=""/>
+        <p:cNvGrpSpPr/>
+        <p:nvPr/>
+      </p:nvGrpSpPr>
+      <p:grpSpPr>
+        <a:xfrm>
+          <a:off x="0" y="0"/>
+          <a:ext cx="0" cy="0"/>
+          <a:chOff x="0" y="0"/>
+          <a:chExt cx="0" cy="0"/>
+        </a:xfrm>
+      </p:grpSpPr>
+      <p:sp>
+        <p:nvSpPr>
+          <p:cNvPr id="2" name="Title 1"/>
+          <p:cNvSpPr>
+            <a:spLocks noGrp="1"/>
+          </p:cNvSpPr>
+          <p:nvPr>
+            <p:ph type="title"/>
+          </p:nvPr>
+        </p:nvSpPr>
+        <p:spPr/>
+        <p:txBody>
+          <a:bodyPr/>
+          <a:lstStyle/>
+          <a:p>
+            <a:r>
+              <a:rPr lang="en-US" dirty="0" smtClean="0"/>
+              <a:t>Conclusions</a:t>
+            </a:r>
+            <a:endParaRPr lang="en-US" dirty="0"/>
+          </a:p>
+        </p:txBody>
+      </p:sp>
+      <p:sp>
+        <p:nvSpPr>
+          <p:cNvPr id="3" name="Content Placeholder 2"/>
+          <p:cNvSpPr>
+            <a:spLocks noGrp="1"/>
+          </p:cNvSpPr>
+          <p:nvPr>
+            <p:ph idx="1"/>
+          </p:nvPr>
+        </p:nvSpPr>
+        <p:spPr>
+          <a:xfrm>
+            <a:off x="457200" y="1600200"/>
+            <a:ext cx="5421015" cy="4525963"/>
+          </a:xfrm>
+        </p:spPr>
+        <p:txBody>
+          <a:bodyPr/>
+          <a:lstStyle/>
+          <a:p>
+            <a:r>
+              <a:rPr lang="en-US" dirty="0" smtClean="0"/>
+              <a:t>Using historical data seems to give relatively small benefit in determining what is trending</a:t>
+            </a:r>
+          </a:p>
+          <a:p>
+            <a:endParaRPr lang="en-US" dirty="0" smtClean="0"/>
+          </a:p>
+          <a:p>
+            <a:endParaRPr lang="en-US" dirty="0"/>
+          </a:p>
+        </p:txBody>
+      </p:sp>
+      <p:pic>
+        <p:nvPicPr>
+          <p:cNvPr id="4" name="Picture 3" descr="jaccard_sims.jpg"/>
+          <p:cNvPicPr>
+            <a:picLocks noChangeAspect="1"/>
+          </p:cNvPicPr>
+          <p:nvPr/>
+        </p:nvPicPr>
+        <p:blipFill>
+          <a:blip r:embed="rId2">
+            <a:extLst>
+              <a:ext uri="{28A0092B-C50C-407E-A947-70E740481C1C}">
+                <a14:useLocalDpi xmlns:a14="http://schemas.microsoft.com/office/drawing/2010/main" val="0"/>
+              </a:ext>
+            </a:extLst>
+          </a:blip>
+          <a:stretch>
+            <a:fillRect/>
+          </a:stretch>
+        </p:blipFill>
+        <p:spPr>
+          <a:xfrm>
+            <a:off x="4423080" y="3216820"/>
+            <a:ext cx="4720919" cy="3606716"/>
+          </a:xfrm>
+          <a:prstGeom prst="rect">
+            <a:avLst/>
+          </a:prstGeom>
+        </p:spPr>
+      </p:pic>
+      <p:sp>
+        <p:nvSpPr>
+          <p:cNvPr id="7" name="Rectangle 6"/>
+          <p:cNvSpPr/>
+          <p:nvPr/>
+        </p:nvSpPr>
+        <p:spPr>
+          <a:xfrm>
+            <a:off x="1157295" y="5202833"/>
+            <a:ext cx="3265785" cy="923330"/>
+          </a:xfrm>
+          <a:prstGeom prst="rect">
+            <a:avLst/>
+          </a:prstGeom>
+        </p:spPr>
+        <p:txBody>
+          <a:bodyPr wrap="square">
+            <a:spAutoFit/>
+          </a:bodyPr>
+          <a:lstStyle/>
+          <a:p>
+            <a:r>
+              <a:rPr lang="en-US" dirty="0" err="1" smtClean="0"/>
+              <a:t>Jaccard</a:t>
+            </a:r>
+            <a:r>
+              <a:rPr lang="en-US" dirty="0" smtClean="0"/>
+              <a:t> similarity of list of trending topics for both algorithms</a:t>
+            </a:r>
+            <a:endParaRPr lang="en-US" dirty="0"/>
+          </a:p>
+        </p:txBody>
+      </p:sp>
+    </p:spTree>
+    <p:extLst>
+      <p:ext uri="{BB962C8B-B14F-4D97-AF65-F5344CB8AC3E}">
+        <p14:creationId xmlns:p14="http://schemas.microsoft.com/office/powerpoint/2010/main" val="59731230"/>
       </p:ext>
     </p:extLst>
   </p:cSld>
@@ -6342,7 +8141,7 @@
           <a:p>
             <a:r>
               <a:rPr lang="en-US" dirty="0" smtClean="0"/>
-              <a:t>Problem</a:t>
+              <a:t>Visualization</a:t>
             </a:r>
             <a:endParaRPr lang="en-US" dirty="0"/>
           </a:p>
@@ -6364,51 +8163,189 @@
           <a:lstStyle/>
           <a:p>
             <a:r>
+              <a:rPr lang="en-US" dirty="0" smtClean="0">
+                <a:hlinkClick r:id="rId2"/>
+              </a:rPr>
+              <a:t>http://www.princeton.edu/~awlee/trends.html</a:t>
+            </a:r>
+            <a:endParaRPr lang="en-US" dirty="0" smtClean="0"/>
+          </a:p>
+          <a:p>
+            <a:pPr marL="0" indent="0">
+              <a:buNone/>
+            </a:pPr>
+            <a:endParaRPr lang="en-US" dirty="0"/>
+          </a:p>
+        </p:txBody>
+      </p:sp>
+    </p:spTree>
+    <p:extLst>
+      <p:ext uri="{BB962C8B-B14F-4D97-AF65-F5344CB8AC3E}">
+        <p14:creationId xmlns:p14="http://schemas.microsoft.com/office/powerpoint/2010/main" val="1543210240"/>
+      </p:ext>
+    </p:extLst>
+  </p:cSld>
+  <p:clrMapOvr>
+    <a:masterClrMapping/>
+  </p:clrMapOvr>
+  <p:timing>
+    <p:tnLst>
+      <p:par>
+        <p:cTn xmlns:p14="http://schemas.microsoft.com/office/powerpoint/2010/main" id="1" dur="indefinite" restart="never" nodeType="tmRoot"/>
+      </p:par>
+    </p:tnLst>
+  </p:timing>
+</p:sld>
+</file>
+
+<file path=ppt/slides/slide20.xml><?xml version="1.0" encoding="utf-8"?>
+<p:sld xmlns:a="http://schemas.openxmlformats.org/drawingml/2006/main" xmlns:r="http://schemas.openxmlformats.org/officeDocument/2006/relationships" xmlns:p="http://schemas.openxmlformats.org/presentationml/2006/main">
+  <p:cSld>
+    <p:spTree>
+      <p:nvGrpSpPr>
+        <p:cNvPr id="1" name=""/>
+        <p:cNvGrpSpPr/>
+        <p:nvPr/>
+      </p:nvGrpSpPr>
+      <p:grpSpPr>
+        <a:xfrm>
+          <a:off x="0" y="0"/>
+          <a:ext cx="0" cy="0"/>
+          <a:chOff x="0" y="0"/>
+          <a:chExt cx="0" cy="0"/>
+        </a:xfrm>
+      </p:grpSpPr>
+      <p:sp>
+        <p:nvSpPr>
+          <p:cNvPr id="2" name="Title 1"/>
+          <p:cNvSpPr>
+            <a:spLocks noGrp="1"/>
+          </p:cNvSpPr>
+          <p:nvPr>
+            <p:ph type="title"/>
+          </p:nvPr>
+        </p:nvSpPr>
+        <p:spPr/>
+        <p:txBody>
+          <a:bodyPr/>
+          <a:lstStyle/>
+          <a:p>
+            <a:r>
               <a:rPr lang="en-US" dirty="0" smtClean="0"/>
-              <a:t>Finding trending </a:t>
-            </a:r>
-            <a:r>
-              <a:rPr lang="en-US" dirty="0" err="1" smtClean="0"/>
-              <a:t>hashtags</a:t>
-            </a:r>
+              <a:t>References</a:t>
+            </a:r>
+            <a:endParaRPr lang="en-US" dirty="0"/>
+          </a:p>
+        </p:txBody>
+      </p:sp>
+      <p:pic>
+        <p:nvPicPr>
+          <p:cNvPr id="4" name="Content Placeholder 3" descr="references.tiff"/>
+          <p:cNvPicPr>
+            <a:picLocks noGrp="1" noChangeAspect="1"/>
+          </p:cNvPicPr>
+          <p:nvPr>
+            <p:ph idx="1"/>
+          </p:nvPr>
+        </p:nvPicPr>
+        <p:blipFill rotWithShape="1">
+          <a:blip r:embed="rId2">
+            <a:extLst>
+              <a:ext uri="{28A0092B-C50C-407E-A947-70E740481C1C}">
+                <a14:useLocalDpi xmlns:a14="http://schemas.microsoft.com/office/drawing/2010/main" val="0"/>
+              </a:ext>
+            </a:extLst>
+          </a:blip>
+          <a:srcRect t="13863" b="7247"/>
+          <a:stretch/>
+        </p:blipFill>
+        <p:spPr>
+          <a:xfrm>
+            <a:off x="457200" y="1600200"/>
+            <a:ext cx="8229600" cy="4940273"/>
+          </a:xfrm>
+        </p:spPr>
+      </p:pic>
+    </p:spTree>
+    <p:extLst>
+      <p:ext uri="{BB962C8B-B14F-4D97-AF65-F5344CB8AC3E}">
+        <p14:creationId xmlns:p14="http://schemas.microsoft.com/office/powerpoint/2010/main" val="295116222"/>
+      </p:ext>
+    </p:extLst>
+  </p:cSld>
+  <p:clrMapOvr>
+    <a:masterClrMapping/>
+  </p:clrMapOvr>
+</p:sld>
+</file>
+
+<file path=ppt/slides/slide3.xml><?xml version="1.0" encoding="utf-8"?>
+<p:sld xmlns:a="http://schemas.openxmlformats.org/drawingml/2006/main" xmlns:r="http://schemas.openxmlformats.org/officeDocument/2006/relationships" xmlns:p="http://schemas.openxmlformats.org/presentationml/2006/main">
+  <p:cSld>
+    <p:spTree>
+      <p:nvGrpSpPr>
+        <p:cNvPr id="1" name=""/>
+        <p:cNvGrpSpPr/>
+        <p:nvPr/>
+      </p:nvGrpSpPr>
+      <p:grpSpPr>
+        <a:xfrm>
+          <a:off x="0" y="0"/>
+          <a:ext cx="0" cy="0"/>
+          <a:chOff x="0" y="0"/>
+          <a:chExt cx="0" cy="0"/>
+        </a:xfrm>
+      </p:grpSpPr>
+      <p:sp>
+        <p:nvSpPr>
+          <p:cNvPr id="2" name="Title 1"/>
+          <p:cNvSpPr>
+            <a:spLocks noGrp="1"/>
+          </p:cNvSpPr>
+          <p:nvPr>
+            <p:ph type="title"/>
+          </p:nvPr>
+        </p:nvSpPr>
+        <p:spPr/>
+        <p:txBody>
+          <a:bodyPr/>
+          <a:lstStyle/>
+          <a:p>
             <a:r>
               <a:rPr lang="en-US" dirty="0" smtClean="0"/>
-              <a:t> requires:</a:t>
-            </a:r>
-          </a:p>
-          <a:p>
-            <a:pPr lvl="1"/>
+              <a:t>Problem</a:t>
+            </a:r>
+            <a:endParaRPr lang="en-US" dirty="0"/>
+          </a:p>
+        </p:txBody>
+      </p:sp>
+      <p:sp>
+        <p:nvSpPr>
+          <p:cNvPr id="3" name="Content Placeholder 2"/>
+          <p:cNvSpPr>
+            <a:spLocks noGrp="1"/>
+          </p:cNvSpPr>
+          <p:nvPr>
+            <p:ph idx="1"/>
+          </p:nvPr>
+        </p:nvSpPr>
+        <p:spPr/>
+        <p:txBody>
+          <a:bodyPr/>
+          <a:lstStyle/>
+          <a:p>
             <a:r>
               <a:rPr lang="en-US" dirty="0" smtClean="0"/>
-              <a:t>Recent </a:t>
-            </a:r>
-            <a:r>
-              <a:rPr lang="en-US" dirty="0" err="1" smtClean="0"/>
-              <a:t>hashtags</a:t>
-            </a:r>
-            <a:endParaRPr lang="en-US" dirty="0" smtClean="0"/>
-          </a:p>
-          <a:p>
-            <a:pPr lvl="1"/>
+              <a:t>Space efficient algorithms for trend detection on Twitter.</a:t>
+            </a:r>
+          </a:p>
+          <a:p>
             <a:r>
               <a:rPr lang="en-US" dirty="0" smtClean="0"/>
-              <a:t>Historical data about relatively frequent </a:t>
-            </a:r>
-            <a:r>
-              <a:rPr lang="en-US" dirty="0" err="1" smtClean="0"/>
-              <a:t>hashtags</a:t>
-            </a:r>
-            <a:endParaRPr lang="en-US" dirty="0" smtClean="0"/>
-          </a:p>
-          <a:p>
-            <a:pPr lvl="1"/>
-            <a:r>
-              <a:rPr lang="en-US" dirty="0" smtClean="0"/>
-              <a:t>A method of </a:t>
-            </a:r>
-          </a:p>
-          <a:p>
-            <a:pPr lvl="1"/>
+              <a:t>Does trend detection benefit from comparing present data against data from the more distant past?</a:t>
+            </a:r>
+          </a:p>
+          <a:p>
             <a:endParaRPr lang="en-US" dirty="0"/>
           </a:p>
         </p:txBody>
@@ -6433,7 +8370,7 @@
 </p:sld>
 </file>
 
-<file path=ppt/slides/slide3.xml><?xml version="1.0" encoding="utf-8"?>
+<file path=ppt/slides/slide4.xml><?xml version="1.0" encoding="utf-8"?>
 <p:sld xmlns:a="http://schemas.openxmlformats.org/drawingml/2006/main" xmlns:r="http://schemas.openxmlformats.org/officeDocument/2006/relationships" xmlns:p="http://schemas.openxmlformats.org/presentationml/2006/main">
   <p:cSld>
     <p:spTree>
@@ -6467,7 +8404,15 @@
           <a:p>
             <a:r>
               <a:rPr lang="en-US" dirty="0" smtClean="0"/>
-              <a:t>Previous Work</a:t>
+              <a:t>Na</a:t>
+            </a:r>
+            <a:r>
+              <a:rPr lang="en-US" dirty="0"/>
+              <a:t>i</a:t>
+            </a:r>
+            <a:r>
+              <a:rPr lang="en-US" dirty="0" smtClean="0"/>
+              <a:t>ve Solution</a:t>
             </a:r>
             <a:endParaRPr lang="en-US" dirty="0"/>
           </a:p>
@@ -6488,7 +8433,134 @@
           <a:bodyPr/>
           <a:lstStyle/>
           <a:p>
-            <a:endParaRPr lang="en-US"/>
+            <a:r>
+              <a:rPr lang="en-US" dirty="0" smtClean="0"/>
+              <a:t>Find the </a:t>
+            </a:r>
+            <a:r>
+              <a:rPr lang="en-US" dirty="0" err="1" smtClean="0"/>
+              <a:t>hashtags</a:t>
+            </a:r>
+            <a:r>
+              <a:rPr lang="en-US" dirty="0" smtClean="0"/>
+              <a:t> with the highest rate of change of frequency between successive time intervals</a:t>
+            </a:r>
+            <a:endParaRPr lang="en-US" dirty="0"/>
+          </a:p>
+        </p:txBody>
+      </p:sp>
+    </p:spTree>
+    <p:extLst>
+      <p:ext uri="{BB962C8B-B14F-4D97-AF65-F5344CB8AC3E}">
+        <p14:creationId xmlns:p14="http://schemas.microsoft.com/office/powerpoint/2010/main" val="582871808"/>
+      </p:ext>
+    </p:extLst>
+  </p:cSld>
+  <p:clrMapOvr>
+    <a:masterClrMapping/>
+  </p:clrMapOvr>
+  <p:timing>
+    <p:tnLst>
+      <p:par>
+        <p:cTn xmlns:p14="http://schemas.microsoft.com/office/powerpoint/2010/main" id="1" dur="indefinite" restart="never" nodeType="tmRoot"/>
+      </p:par>
+    </p:tnLst>
+  </p:timing>
+</p:sld>
+</file>
+
+<file path=ppt/slides/slide5.xml><?xml version="1.0" encoding="utf-8"?>
+<p:sld xmlns:a="http://schemas.openxmlformats.org/drawingml/2006/main" xmlns:r="http://schemas.openxmlformats.org/officeDocument/2006/relationships" xmlns:p="http://schemas.openxmlformats.org/presentationml/2006/main">
+  <p:cSld>
+    <p:spTree>
+      <p:nvGrpSpPr>
+        <p:cNvPr id="1" name=""/>
+        <p:cNvGrpSpPr/>
+        <p:nvPr/>
+      </p:nvGrpSpPr>
+      <p:grpSpPr>
+        <a:xfrm>
+          <a:off x="0" y="0"/>
+          <a:ext cx="0" cy="0"/>
+          <a:chOff x="0" y="0"/>
+          <a:chExt cx="0" cy="0"/>
+        </a:xfrm>
+      </p:grpSpPr>
+      <p:sp>
+        <p:nvSpPr>
+          <p:cNvPr id="2" name="Title 1"/>
+          <p:cNvSpPr>
+            <a:spLocks noGrp="1"/>
+          </p:cNvSpPr>
+          <p:nvPr>
+            <p:ph type="title"/>
+          </p:nvPr>
+        </p:nvSpPr>
+        <p:spPr/>
+        <p:txBody>
+          <a:bodyPr/>
+          <a:lstStyle/>
+          <a:p>
+            <a:r>
+              <a:rPr lang="en-US" dirty="0" smtClean="0"/>
+              <a:t>Hokusai system</a:t>
+            </a:r>
+            <a:endParaRPr lang="en-US" dirty="0"/>
+          </a:p>
+        </p:txBody>
+      </p:sp>
+      <p:sp>
+        <p:nvSpPr>
+          <p:cNvPr id="3" name="Content Placeholder 2"/>
+          <p:cNvSpPr>
+            <a:spLocks noGrp="1"/>
+          </p:cNvSpPr>
+          <p:nvPr>
+            <p:ph idx="1"/>
+          </p:nvPr>
+        </p:nvSpPr>
+        <p:spPr/>
+        <p:txBody>
+          <a:bodyPr/>
+          <a:lstStyle/>
+          <a:p>
+            <a:r>
+              <a:rPr lang="en-US" dirty="0" smtClean="0"/>
+              <a:t>Extension of Count-Min sketch</a:t>
+            </a:r>
+          </a:p>
+          <a:p>
+            <a:r>
+              <a:rPr lang="en-US" dirty="0" smtClean="0"/>
+              <a:t>Stores 2</a:t>
+            </a:r>
+            <a:r>
+              <a:rPr lang="en-US" baseline="30000" dirty="0" smtClean="0"/>
+              <a:t>i</a:t>
+            </a:r>
+            <a:r>
+              <a:rPr lang="en-US" dirty="0" smtClean="0"/>
+              <a:t> resolution for the past 2</a:t>
+            </a:r>
+            <a:r>
+              <a:rPr lang="en-US" baseline="30000" dirty="0" smtClean="0"/>
+              <a:t>i</a:t>
+            </a:r>
+            <a:r>
+              <a:rPr lang="en-US" dirty="0"/>
+              <a:t> </a:t>
+            </a:r>
+            <a:r>
+              <a:rPr lang="en-US" dirty="0" smtClean="0"/>
+              <a:t>days</a:t>
+            </a:r>
+          </a:p>
+          <a:p>
+            <a:r>
+              <a:rPr lang="en-US" dirty="0" smtClean="0"/>
+              <a:t>Stores older values with less precision under assumption that this data is less relevant</a:t>
+            </a:r>
+            <a:endParaRPr lang="en-US" dirty="0"/>
           </a:p>
         </p:txBody>
       </p:sp>
@@ -6512,7 +8584,7 @@
 </p:sld>
 </file>
 
-<file path=ppt/slides/slide4.xml><?xml version="1.0" encoding="utf-8"?>
+<file path=ppt/slides/slide6.xml><?xml version="1.0" encoding="utf-8"?>
 <p:sld xmlns:a="http://schemas.openxmlformats.org/drawingml/2006/main" xmlns:r="http://schemas.openxmlformats.org/officeDocument/2006/relationships" xmlns:p="http://schemas.openxmlformats.org/presentationml/2006/main">
   <p:cSld>
     <p:spTree>
@@ -6884,7 +8956,7 @@
 </p:sld>
 </file>
 
-<file path=ppt/slides/slide5.xml><?xml version="1.0" encoding="utf-8"?>
+<file path=ppt/slides/slide7.xml><?xml version="1.0" encoding="utf-8"?>
 <p:sld xmlns:a="http://schemas.openxmlformats.org/drawingml/2006/main" xmlns:r="http://schemas.openxmlformats.org/officeDocument/2006/relationships" xmlns:p="http://schemas.openxmlformats.org/presentationml/2006/main">
   <p:cSld>
     <p:spTree>
@@ -7335,7 +9407,7 @@
 </p:sld>
 </file>
 
-<file path=ppt/slides/slide6.xml><?xml version="1.0" encoding="utf-8"?>
+<file path=ppt/slides/slide8.xml><?xml version="1.0" encoding="utf-8"?>
 <p:sld xmlns:a="http://schemas.openxmlformats.org/drawingml/2006/main" xmlns:r="http://schemas.openxmlformats.org/officeDocument/2006/relationships" xmlns:p="http://schemas.openxmlformats.org/presentationml/2006/main">
   <p:cSld>
     <p:spTree>
@@ -7838,7 +9910,7 @@
 </p:sld>
 </file>
 
-<file path=ppt/slides/slide7.xml><?xml version="1.0" encoding="utf-8"?>
+<file path=ppt/slides/slide9.xml><?xml version="1.0" encoding="utf-8"?>
 <p:sld xmlns:a="http://schemas.openxmlformats.org/drawingml/2006/main" xmlns:r="http://schemas.openxmlformats.org/officeDocument/2006/relationships" xmlns:p="http://schemas.openxmlformats.org/presentationml/2006/main">
   <p:cSld>
     <p:spTree>
@@ -8575,1311 +10647,6 @@
       <p:bldP spid="81" grpId="0"/>
       <p:bldP spid="84" grpId="0"/>
       <p:bldP spid="84" grpId="1"/>
-    </p:bldLst>
-  </p:timing>
-</p:sld>
-</file>
-
-<file path=ppt/slides/slide8.xml><?xml version="1.0" encoding="utf-8"?>
-<p:sld xmlns:a="http://schemas.openxmlformats.org/drawingml/2006/main" xmlns:r="http://schemas.openxmlformats.org/officeDocument/2006/relationships" xmlns:p="http://schemas.openxmlformats.org/presentationml/2006/main">
-  <p:cSld>
-    <p:spTree>
-      <p:nvGrpSpPr>
-        <p:cNvPr id="1" name=""/>
-        <p:cNvGrpSpPr/>
-        <p:nvPr/>
-      </p:nvGrpSpPr>
-      <p:grpSpPr>
-        <a:xfrm>
-          <a:off x="0" y="0"/>
-          <a:ext cx="0" cy="0"/>
-          <a:chOff x="0" y="0"/>
-          <a:chExt cx="0" cy="0"/>
-        </a:xfrm>
-      </p:grpSpPr>
-      <p:sp>
-        <p:nvSpPr>
-          <p:cNvPr id="20" name="TextBox 19"/>
-          <p:cNvSpPr txBox="1"/>
-          <p:nvPr/>
-        </p:nvSpPr>
-        <p:spPr>
-          <a:xfrm>
-            <a:off x="-2" y="12096"/>
-            <a:ext cx="4572000" cy="646331"/>
-          </a:xfrm>
-          <a:prstGeom prst="rect">
-            <a:avLst/>
-          </a:prstGeom>
-          <a:noFill/>
-        </p:spPr>
-        <p:txBody>
-          <a:bodyPr wrap="square" rtlCol="0">
-            <a:spAutoFit/>
-          </a:bodyPr>
-          <a:lstStyle/>
-          <a:p>
-            <a:pPr algn="ctr"/>
-            <a:r>
-              <a:rPr lang="en-US" sz="3600" b="1" dirty="0" smtClean="0"/>
-              <a:t>M</a:t>
-            </a:r>
-            <a:r>
-              <a:rPr lang="en-US" sz="3600" b="1" baseline="30000" dirty="0" smtClean="0"/>
-              <a:t>0</a:t>
-            </a:r>
-            <a:endParaRPr lang="en-US" sz="3600" b="1" dirty="0"/>
-          </a:p>
-        </p:txBody>
-      </p:sp>
-      <p:sp>
-        <p:nvSpPr>
-          <p:cNvPr id="21" name="TextBox 20"/>
-          <p:cNvSpPr txBox="1"/>
-          <p:nvPr/>
-        </p:nvSpPr>
-        <p:spPr>
-          <a:xfrm>
-            <a:off x="4650956" y="12096"/>
-            <a:ext cx="4572000" cy="646331"/>
-          </a:xfrm>
-          <a:prstGeom prst="rect">
-            <a:avLst/>
-          </a:prstGeom>
-          <a:noFill/>
-        </p:spPr>
-        <p:txBody>
-          <a:bodyPr wrap="square" rtlCol="0">
-            <a:spAutoFit/>
-          </a:bodyPr>
-          <a:lstStyle/>
-          <a:p>
-            <a:pPr algn="ctr"/>
-            <a:r>
-              <a:rPr lang="en-US" sz="3600" b="1" dirty="0" smtClean="0"/>
-              <a:t>M</a:t>
-            </a:r>
-            <a:r>
-              <a:rPr lang="en-US" sz="3600" b="1" baseline="30000" dirty="0"/>
-              <a:t>1</a:t>
-            </a:r>
-            <a:endParaRPr lang="en-US" sz="3600" b="1" dirty="0"/>
-          </a:p>
-        </p:txBody>
-      </p:sp>
-      <p:cxnSp>
-        <p:nvCxnSpPr>
-          <p:cNvPr id="23" name="Straight Connector 22"/>
-          <p:cNvCxnSpPr/>
-          <p:nvPr/>
-        </p:nvCxnSpPr>
-        <p:spPr>
-          <a:xfrm>
-            <a:off x="4572000" y="-94961"/>
-            <a:ext cx="0" cy="7050890"/>
-          </a:xfrm>
-          <a:prstGeom prst="line">
-            <a:avLst/>
-          </a:prstGeom>
-        </p:spPr>
-        <p:style>
-          <a:lnRef idx="2">
-            <a:schemeClr val="accent1"/>
-          </a:lnRef>
-          <a:fillRef idx="0">
-            <a:schemeClr val="accent1"/>
-          </a:fillRef>
-          <a:effectRef idx="1">
-            <a:schemeClr val="accent1"/>
-          </a:effectRef>
-          <a:fontRef idx="minor">
-            <a:schemeClr val="tx1"/>
-          </a:fontRef>
-        </p:style>
-      </p:cxnSp>
-      <p:cxnSp>
-        <p:nvCxnSpPr>
-          <p:cNvPr id="26" name="Straight Connector 25"/>
-          <p:cNvCxnSpPr/>
-          <p:nvPr/>
-        </p:nvCxnSpPr>
-        <p:spPr>
-          <a:xfrm>
-            <a:off x="-94956" y="3429000"/>
-            <a:ext cx="9317912" cy="0"/>
-          </a:xfrm>
-          <a:prstGeom prst="line">
-            <a:avLst/>
-          </a:prstGeom>
-        </p:spPr>
-        <p:style>
-          <a:lnRef idx="2">
-            <a:schemeClr val="accent1"/>
-          </a:lnRef>
-          <a:fillRef idx="0">
-            <a:schemeClr val="accent1"/>
-          </a:fillRef>
-          <a:effectRef idx="1">
-            <a:schemeClr val="accent1"/>
-          </a:effectRef>
-          <a:fontRef idx="minor">
-            <a:schemeClr val="tx1"/>
-          </a:fontRef>
-        </p:style>
-      </p:cxnSp>
-      <p:sp>
-        <p:nvSpPr>
-          <p:cNvPr id="28" name="TextBox 27"/>
-          <p:cNvSpPr txBox="1"/>
-          <p:nvPr/>
-        </p:nvSpPr>
-        <p:spPr>
-          <a:xfrm>
-            <a:off x="0" y="3429000"/>
-            <a:ext cx="4572000" cy="646331"/>
-          </a:xfrm>
-          <a:prstGeom prst="rect">
-            <a:avLst/>
-          </a:prstGeom>
-          <a:noFill/>
-        </p:spPr>
-        <p:txBody>
-          <a:bodyPr wrap="square" rtlCol="0">
-            <a:spAutoFit/>
-          </a:bodyPr>
-          <a:lstStyle/>
-          <a:p>
-            <a:pPr algn="ctr"/>
-            <a:r>
-              <a:rPr lang="en-US" sz="3600" b="1" dirty="0" smtClean="0"/>
-              <a:t>M</a:t>
-            </a:r>
-            <a:r>
-              <a:rPr lang="en-US" sz="3600" b="1" baseline="30000" dirty="0" smtClean="0"/>
-              <a:t>2</a:t>
-            </a:r>
-            <a:endParaRPr lang="en-US" sz="3600" b="1" dirty="0"/>
-          </a:p>
-        </p:txBody>
-      </p:sp>
-      <p:sp>
-        <p:nvSpPr>
-          <p:cNvPr id="29" name="TextBox 28"/>
-          <p:cNvSpPr txBox="1"/>
-          <p:nvPr/>
-        </p:nvSpPr>
-        <p:spPr>
-          <a:xfrm>
-            <a:off x="4650956" y="3429000"/>
-            <a:ext cx="4572000" cy="646331"/>
-          </a:xfrm>
-          <a:prstGeom prst="rect">
-            <a:avLst/>
-          </a:prstGeom>
-          <a:noFill/>
-        </p:spPr>
-        <p:txBody>
-          <a:bodyPr wrap="square" rtlCol="0">
-            <a:spAutoFit/>
-          </a:bodyPr>
-          <a:lstStyle/>
-          <a:p>
-            <a:pPr algn="ctr"/>
-            <a:r>
-              <a:rPr lang="en-US" sz="3600" b="1" dirty="0" smtClean="0"/>
-              <a:t>M</a:t>
-            </a:r>
-            <a:r>
-              <a:rPr lang="en-US" sz="3600" b="1" baseline="30000" dirty="0"/>
-              <a:t>3</a:t>
-            </a:r>
-            <a:endParaRPr lang="en-US" sz="3600" b="1" dirty="0"/>
-          </a:p>
-        </p:txBody>
-      </p:sp>
-      <p:sp>
-        <p:nvSpPr>
-          <p:cNvPr id="32" name="TextBox 31"/>
-          <p:cNvSpPr txBox="1"/>
-          <p:nvPr/>
-        </p:nvSpPr>
-        <p:spPr>
-          <a:xfrm>
-            <a:off x="1293384" y="5026665"/>
-            <a:ext cx="422111" cy="584776"/>
-          </a:xfrm>
-          <a:prstGeom prst="rect">
-            <a:avLst/>
-          </a:prstGeom>
-          <a:noFill/>
-        </p:spPr>
-        <p:txBody>
-          <a:bodyPr wrap="none" rtlCol="0">
-            <a:spAutoFit/>
-          </a:bodyPr>
-          <a:lstStyle/>
-          <a:p>
-            <a:r>
-              <a:rPr lang="en-US" sz="3200" dirty="0" smtClean="0"/>
-              <a:t>A</a:t>
-            </a:r>
-            <a:endParaRPr lang="en-US" sz="3200" dirty="0"/>
-          </a:p>
-        </p:txBody>
-      </p:sp>
-      <p:sp>
-        <p:nvSpPr>
-          <p:cNvPr id="36" name="TextBox 35"/>
-          <p:cNvSpPr txBox="1"/>
-          <p:nvPr/>
-        </p:nvSpPr>
-        <p:spPr>
-          <a:xfrm>
-            <a:off x="1871260" y="5023877"/>
-            <a:ext cx="422111" cy="584776"/>
-          </a:xfrm>
-          <a:prstGeom prst="rect">
-            <a:avLst/>
-          </a:prstGeom>
-          <a:noFill/>
-        </p:spPr>
-        <p:txBody>
-          <a:bodyPr wrap="none" rtlCol="0">
-            <a:spAutoFit/>
-          </a:bodyPr>
-          <a:lstStyle/>
-          <a:p>
-            <a:r>
-              <a:rPr lang="en-US" sz="3200" dirty="0" smtClean="0"/>
-              <a:t>B</a:t>
-            </a:r>
-            <a:endParaRPr lang="en-US" sz="3200" dirty="0"/>
-          </a:p>
-        </p:txBody>
-      </p:sp>
-      <p:sp>
-        <p:nvSpPr>
-          <p:cNvPr id="40" name="TextBox 39"/>
-          <p:cNvSpPr txBox="1"/>
-          <p:nvPr/>
-        </p:nvSpPr>
-        <p:spPr>
-          <a:xfrm>
-            <a:off x="2434322" y="5023877"/>
-            <a:ext cx="403476" cy="584776"/>
-          </a:xfrm>
-          <a:prstGeom prst="rect">
-            <a:avLst/>
-          </a:prstGeom>
-          <a:noFill/>
-        </p:spPr>
-        <p:txBody>
-          <a:bodyPr wrap="none" rtlCol="0">
-            <a:spAutoFit/>
-          </a:bodyPr>
-          <a:lstStyle/>
-          <a:p>
-            <a:r>
-              <a:rPr lang="en-US" sz="3200" dirty="0" smtClean="0"/>
-              <a:t>C</a:t>
-            </a:r>
-            <a:endParaRPr lang="en-US" sz="3200" dirty="0"/>
-          </a:p>
-        </p:txBody>
-      </p:sp>
-      <p:sp>
-        <p:nvSpPr>
-          <p:cNvPr id="41" name="TextBox 40"/>
-          <p:cNvSpPr txBox="1"/>
-          <p:nvPr/>
-        </p:nvSpPr>
-        <p:spPr>
-          <a:xfrm>
-            <a:off x="6832212" y="1170767"/>
-            <a:ext cx="403476" cy="584776"/>
-          </a:xfrm>
-          <a:prstGeom prst="rect">
-            <a:avLst/>
-          </a:prstGeom>
-          <a:noFill/>
-        </p:spPr>
-        <p:txBody>
-          <a:bodyPr wrap="none" rtlCol="0">
-            <a:spAutoFit/>
-          </a:bodyPr>
-          <a:lstStyle/>
-          <a:p>
-            <a:r>
-              <a:rPr lang="en-US" sz="3200" dirty="0" smtClean="0"/>
-              <a:t>C</a:t>
-            </a:r>
-            <a:endParaRPr lang="en-US" sz="3200" dirty="0"/>
-          </a:p>
-        </p:txBody>
-      </p:sp>
-      <p:sp>
-        <p:nvSpPr>
-          <p:cNvPr id="44" name="TextBox 43"/>
-          <p:cNvSpPr txBox="1"/>
-          <p:nvPr/>
-        </p:nvSpPr>
-        <p:spPr>
-          <a:xfrm>
-            <a:off x="2975128" y="5023877"/>
-            <a:ext cx="437139" cy="584776"/>
-          </a:xfrm>
-          <a:prstGeom prst="rect">
-            <a:avLst/>
-          </a:prstGeom>
-          <a:noFill/>
-        </p:spPr>
-        <p:txBody>
-          <a:bodyPr wrap="none" rtlCol="0">
-            <a:spAutoFit/>
-          </a:bodyPr>
-          <a:lstStyle/>
-          <a:p>
-            <a:r>
-              <a:rPr lang="en-US" sz="3200" dirty="0" smtClean="0"/>
-              <a:t>D</a:t>
-            </a:r>
-            <a:endParaRPr lang="en-US" sz="3200" dirty="0"/>
-          </a:p>
-        </p:txBody>
-      </p:sp>
-      <p:sp>
-        <p:nvSpPr>
-          <p:cNvPr id="45" name="TextBox 44"/>
-          <p:cNvSpPr txBox="1"/>
-          <p:nvPr/>
-        </p:nvSpPr>
-        <p:spPr>
-          <a:xfrm>
-            <a:off x="7373018" y="1170767"/>
-            <a:ext cx="437139" cy="584776"/>
-          </a:xfrm>
-          <a:prstGeom prst="rect">
-            <a:avLst/>
-          </a:prstGeom>
-          <a:noFill/>
-        </p:spPr>
-        <p:txBody>
-          <a:bodyPr wrap="none" rtlCol="0">
-            <a:spAutoFit/>
-          </a:bodyPr>
-          <a:lstStyle/>
-          <a:p>
-            <a:r>
-              <a:rPr lang="en-US" sz="3200" dirty="0" smtClean="0"/>
-              <a:t>D</a:t>
-            </a:r>
-            <a:endParaRPr lang="en-US" sz="3200" dirty="0"/>
-          </a:p>
-        </p:txBody>
-      </p:sp>
-      <p:sp>
-        <p:nvSpPr>
-          <p:cNvPr id="46" name="TextBox 45"/>
-          <p:cNvSpPr txBox="1"/>
-          <p:nvPr/>
-        </p:nvSpPr>
-        <p:spPr>
-          <a:xfrm>
-            <a:off x="1330455" y="1892040"/>
-            <a:ext cx="385041" cy="584776"/>
-          </a:xfrm>
-          <a:prstGeom prst="rect">
-            <a:avLst/>
-          </a:prstGeom>
-          <a:noFill/>
-        </p:spPr>
-        <p:txBody>
-          <a:bodyPr wrap="none" rtlCol="0">
-            <a:spAutoFit/>
-          </a:bodyPr>
-          <a:lstStyle/>
-          <a:p>
-            <a:r>
-              <a:rPr lang="en-US" sz="3200" dirty="0" smtClean="0"/>
-              <a:t>E</a:t>
-            </a:r>
-            <a:endParaRPr lang="en-US" sz="3200" dirty="0"/>
-          </a:p>
-        </p:txBody>
-      </p:sp>
-      <p:sp>
-        <p:nvSpPr>
-          <p:cNvPr id="62" name="TextBox 61"/>
-          <p:cNvSpPr txBox="1"/>
-          <p:nvPr/>
-        </p:nvSpPr>
-        <p:spPr>
-          <a:xfrm>
-            <a:off x="2975129" y="1170767"/>
-            <a:ext cx="437139" cy="584776"/>
-          </a:xfrm>
-          <a:prstGeom prst="rect">
-            <a:avLst/>
-          </a:prstGeom>
-          <a:noFill/>
-        </p:spPr>
-        <p:txBody>
-          <a:bodyPr wrap="none" rtlCol="0">
-            <a:spAutoFit/>
-          </a:bodyPr>
-          <a:lstStyle/>
-          <a:p>
-            <a:r>
-              <a:rPr lang="en-US" sz="3200" dirty="0" smtClean="0"/>
-              <a:t>D</a:t>
-            </a:r>
-            <a:endParaRPr lang="en-US" sz="3200" dirty="0"/>
-          </a:p>
-        </p:txBody>
-      </p:sp>
-      <p:sp>
-        <p:nvSpPr>
-          <p:cNvPr id="63" name="TextBox 62"/>
-          <p:cNvSpPr txBox="1"/>
-          <p:nvPr/>
-        </p:nvSpPr>
-        <p:spPr>
-          <a:xfrm>
-            <a:off x="-2" y="-65965"/>
-            <a:ext cx="913957" cy="523220"/>
-          </a:xfrm>
-          <a:prstGeom prst="rect">
-            <a:avLst/>
-          </a:prstGeom>
-          <a:noFill/>
-        </p:spPr>
-        <p:txBody>
-          <a:bodyPr wrap="square" rtlCol="0">
-            <a:spAutoFit/>
-          </a:bodyPr>
-          <a:lstStyle/>
-          <a:p>
-            <a:r>
-              <a:rPr lang="en-US" sz="2800" dirty="0"/>
-              <a:t>t</a:t>
-            </a:r>
-            <a:r>
-              <a:rPr lang="en-US" sz="2800" dirty="0" smtClean="0"/>
-              <a:t> = 5</a:t>
-            </a:r>
-            <a:endParaRPr lang="en-US" sz="2800" dirty="0"/>
-          </a:p>
-        </p:txBody>
-      </p:sp>
-    </p:spTree>
-    <p:extLst>
-      <p:ext uri="{BB962C8B-B14F-4D97-AF65-F5344CB8AC3E}">
-        <p14:creationId xmlns:p14="http://schemas.microsoft.com/office/powerpoint/2010/main" val="1409968461"/>
-      </p:ext>
-    </p:extLst>
-  </p:cSld>
-  <p:clrMapOvr>
-    <a:masterClrMapping/>
-  </p:clrMapOvr>
-  <p:timing>
-    <p:tnLst>
-      <p:par>
-        <p:cTn xmlns:p14="http://schemas.microsoft.com/office/powerpoint/2010/main" id="1" dur="indefinite" restart="never" nodeType="tmRoot">
-          <p:childTnLst>
-            <p:seq concurrent="1" nextAc="seek">
-              <p:cTn id="2" dur="indefinite" nodeType="mainSeq">
-                <p:childTnLst>
-                  <p:par>
-                    <p:cTn id="3" fill="hold">
-                      <p:stCondLst>
-                        <p:cond delay="indefinite"/>
-                        <p:cond evt="onBegin" delay="0">
-                          <p:tn val="2"/>
-                        </p:cond>
-                      </p:stCondLst>
-                      <p:childTnLst>
-                        <p:par>
-                          <p:cTn id="4" fill="hold">
-                            <p:stCondLst>
-                              <p:cond delay="0"/>
-                            </p:stCondLst>
-                            <p:childTnLst>
-                              <p:par>
-                                <p:cTn id="5" presetID="9" presetClass="exit" presetSubtype="0" fill="hold" grpId="0" nodeType="withEffect">
-                                  <p:stCondLst>
-                                    <p:cond delay="0"/>
-                                  </p:stCondLst>
-                                  <p:childTnLst>
-                                    <p:animEffect transition="out" filter="dissolve">
-                                      <p:cBhvr>
-                                        <p:cTn id="6" dur="500"/>
-                                        <p:tgtEl>
-                                          <p:spTgt spid="62"/>
-                                        </p:tgtEl>
-                                      </p:cBhvr>
-                                    </p:animEffect>
-                                    <p:set>
-                                      <p:cBhvr>
-                                        <p:cTn id="7" dur="1" fill="hold">
-                                          <p:stCondLst>
-                                            <p:cond delay="499"/>
-                                          </p:stCondLst>
-                                        </p:cTn>
-                                        <p:tgtEl>
-                                          <p:spTgt spid="62"/>
-                                        </p:tgtEl>
-                                        <p:attrNameLst>
-                                          <p:attrName>style.visibility</p:attrName>
-                                        </p:attrNameLst>
-                                      </p:cBhvr>
-                                      <p:to>
-                                        <p:strVal val="hidden"/>
-                                      </p:to>
-                                    </p:set>
-                                  </p:childTnLst>
-                                </p:cTn>
-                              </p:par>
-                            </p:childTnLst>
-                          </p:cTn>
-                        </p:par>
-                      </p:childTnLst>
-                    </p:cTn>
-                  </p:par>
-                </p:childTnLst>
-              </p:cTn>
-              <p:prevCondLst>
-                <p:cond evt="onPrev" delay="0">
-                  <p:tgtEl>
-                    <p:sldTgt/>
-                  </p:tgtEl>
-                </p:cond>
-              </p:prevCondLst>
-              <p:nextCondLst>
-                <p:cond evt="onNext" delay="0">
-                  <p:tgtEl>
-                    <p:sldTgt/>
-                  </p:tgtEl>
-                </p:cond>
-              </p:nextCondLst>
-            </p:seq>
-          </p:childTnLst>
-        </p:cTn>
-      </p:par>
-    </p:tnLst>
-    <p:bldLst>
-      <p:bldP spid="62" grpId="0"/>
-    </p:bldLst>
-  </p:timing>
-</p:sld>
-</file>
-
-<file path=ppt/slides/slide9.xml><?xml version="1.0" encoding="utf-8"?>
-<p:sld xmlns:a="http://schemas.openxmlformats.org/drawingml/2006/main" xmlns:r="http://schemas.openxmlformats.org/officeDocument/2006/relationships" xmlns:p="http://schemas.openxmlformats.org/presentationml/2006/main">
-  <p:cSld>
-    <p:spTree>
-      <p:nvGrpSpPr>
-        <p:cNvPr id="1" name=""/>
-        <p:cNvGrpSpPr/>
-        <p:nvPr/>
-      </p:nvGrpSpPr>
-      <p:grpSpPr>
-        <a:xfrm>
-          <a:off x="0" y="0"/>
-          <a:ext cx="0" cy="0"/>
-          <a:chOff x="0" y="0"/>
-          <a:chExt cx="0" cy="0"/>
-        </a:xfrm>
-      </p:grpSpPr>
-      <p:sp>
-        <p:nvSpPr>
-          <p:cNvPr id="20" name="TextBox 19"/>
-          <p:cNvSpPr txBox="1"/>
-          <p:nvPr/>
-        </p:nvSpPr>
-        <p:spPr>
-          <a:xfrm>
-            <a:off x="-2" y="12096"/>
-            <a:ext cx="4572000" cy="646331"/>
-          </a:xfrm>
-          <a:prstGeom prst="rect">
-            <a:avLst/>
-          </a:prstGeom>
-          <a:noFill/>
-        </p:spPr>
-        <p:txBody>
-          <a:bodyPr wrap="square" rtlCol="0">
-            <a:spAutoFit/>
-          </a:bodyPr>
-          <a:lstStyle/>
-          <a:p>
-            <a:pPr algn="ctr"/>
-            <a:r>
-              <a:rPr lang="en-US" sz="3600" b="1" dirty="0" smtClean="0"/>
-              <a:t>M</a:t>
-            </a:r>
-            <a:r>
-              <a:rPr lang="en-US" sz="3600" b="1" baseline="30000" dirty="0" smtClean="0"/>
-              <a:t>0</a:t>
-            </a:r>
-            <a:endParaRPr lang="en-US" sz="3600" b="1" dirty="0"/>
-          </a:p>
-        </p:txBody>
-      </p:sp>
-      <p:sp>
-        <p:nvSpPr>
-          <p:cNvPr id="21" name="TextBox 20"/>
-          <p:cNvSpPr txBox="1"/>
-          <p:nvPr/>
-        </p:nvSpPr>
-        <p:spPr>
-          <a:xfrm>
-            <a:off x="4650956" y="12096"/>
-            <a:ext cx="4572000" cy="646331"/>
-          </a:xfrm>
-          <a:prstGeom prst="rect">
-            <a:avLst/>
-          </a:prstGeom>
-          <a:noFill/>
-        </p:spPr>
-        <p:txBody>
-          <a:bodyPr wrap="square" rtlCol="0">
-            <a:spAutoFit/>
-          </a:bodyPr>
-          <a:lstStyle/>
-          <a:p>
-            <a:pPr algn="ctr"/>
-            <a:r>
-              <a:rPr lang="en-US" sz="3600" b="1" dirty="0" smtClean="0"/>
-              <a:t>M</a:t>
-            </a:r>
-            <a:r>
-              <a:rPr lang="en-US" sz="3600" b="1" baseline="30000" dirty="0"/>
-              <a:t>1</a:t>
-            </a:r>
-            <a:endParaRPr lang="en-US" sz="3600" b="1" dirty="0"/>
-          </a:p>
-        </p:txBody>
-      </p:sp>
-      <p:cxnSp>
-        <p:nvCxnSpPr>
-          <p:cNvPr id="23" name="Straight Connector 22"/>
-          <p:cNvCxnSpPr/>
-          <p:nvPr/>
-        </p:nvCxnSpPr>
-        <p:spPr>
-          <a:xfrm>
-            <a:off x="4572000" y="-94961"/>
-            <a:ext cx="0" cy="7050890"/>
-          </a:xfrm>
-          <a:prstGeom prst="line">
-            <a:avLst/>
-          </a:prstGeom>
-        </p:spPr>
-        <p:style>
-          <a:lnRef idx="2">
-            <a:schemeClr val="accent1"/>
-          </a:lnRef>
-          <a:fillRef idx="0">
-            <a:schemeClr val="accent1"/>
-          </a:fillRef>
-          <a:effectRef idx="1">
-            <a:schemeClr val="accent1"/>
-          </a:effectRef>
-          <a:fontRef idx="minor">
-            <a:schemeClr val="tx1"/>
-          </a:fontRef>
-        </p:style>
-      </p:cxnSp>
-      <p:cxnSp>
-        <p:nvCxnSpPr>
-          <p:cNvPr id="26" name="Straight Connector 25"/>
-          <p:cNvCxnSpPr/>
-          <p:nvPr/>
-        </p:nvCxnSpPr>
-        <p:spPr>
-          <a:xfrm>
-            <a:off x="-94956" y="3429000"/>
-            <a:ext cx="9317912" cy="0"/>
-          </a:xfrm>
-          <a:prstGeom prst="line">
-            <a:avLst/>
-          </a:prstGeom>
-        </p:spPr>
-        <p:style>
-          <a:lnRef idx="2">
-            <a:schemeClr val="accent1"/>
-          </a:lnRef>
-          <a:fillRef idx="0">
-            <a:schemeClr val="accent1"/>
-          </a:fillRef>
-          <a:effectRef idx="1">
-            <a:schemeClr val="accent1"/>
-          </a:effectRef>
-          <a:fontRef idx="minor">
-            <a:schemeClr val="tx1"/>
-          </a:fontRef>
-        </p:style>
-      </p:cxnSp>
-      <p:sp>
-        <p:nvSpPr>
-          <p:cNvPr id="28" name="TextBox 27"/>
-          <p:cNvSpPr txBox="1"/>
-          <p:nvPr/>
-        </p:nvSpPr>
-        <p:spPr>
-          <a:xfrm>
-            <a:off x="0" y="3429000"/>
-            <a:ext cx="4572000" cy="646331"/>
-          </a:xfrm>
-          <a:prstGeom prst="rect">
-            <a:avLst/>
-          </a:prstGeom>
-          <a:noFill/>
-        </p:spPr>
-        <p:txBody>
-          <a:bodyPr wrap="square" rtlCol="0">
-            <a:spAutoFit/>
-          </a:bodyPr>
-          <a:lstStyle/>
-          <a:p>
-            <a:pPr algn="ctr"/>
-            <a:r>
-              <a:rPr lang="en-US" sz="3600" b="1" dirty="0" smtClean="0"/>
-              <a:t>M</a:t>
-            </a:r>
-            <a:r>
-              <a:rPr lang="en-US" sz="3600" b="1" baseline="30000" dirty="0" smtClean="0"/>
-              <a:t>2</a:t>
-            </a:r>
-            <a:endParaRPr lang="en-US" sz="3600" b="1" dirty="0"/>
-          </a:p>
-        </p:txBody>
-      </p:sp>
-      <p:sp>
-        <p:nvSpPr>
-          <p:cNvPr id="29" name="TextBox 28"/>
-          <p:cNvSpPr txBox="1"/>
-          <p:nvPr/>
-        </p:nvSpPr>
-        <p:spPr>
-          <a:xfrm>
-            <a:off x="4650956" y="3429000"/>
-            <a:ext cx="4572000" cy="646331"/>
-          </a:xfrm>
-          <a:prstGeom prst="rect">
-            <a:avLst/>
-          </a:prstGeom>
-          <a:noFill/>
-        </p:spPr>
-        <p:txBody>
-          <a:bodyPr wrap="square" rtlCol="0">
-            <a:spAutoFit/>
-          </a:bodyPr>
-          <a:lstStyle/>
-          <a:p>
-            <a:pPr algn="ctr"/>
-            <a:r>
-              <a:rPr lang="en-US" sz="3600" b="1" dirty="0" smtClean="0"/>
-              <a:t>M</a:t>
-            </a:r>
-            <a:r>
-              <a:rPr lang="en-US" sz="3600" b="1" baseline="30000" dirty="0"/>
-              <a:t>3</a:t>
-            </a:r>
-            <a:endParaRPr lang="en-US" sz="3600" b="1" dirty="0"/>
-          </a:p>
-        </p:txBody>
-      </p:sp>
-      <p:sp>
-        <p:nvSpPr>
-          <p:cNvPr id="32" name="TextBox 31"/>
-          <p:cNvSpPr txBox="1"/>
-          <p:nvPr/>
-        </p:nvSpPr>
-        <p:spPr>
-          <a:xfrm>
-            <a:off x="1293384" y="5026665"/>
-            <a:ext cx="422111" cy="584776"/>
-          </a:xfrm>
-          <a:prstGeom prst="rect">
-            <a:avLst/>
-          </a:prstGeom>
-          <a:noFill/>
-        </p:spPr>
-        <p:txBody>
-          <a:bodyPr wrap="none" rtlCol="0">
-            <a:spAutoFit/>
-          </a:bodyPr>
-          <a:lstStyle/>
-          <a:p>
-            <a:r>
-              <a:rPr lang="en-US" sz="3200" dirty="0" smtClean="0"/>
-              <a:t>A</a:t>
-            </a:r>
-            <a:endParaRPr lang="en-US" sz="3200" dirty="0"/>
-          </a:p>
-        </p:txBody>
-      </p:sp>
-      <p:sp>
-        <p:nvSpPr>
-          <p:cNvPr id="36" name="TextBox 35"/>
-          <p:cNvSpPr txBox="1"/>
-          <p:nvPr/>
-        </p:nvSpPr>
-        <p:spPr>
-          <a:xfrm>
-            <a:off x="1871260" y="5023877"/>
-            <a:ext cx="422111" cy="584776"/>
-          </a:xfrm>
-          <a:prstGeom prst="rect">
-            <a:avLst/>
-          </a:prstGeom>
-          <a:noFill/>
-        </p:spPr>
-        <p:txBody>
-          <a:bodyPr wrap="none" rtlCol="0">
-            <a:spAutoFit/>
-          </a:bodyPr>
-          <a:lstStyle/>
-          <a:p>
-            <a:r>
-              <a:rPr lang="en-US" sz="3200" dirty="0" smtClean="0"/>
-              <a:t>B</a:t>
-            </a:r>
-            <a:endParaRPr lang="en-US" sz="3200" dirty="0"/>
-          </a:p>
-        </p:txBody>
-      </p:sp>
-      <p:sp>
-        <p:nvSpPr>
-          <p:cNvPr id="40" name="TextBox 39"/>
-          <p:cNvSpPr txBox="1"/>
-          <p:nvPr/>
-        </p:nvSpPr>
-        <p:spPr>
-          <a:xfrm>
-            <a:off x="2434322" y="5023877"/>
-            <a:ext cx="403476" cy="584776"/>
-          </a:xfrm>
-          <a:prstGeom prst="rect">
-            <a:avLst/>
-          </a:prstGeom>
-          <a:noFill/>
-        </p:spPr>
-        <p:txBody>
-          <a:bodyPr wrap="none" rtlCol="0">
-            <a:spAutoFit/>
-          </a:bodyPr>
-          <a:lstStyle/>
-          <a:p>
-            <a:r>
-              <a:rPr lang="en-US" sz="3200" dirty="0" smtClean="0"/>
-              <a:t>C</a:t>
-            </a:r>
-            <a:endParaRPr lang="en-US" sz="3200" dirty="0"/>
-          </a:p>
-        </p:txBody>
-      </p:sp>
-      <p:sp>
-        <p:nvSpPr>
-          <p:cNvPr id="44" name="TextBox 43"/>
-          <p:cNvSpPr txBox="1"/>
-          <p:nvPr/>
-        </p:nvSpPr>
-        <p:spPr>
-          <a:xfrm>
-            <a:off x="2975128" y="5023877"/>
-            <a:ext cx="437139" cy="584776"/>
-          </a:xfrm>
-          <a:prstGeom prst="rect">
-            <a:avLst/>
-          </a:prstGeom>
-          <a:noFill/>
-        </p:spPr>
-        <p:txBody>
-          <a:bodyPr wrap="none" rtlCol="0">
-            <a:spAutoFit/>
-          </a:bodyPr>
-          <a:lstStyle/>
-          <a:p>
-            <a:r>
-              <a:rPr lang="en-US" sz="3200" dirty="0" smtClean="0"/>
-              <a:t>D</a:t>
-            </a:r>
-            <a:endParaRPr lang="en-US" sz="3200" dirty="0"/>
-          </a:p>
-        </p:txBody>
-      </p:sp>
-      <p:sp>
-        <p:nvSpPr>
-          <p:cNvPr id="46" name="TextBox 45"/>
-          <p:cNvSpPr txBox="1"/>
-          <p:nvPr/>
-        </p:nvSpPr>
-        <p:spPr>
-          <a:xfrm>
-            <a:off x="1330455" y="1892040"/>
-            <a:ext cx="385041" cy="584776"/>
-          </a:xfrm>
-          <a:prstGeom prst="rect">
-            <a:avLst/>
-          </a:prstGeom>
-          <a:noFill/>
-        </p:spPr>
-        <p:txBody>
-          <a:bodyPr wrap="none" rtlCol="0">
-            <a:spAutoFit/>
-          </a:bodyPr>
-          <a:lstStyle/>
-          <a:p>
-            <a:r>
-              <a:rPr lang="en-US" sz="3200" dirty="0" smtClean="0"/>
-              <a:t>E</a:t>
-            </a:r>
-            <a:endParaRPr lang="en-US" sz="3200" dirty="0"/>
-          </a:p>
-        </p:txBody>
-      </p:sp>
-      <p:sp>
-        <p:nvSpPr>
-          <p:cNvPr id="50" name="TextBox 49"/>
-          <p:cNvSpPr txBox="1"/>
-          <p:nvPr/>
-        </p:nvSpPr>
-        <p:spPr>
-          <a:xfrm>
-            <a:off x="1904966" y="1892040"/>
-            <a:ext cx="373219" cy="584776"/>
-          </a:xfrm>
-          <a:prstGeom prst="rect">
-            <a:avLst/>
-          </a:prstGeom>
-          <a:noFill/>
-        </p:spPr>
-        <p:txBody>
-          <a:bodyPr wrap="none" rtlCol="0">
-            <a:spAutoFit/>
-          </a:bodyPr>
-          <a:lstStyle/>
-          <a:p>
-            <a:r>
-              <a:rPr lang="en-US" sz="3200" dirty="0" smtClean="0"/>
-              <a:t>F</a:t>
-            </a:r>
-            <a:endParaRPr lang="en-US" sz="3200" dirty="0"/>
-          </a:p>
-        </p:txBody>
-      </p:sp>
-      <p:sp>
-        <p:nvSpPr>
-          <p:cNvPr id="62" name="TextBox 61"/>
-          <p:cNvSpPr txBox="1"/>
-          <p:nvPr/>
-        </p:nvSpPr>
-        <p:spPr>
-          <a:xfrm>
-            <a:off x="1904966" y="1892040"/>
-            <a:ext cx="373219" cy="584776"/>
-          </a:xfrm>
-          <a:prstGeom prst="rect">
-            <a:avLst/>
-          </a:prstGeom>
-          <a:noFill/>
-        </p:spPr>
-        <p:txBody>
-          <a:bodyPr wrap="none" rtlCol="0">
-            <a:spAutoFit/>
-          </a:bodyPr>
-          <a:lstStyle/>
-          <a:p>
-            <a:r>
-              <a:rPr lang="en-US" sz="3200" dirty="0" smtClean="0"/>
-              <a:t>F</a:t>
-            </a:r>
-            <a:endParaRPr lang="en-US" sz="3200" dirty="0"/>
-          </a:p>
-        </p:txBody>
-      </p:sp>
-      <p:sp>
-        <p:nvSpPr>
-          <p:cNvPr id="63" name="TextBox 62"/>
-          <p:cNvSpPr txBox="1"/>
-          <p:nvPr/>
-        </p:nvSpPr>
-        <p:spPr>
-          <a:xfrm>
-            <a:off x="6832212" y="1170767"/>
-            <a:ext cx="403476" cy="584776"/>
-          </a:xfrm>
-          <a:prstGeom prst="rect">
-            <a:avLst/>
-          </a:prstGeom>
-          <a:noFill/>
-        </p:spPr>
-        <p:txBody>
-          <a:bodyPr wrap="none" rtlCol="0">
-            <a:spAutoFit/>
-          </a:bodyPr>
-          <a:lstStyle/>
-          <a:p>
-            <a:r>
-              <a:rPr lang="en-US" sz="3200" dirty="0" smtClean="0"/>
-              <a:t>C</a:t>
-            </a:r>
-            <a:endParaRPr lang="en-US" sz="3200" dirty="0"/>
-          </a:p>
-        </p:txBody>
-      </p:sp>
-      <p:sp>
-        <p:nvSpPr>
-          <p:cNvPr id="64" name="TextBox 63"/>
-          <p:cNvSpPr txBox="1"/>
-          <p:nvPr/>
-        </p:nvSpPr>
-        <p:spPr>
-          <a:xfrm>
-            <a:off x="7373018" y="1170767"/>
-            <a:ext cx="437139" cy="584776"/>
-          </a:xfrm>
-          <a:prstGeom prst="rect">
-            <a:avLst/>
-          </a:prstGeom>
-          <a:noFill/>
-        </p:spPr>
-        <p:txBody>
-          <a:bodyPr wrap="none" rtlCol="0">
-            <a:spAutoFit/>
-          </a:bodyPr>
-          <a:lstStyle/>
-          <a:p>
-            <a:r>
-              <a:rPr lang="en-US" sz="3200" dirty="0" smtClean="0"/>
-              <a:t>D</a:t>
-            </a:r>
-            <a:endParaRPr lang="en-US" sz="3200" dirty="0"/>
-          </a:p>
-        </p:txBody>
-      </p:sp>
-      <p:sp>
-        <p:nvSpPr>
-          <p:cNvPr id="65" name="TextBox 64"/>
-          <p:cNvSpPr txBox="1"/>
-          <p:nvPr/>
-        </p:nvSpPr>
-        <p:spPr>
-          <a:xfrm>
-            <a:off x="-2" y="-65965"/>
-            <a:ext cx="913957" cy="523220"/>
-          </a:xfrm>
-          <a:prstGeom prst="rect">
-            <a:avLst/>
-          </a:prstGeom>
-          <a:noFill/>
-        </p:spPr>
-        <p:txBody>
-          <a:bodyPr wrap="square" rtlCol="0">
-            <a:spAutoFit/>
-          </a:bodyPr>
-          <a:lstStyle/>
-          <a:p>
-            <a:r>
-              <a:rPr lang="en-US" sz="2800" dirty="0"/>
-              <a:t>t</a:t>
-            </a:r>
-            <a:r>
-              <a:rPr lang="en-US" sz="2800" dirty="0" smtClean="0"/>
-              <a:t> =6</a:t>
-            </a:r>
-            <a:endParaRPr lang="en-US" sz="2800" dirty="0"/>
-          </a:p>
-        </p:txBody>
-      </p:sp>
-    </p:spTree>
-    <p:extLst>
-      <p:ext uri="{BB962C8B-B14F-4D97-AF65-F5344CB8AC3E}">
-        <p14:creationId xmlns:p14="http://schemas.microsoft.com/office/powerpoint/2010/main" val="1409968461"/>
-      </p:ext>
-    </p:extLst>
-  </p:cSld>
-  <p:clrMapOvr>
-    <a:masterClrMapping/>
-  </p:clrMapOvr>
-  <p:timing>
-    <p:tnLst>
-      <p:par>
-        <p:cTn xmlns:p14="http://schemas.microsoft.com/office/powerpoint/2010/main" id="1" dur="indefinite" restart="never" nodeType="tmRoot">
-          <p:childTnLst>
-            <p:seq concurrent="1" nextAc="seek">
-              <p:cTn id="2" dur="indefinite" nodeType="mainSeq">
-                <p:childTnLst>
-                  <p:par>
-                    <p:cTn id="3" fill="hold">
-                      <p:stCondLst>
-                        <p:cond delay="indefinite"/>
-                        <p:cond evt="onBegin" delay="0">
-                          <p:tn val="2"/>
-                        </p:cond>
-                      </p:stCondLst>
-                      <p:childTnLst>
-                        <p:par>
-                          <p:cTn id="4" fill="hold">
-                            <p:stCondLst>
-                              <p:cond delay="0"/>
-                            </p:stCondLst>
-                            <p:childTnLst>
-                              <p:par>
-                                <p:cTn id="5" presetID="0" presetClass="path" presetSubtype="0" accel="50000" decel="50000" fill="hold" grpId="0" nodeType="afterEffect">
-                                  <p:stCondLst>
-                                    <p:cond delay="250"/>
-                                  </p:stCondLst>
-                                  <p:childTnLst>
-                                    <p:animMotion origin="layout" path="M 0 0 L 0.48046 0 " pathEditMode="relative" ptsTypes="AA">
-                                      <p:cBhvr>
-                                        <p:cTn id="6" dur="1000" fill="hold"/>
-                                        <p:tgtEl>
-                                          <p:spTgt spid="50"/>
-                                        </p:tgtEl>
-                                        <p:attrNameLst>
-                                          <p:attrName>ppt_x</p:attrName>
-                                          <p:attrName>ppt_y</p:attrName>
-                                        </p:attrNameLst>
-                                      </p:cBhvr>
-                                    </p:animMotion>
-                                  </p:childTnLst>
-                                </p:cTn>
-                              </p:par>
-                              <p:par>
-                                <p:cTn id="7" presetID="0" presetClass="path" presetSubtype="0" accel="50000" decel="50000" fill="hold" grpId="0" nodeType="withEffect">
-                                  <p:stCondLst>
-                                    <p:cond delay="250"/>
-                                  </p:stCondLst>
-                                  <p:childTnLst>
-                                    <p:animMotion origin="layout" path="M 0 0 L 0.48046 0 " pathEditMode="relative" ptsTypes="AA">
-                                      <p:cBhvr>
-                                        <p:cTn id="8" dur="1000" fill="hold"/>
-                                        <p:tgtEl>
-                                          <p:spTgt spid="46"/>
-                                        </p:tgtEl>
-                                        <p:attrNameLst>
-                                          <p:attrName>ppt_x</p:attrName>
-                                          <p:attrName>ppt_y</p:attrName>
-                                        </p:attrNameLst>
-                                      </p:cBhvr>
-                                    </p:animMotion>
-                                  </p:childTnLst>
-                                </p:cTn>
-                              </p:par>
-                            </p:childTnLst>
-                          </p:cTn>
-                        </p:par>
-                        <p:par>
-                          <p:cTn id="9" fill="hold">
-                            <p:stCondLst>
-                              <p:cond delay="1250"/>
-                            </p:stCondLst>
-                            <p:childTnLst>
-                              <p:par>
-                                <p:cTn id="10" presetID="9" presetClass="exit" presetSubtype="0" fill="hold" grpId="0" nodeType="afterEffect">
-                                  <p:stCondLst>
-                                    <p:cond delay="0"/>
-                                  </p:stCondLst>
-                                  <p:childTnLst>
-                                    <p:animEffect transition="out" filter="dissolve">
-                                      <p:cBhvr>
-                                        <p:cTn id="11" dur="500"/>
-                                        <p:tgtEl>
-                                          <p:spTgt spid="63"/>
-                                        </p:tgtEl>
-                                      </p:cBhvr>
-                                    </p:animEffect>
-                                    <p:set>
-                                      <p:cBhvr>
-                                        <p:cTn id="12" dur="1" fill="hold">
-                                          <p:stCondLst>
-                                            <p:cond delay="499"/>
-                                          </p:stCondLst>
-                                        </p:cTn>
-                                        <p:tgtEl>
-                                          <p:spTgt spid="63"/>
-                                        </p:tgtEl>
-                                        <p:attrNameLst>
-                                          <p:attrName>style.visibility</p:attrName>
-                                        </p:attrNameLst>
-                                      </p:cBhvr>
-                                      <p:to>
-                                        <p:strVal val="hidden"/>
-                                      </p:to>
-                                    </p:set>
-                                  </p:childTnLst>
-                                </p:cTn>
-                              </p:par>
-                              <p:par>
-                                <p:cTn id="13" presetID="9" presetClass="exit" presetSubtype="0" fill="hold" grpId="0" nodeType="withEffect">
-                                  <p:stCondLst>
-                                    <p:cond delay="0"/>
-                                  </p:stCondLst>
-                                  <p:childTnLst>
-                                    <p:animEffect transition="out" filter="dissolve">
-                                      <p:cBhvr>
-                                        <p:cTn id="14" dur="500"/>
-                                        <p:tgtEl>
-                                          <p:spTgt spid="64"/>
-                                        </p:tgtEl>
-                                      </p:cBhvr>
-                                    </p:animEffect>
-                                    <p:set>
-                                      <p:cBhvr>
-                                        <p:cTn id="15" dur="1" fill="hold">
-                                          <p:stCondLst>
-                                            <p:cond delay="499"/>
-                                          </p:stCondLst>
-                                        </p:cTn>
-                                        <p:tgtEl>
-                                          <p:spTgt spid="64"/>
-                                        </p:tgtEl>
-                                        <p:attrNameLst>
-                                          <p:attrName>style.visibility</p:attrName>
-                                        </p:attrNameLst>
-                                      </p:cBhvr>
-                                      <p:to>
-                                        <p:strVal val="hidden"/>
-                                      </p:to>
-                                    </p:set>
-                                  </p:childTnLst>
-                                </p:cTn>
-                              </p:par>
-                            </p:childTnLst>
-                          </p:cTn>
-                        </p:par>
-                      </p:childTnLst>
-                    </p:cTn>
-                  </p:par>
-                </p:childTnLst>
-              </p:cTn>
-              <p:prevCondLst>
-                <p:cond evt="onPrev" delay="0">
-                  <p:tgtEl>
-                    <p:sldTgt/>
-                  </p:tgtEl>
-                </p:cond>
-              </p:prevCondLst>
-              <p:nextCondLst>
-                <p:cond evt="onNext" delay="0">
-                  <p:tgtEl>
-                    <p:sldTgt/>
-                  </p:tgtEl>
-                </p:cond>
-              </p:nextCondLst>
-            </p:seq>
-          </p:childTnLst>
-        </p:cTn>
-      </p:par>
-    </p:tnLst>
-    <p:bldLst>
-      <p:bldP spid="46" grpId="0"/>
-      <p:bldP spid="50" grpId="0"/>
-      <p:bldP spid="63" grpId="0"/>
-      <p:bldP spid="64" grpId="0"/>
     </p:bldLst>
   </p:timing>
 </p:sld>

--- a/Presentation.pptx
+++ b/Presentation.pptx
@@ -6,23 +6,23 @@
   </p:sldMasterIdLst>
   <p:sldIdLst>
     <p:sldId id="265" r:id="rId2"/>
-    <p:sldId id="269" r:id="rId3"/>
-    <p:sldId id="264" r:id="rId4"/>
-    <p:sldId id="272" r:id="rId5"/>
-    <p:sldId id="268" r:id="rId6"/>
-    <p:sldId id="256" r:id="rId7"/>
-    <p:sldId id="257" r:id="rId8"/>
-    <p:sldId id="258" r:id="rId9"/>
-    <p:sldId id="259" r:id="rId10"/>
-    <p:sldId id="260" r:id="rId11"/>
-    <p:sldId id="261" r:id="rId12"/>
-    <p:sldId id="262" r:id="rId13"/>
-    <p:sldId id="263" r:id="rId14"/>
-    <p:sldId id="271" r:id="rId15"/>
-    <p:sldId id="273" r:id="rId16"/>
-    <p:sldId id="274" r:id="rId17"/>
-    <p:sldId id="266" r:id="rId18"/>
-    <p:sldId id="270" r:id="rId19"/>
+    <p:sldId id="264" r:id="rId3"/>
+    <p:sldId id="272" r:id="rId4"/>
+    <p:sldId id="268" r:id="rId5"/>
+    <p:sldId id="256" r:id="rId6"/>
+    <p:sldId id="257" r:id="rId7"/>
+    <p:sldId id="258" r:id="rId8"/>
+    <p:sldId id="259" r:id="rId9"/>
+    <p:sldId id="260" r:id="rId10"/>
+    <p:sldId id="261" r:id="rId11"/>
+    <p:sldId id="262" r:id="rId12"/>
+    <p:sldId id="263" r:id="rId13"/>
+    <p:sldId id="271" r:id="rId14"/>
+    <p:sldId id="273" r:id="rId15"/>
+    <p:sldId id="274" r:id="rId16"/>
+    <p:sldId id="266" r:id="rId17"/>
+    <p:sldId id="270" r:id="rId18"/>
+    <p:sldId id="269" r:id="rId19"/>
     <p:sldId id="267" r:id="rId20"/>
     <p:sldId id="276" r:id="rId21"/>
   </p:sldIdLst>
@@ -3505,599 +3505,6 @@
       </p:sp>
       <p:sp>
         <p:nvSpPr>
-          <p:cNvPr id="41" name="TextBox 40"/>
-          <p:cNvSpPr txBox="1"/>
-          <p:nvPr/>
-        </p:nvSpPr>
-        <p:spPr>
-          <a:xfrm>
-            <a:off x="6832212" y="1170767"/>
-            <a:ext cx="403476" cy="584776"/>
-          </a:xfrm>
-          <a:prstGeom prst="rect">
-            <a:avLst/>
-          </a:prstGeom>
-          <a:noFill/>
-        </p:spPr>
-        <p:txBody>
-          <a:bodyPr wrap="none" rtlCol="0">
-            <a:spAutoFit/>
-          </a:bodyPr>
-          <a:lstStyle/>
-          <a:p>
-            <a:r>
-              <a:rPr lang="en-US" sz="3200" dirty="0" smtClean="0"/>
-              <a:t>C</a:t>
-            </a:r>
-            <a:endParaRPr lang="en-US" sz="3200" dirty="0"/>
-          </a:p>
-        </p:txBody>
-      </p:sp>
-      <p:sp>
-        <p:nvSpPr>
-          <p:cNvPr id="44" name="TextBox 43"/>
-          <p:cNvSpPr txBox="1"/>
-          <p:nvPr/>
-        </p:nvSpPr>
-        <p:spPr>
-          <a:xfrm>
-            <a:off x="2975128" y="5023877"/>
-            <a:ext cx="437139" cy="584776"/>
-          </a:xfrm>
-          <a:prstGeom prst="rect">
-            <a:avLst/>
-          </a:prstGeom>
-          <a:noFill/>
-        </p:spPr>
-        <p:txBody>
-          <a:bodyPr wrap="none" rtlCol="0">
-            <a:spAutoFit/>
-          </a:bodyPr>
-          <a:lstStyle/>
-          <a:p>
-            <a:r>
-              <a:rPr lang="en-US" sz="3200" dirty="0" smtClean="0"/>
-              <a:t>D</a:t>
-            </a:r>
-            <a:endParaRPr lang="en-US" sz="3200" dirty="0"/>
-          </a:p>
-        </p:txBody>
-      </p:sp>
-      <p:sp>
-        <p:nvSpPr>
-          <p:cNvPr id="45" name="TextBox 44"/>
-          <p:cNvSpPr txBox="1"/>
-          <p:nvPr/>
-        </p:nvSpPr>
-        <p:spPr>
-          <a:xfrm>
-            <a:off x="7373018" y="1170767"/>
-            <a:ext cx="437139" cy="584776"/>
-          </a:xfrm>
-          <a:prstGeom prst="rect">
-            <a:avLst/>
-          </a:prstGeom>
-          <a:noFill/>
-        </p:spPr>
-        <p:txBody>
-          <a:bodyPr wrap="none" rtlCol="0">
-            <a:spAutoFit/>
-          </a:bodyPr>
-          <a:lstStyle/>
-          <a:p>
-            <a:r>
-              <a:rPr lang="en-US" sz="3200" dirty="0" smtClean="0"/>
-              <a:t>D</a:t>
-            </a:r>
-            <a:endParaRPr lang="en-US" sz="3200" dirty="0"/>
-          </a:p>
-        </p:txBody>
-      </p:sp>
-      <p:sp>
-        <p:nvSpPr>
-          <p:cNvPr id="46" name="TextBox 45"/>
-          <p:cNvSpPr txBox="1"/>
-          <p:nvPr/>
-        </p:nvSpPr>
-        <p:spPr>
-          <a:xfrm>
-            <a:off x="1330455" y="1892040"/>
-            <a:ext cx="385041" cy="584776"/>
-          </a:xfrm>
-          <a:prstGeom prst="rect">
-            <a:avLst/>
-          </a:prstGeom>
-          <a:noFill/>
-        </p:spPr>
-        <p:txBody>
-          <a:bodyPr wrap="none" rtlCol="0">
-            <a:spAutoFit/>
-          </a:bodyPr>
-          <a:lstStyle/>
-          <a:p>
-            <a:r>
-              <a:rPr lang="en-US" sz="3200" dirty="0" smtClean="0"/>
-              <a:t>E</a:t>
-            </a:r>
-            <a:endParaRPr lang="en-US" sz="3200" dirty="0"/>
-          </a:p>
-        </p:txBody>
-      </p:sp>
-      <p:sp>
-        <p:nvSpPr>
-          <p:cNvPr id="62" name="TextBox 61"/>
-          <p:cNvSpPr txBox="1"/>
-          <p:nvPr/>
-        </p:nvSpPr>
-        <p:spPr>
-          <a:xfrm>
-            <a:off x="2975129" y="1170767"/>
-            <a:ext cx="437139" cy="584776"/>
-          </a:xfrm>
-          <a:prstGeom prst="rect">
-            <a:avLst/>
-          </a:prstGeom>
-          <a:noFill/>
-        </p:spPr>
-        <p:txBody>
-          <a:bodyPr wrap="none" rtlCol="0">
-            <a:spAutoFit/>
-          </a:bodyPr>
-          <a:lstStyle/>
-          <a:p>
-            <a:r>
-              <a:rPr lang="en-US" sz="3200" dirty="0" smtClean="0"/>
-              <a:t>D</a:t>
-            </a:r>
-            <a:endParaRPr lang="en-US" sz="3200" dirty="0"/>
-          </a:p>
-        </p:txBody>
-      </p:sp>
-      <p:sp>
-        <p:nvSpPr>
-          <p:cNvPr id="63" name="TextBox 62"/>
-          <p:cNvSpPr txBox="1"/>
-          <p:nvPr/>
-        </p:nvSpPr>
-        <p:spPr>
-          <a:xfrm>
-            <a:off x="-2" y="-65965"/>
-            <a:ext cx="913957" cy="523220"/>
-          </a:xfrm>
-          <a:prstGeom prst="rect">
-            <a:avLst/>
-          </a:prstGeom>
-          <a:noFill/>
-        </p:spPr>
-        <p:txBody>
-          <a:bodyPr wrap="square" rtlCol="0">
-            <a:spAutoFit/>
-          </a:bodyPr>
-          <a:lstStyle/>
-          <a:p>
-            <a:r>
-              <a:rPr lang="en-US" sz="2800" dirty="0"/>
-              <a:t>t</a:t>
-            </a:r>
-            <a:r>
-              <a:rPr lang="en-US" sz="2800" dirty="0" smtClean="0"/>
-              <a:t> = 5</a:t>
-            </a:r>
-            <a:endParaRPr lang="en-US" sz="2800" dirty="0"/>
-          </a:p>
-        </p:txBody>
-      </p:sp>
-    </p:spTree>
-    <p:extLst>
-      <p:ext uri="{BB962C8B-B14F-4D97-AF65-F5344CB8AC3E}">
-        <p14:creationId xmlns:p14="http://schemas.microsoft.com/office/powerpoint/2010/main" val="1409968461"/>
-      </p:ext>
-    </p:extLst>
-  </p:cSld>
-  <p:clrMapOvr>
-    <a:masterClrMapping/>
-  </p:clrMapOvr>
-  <p:timing>
-    <p:tnLst>
-      <p:par>
-        <p:cTn xmlns:p14="http://schemas.microsoft.com/office/powerpoint/2010/main" id="1" dur="indefinite" restart="never" nodeType="tmRoot">
-          <p:childTnLst>
-            <p:seq concurrent="1" nextAc="seek">
-              <p:cTn id="2" dur="indefinite" nodeType="mainSeq">
-                <p:childTnLst>
-                  <p:par>
-                    <p:cTn id="3" fill="hold">
-                      <p:stCondLst>
-                        <p:cond delay="indefinite"/>
-                        <p:cond evt="onBegin" delay="0">
-                          <p:tn val="2"/>
-                        </p:cond>
-                      </p:stCondLst>
-                      <p:childTnLst>
-                        <p:par>
-                          <p:cTn id="4" fill="hold">
-                            <p:stCondLst>
-                              <p:cond delay="0"/>
-                            </p:stCondLst>
-                            <p:childTnLst>
-                              <p:par>
-                                <p:cTn id="5" presetID="9" presetClass="exit" presetSubtype="0" fill="hold" grpId="0" nodeType="withEffect">
-                                  <p:stCondLst>
-                                    <p:cond delay="0"/>
-                                  </p:stCondLst>
-                                  <p:childTnLst>
-                                    <p:animEffect transition="out" filter="dissolve">
-                                      <p:cBhvr>
-                                        <p:cTn id="6" dur="500"/>
-                                        <p:tgtEl>
-                                          <p:spTgt spid="62"/>
-                                        </p:tgtEl>
-                                      </p:cBhvr>
-                                    </p:animEffect>
-                                    <p:set>
-                                      <p:cBhvr>
-                                        <p:cTn id="7" dur="1" fill="hold">
-                                          <p:stCondLst>
-                                            <p:cond delay="499"/>
-                                          </p:stCondLst>
-                                        </p:cTn>
-                                        <p:tgtEl>
-                                          <p:spTgt spid="62"/>
-                                        </p:tgtEl>
-                                        <p:attrNameLst>
-                                          <p:attrName>style.visibility</p:attrName>
-                                        </p:attrNameLst>
-                                      </p:cBhvr>
-                                      <p:to>
-                                        <p:strVal val="hidden"/>
-                                      </p:to>
-                                    </p:set>
-                                  </p:childTnLst>
-                                </p:cTn>
-                              </p:par>
-                            </p:childTnLst>
-                          </p:cTn>
-                        </p:par>
-                      </p:childTnLst>
-                    </p:cTn>
-                  </p:par>
-                </p:childTnLst>
-              </p:cTn>
-              <p:prevCondLst>
-                <p:cond evt="onPrev" delay="0">
-                  <p:tgtEl>
-                    <p:sldTgt/>
-                  </p:tgtEl>
-                </p:cond>
-              </p:prevCondLst>
-              <p:nextCondLst>
-                <p:cond evt="onNext" delay="0">
-                  <p:tgtEl>
-                    <p:sldTgt/>
-                  </p:tgtEl>
-                </p:cond>
-              </p:nextCondLst>
-            </p:seq>
-          </p:childTnLst>
-        </p:cTn>
-      </p:par>
-    </p:tnLst>
-    <p:bldLst>
-      <p:bldP spid="62" grpId="0"/>
-    </p:bldLst>
-  </p:timing>
-</p:sld>
-</file>
-
-<file path=ppt/slides/slide11.xml><?xml version="1.0" encoding="utf-8"?>
-<p:sld xmlns:a="http://schemas.openxmlformats.org/drawingml/2006/main" xmlns:r="http://schemas.openxmlformats.org/officeDocument/2006/relationships" xmlns:p="http://schemas.openxmlformats.org/presentationml/2006/main">
-  <p:cSld>
-    <p:spTree>
-      <p:nvGrpSpPr>
-        <p:cNvPr id="1" name=""/>
-        <p:cNvGrpSpPr/>
-        <p:nvPr/>
-      </p:nvGrpSpPr>
-      <p:grpSpPr>
-        <a:xfrm>
-          <a:off x="0" y="0"/>
-          <a:ext cx="0" cy="0"/>
-          <a:chOff x="0" y="0"/>
-          <a:chExt cx="0" cy="0"/>
-        </a:xfrm>
-      </p:grpSpPr>
-      <p:sp>
-        <p:nvSpPr>
-          <p:cNvPr id="20" name="TextBox 19"/>
-          <p:cNvSpPr txBox="1"/>
-          <p:nvPr/>
-        </p:nvSpPr>
-        <p:spPr>
-          <a:xfrm>
-            <a:off x="-2" y="12096"/>
-            <a:ext cx="4572000" cy="646331"/>
-          </a:xfrm>
-          <a:prstGeom prst="rect">
-            <a:avLst/>
-          </a:prstGeom>
-          <a:noFill/>
-        </p:spPr>
-        <p:txBody>
-          <a:bodyPr wrap="square" rtlCol="0">
-            <a:spAutoFit/>
-          </a:bodyPr>
-          <a:lstStyle/>
-          <a:p>
-            <a:pPr algn="ctr"/>
-            <a:r>
-              <a:rPr lang="en-US" sz="3600" b="1" dirty="0" smtClean="0"/>
-              <a:t>M</a:t>
-            </a:r>
-            <a:r>
-              <a:rPr lang="en-US" sz="3600" b="1" baseline="30000" dirty="0" smtClean="0"/>
-              <a:t>0</a:t>
-            </a:r>
-            <a:endParaRPr lang="en-US" sz="3600" b="1" dirty="0"/>
-          </a:p>
-        </p:txBody>
-      </p:sp>
-      <p:sp>
-        <p:nvSpPr>
-          <p:cNvPr id="21" name="TextBox 20"/>
-          <p:cNvSpPr txBox="1"/>
-          <p:nvPr/>
-        </p:nvSpPr>
-        <p:spPr>
-          <a:xfrm>
-            <a:off x="4650956" y="12096"/>
-            <a:ext cx="4572000" cy="646331"/>
-          </a:xfrm>
-          <a:prstGeom prst="rect">
-            <a:avLst/>
-          </a:prstGeom>
-          <a:noFill/>
-        </p:spPr>
-        <p:txBody>
-          <a:bodyPr wrap="square" rtlCol="0">
-            <a:spAutoFit/>
-          </a:bodyPr>
-          <a:lstStyle/>
-          <a:p>
-            <a:pPr algn="ctr"/>
-            <a:r>
-              <a:rPr lang="en-US" sz="3600" b="1" dirty="0" smtClean="0"/>
-              <a:t>M</a:t>
-            </a:r>
-            <a:r>
-              <a:rPr lang="en-US" sz="3600" b="1" baseline="30000" dirty="0"/>
-              <a:t>1</a:t>
-            </a:r>
-            <a:endParaRPr lang="en-US" sz="3600" b="1" dirty="0"/>
-          </a:p>
-        </p:txBody>
-      </p:sp>
-      <p:cxnSp>
-        <p:nvCxnSpPr>
-          <p:cNvPr id="23" name="Straight Connector 22"/>
-          <p:cNvCxnSpPr/>
-          <p:nvPr/>
-        </p:nvCxnSpPr>
-        <p:spPr>
-          <a:xfrm>
-            <a:off x="4572000" y="-94961"/>
-            <a:ext cx="0" cy="7050890"/>
-          </a:xfrm>
-          <a:prstGeom prst="line">
-            <a:avLst/>
-          </a:prstGeom>
-        </p:spPr>
-        <p:style>
-          <a:lnRef idx="2">
-            <a:schemeClr val="accent1"/>
-          </a:lnRef>
-          <a:fillRef idx="0">
-            <a:schemeClr val="accent1"/>
-          </a:fillRef>
-          <a:effectRef idx="1">
-            <a:schemeClr val="accent1"/>
-          </a:effectRef>
-          <a:fontRef idx="minor">
-            <a:schemeClr val="tx1"/>
-          </a:fontRef>
-        </p:style>
-      </p:cxnSp>
-      <p:cxnSp>
-        <p:nvCxnSpPr>
-          <p:cNvPr id="26" name="Straight Connector 25"/>
-          <p:cNvCxnSpPr/>
-          <p:nvPr/>
-        </p:nvCxnSpPr>
-        <p:spPr>
-          <a:xfrm>
-            <a:off x="-94956" y="3429000"/>
-            <a:ext cx="9317912" cy="0"/>
-          </a:xfrm>
-          <a:prstGeom prst="line">
-            <a:avLst/>
-          </a:prstGeom>
-        </p:spPr>
-        <p:style>
-          <a:lnRef idx="2">
-            <a:schemeClr val="accent1"/>
-          </a:lnRef>
-          <a:fillRef idx="0">
-            <a:schemeClr val="accent1"/>
-          </a:fillRef>
-          <a:effectRef idx="1">
-            <a:schemeClr val="accent1"/>
-          </a:effectRef>
-          <a:fontRef idx="minor">
-            <a:schemeClr val="tx1"/>
-          </a:fontRef>
-        </p:style>
-      </p:cxnSp>
-      <p:sp>
-        <p:nvSpPr>
-          <p:cNvPr id="28" name="TextBox 27"/>
-          <p:cNvSpPr txBox="1"/>
-          <p:nvPr/>
-        </p:nvSpPr>
-        <p:spPr>
-          <a:xfrm>
-            <a:off x="0" y="3429000"/>
-            <a:ext cx="4572000" cy="646331"/>
-          </a:xfrm>
-          <a:prstGeom prst="rect">
-            <a:avLst/>
-          </a:prstGeom>
-          <a:noFill/>
-        </p:spPr>
-        <p:txBody>
-          <a:bodyPr wrap="square" rtlCol="0">
-            <a:spAutoFit/>
-          </a:bodyPr>
-          <a:lstStyle/>
-          <a:p>
-            <a:pPr algn="ctr"/>
-            <a:r>
-              <a:rPr lang="en-US" sz="3600" b="1" dirty="0" smtClean="0"/>
-              <a:t>M</a:t>
-            </a:r>
-            <a:r>
-              <a:rPr lang="en-US" sz="3600" b="1" baseline="30000" dirty="0" smtClean="0"/>
-              <a:t>2</a:t>
-            </a:r>
-            <a:endParaRPr lang="en-US" sz="3600" b="1" dirty="0"/>
-          </a:p>
-        </p:txBody>
-      </p:sp>
-      <p:sp>
-        <p:nvSpPr>
-          <p:cNvPr id="29" name="TextBox 28"/>
-          <p:cNvSpPr txBox="1"/>
-          <p:nvPr/>
-        </p:nvSpPr>
-        <p:spPr>
-          <a:xfrm>
-            <a:off x="4650956" y="3429000"/>
-            <a:ext cx="4572000" cy="646331"/>
-          </a:xfrm>
-          <a:prstGeom prst="rect">
-            <a:avLst/>
-          </a:prstGeom>
-          <a:noFill/>
-        </p:spPr>
-        <p:txBody>
-          <a:bodyPr wrap="square" rtlCol="0">
-            <a:spAutoFit/>
-          </a:bodyPr>
-          <a:lstStyle/>
-          <a:p>
-            <a:pPr algn="ctr"/>
-            <a:r>
-              <a:rPr lang="en-US" sz="3600" b="1" dirty="0" smtClean="0"/>
-              <a:t>M</a:t>
-            </a:r>
-            <a:r>
-              <a:rPr lang="en-US" sz="3600" b="1" baseline="30000" dirty="0"/>
-              <a:t>3</a:t>
-            </a:r>
-            <a:endParaRPr lang="en-US" sz="3600" b="1" dirty="0"/>
-          </a:p>
-        </p:txBody>
-      </p:sp>
-      <p:sp>
-        <p:nvSpPr>
-          <p:cNvPr id="32" name="TextBox 31"/>
-          <p:cNvSpPr txBox="1"/>
-          <p:nvPr/>
-        </p:nvSpPr>
-        <p:spPr>
-          <a:xfrm>
-            <a:off x="1293384" y="5026665"/>
-            <a:ext cx="422111" cy="584776"/>
-          </a:xfrm>
-          <a:prstGeom prst="rect">
-            <a:avLst/>
-          </a:prstGeom>
-          <a:noFill/>
-        </p:spPr>
-        <p:txBody>
-          <a:bodyPr wrap="none" rtlCol="0">
-            <a:spAutoFit/>
-          </a:bodyPr>
-          <a:lstStyle/>
-          <a:p>
-            <a:r>
-              <a:rPr lang="en-US" sz="3200" dirty="0" smtClean="0"/>
-              <a:t>A</a:t>
-            </a:r>
-            <a:endParaRPr lang="en-US" sz="3200" dirty="0"/>
-          </a:p>
-        </p:txBody>
-      </p:sp>
-      <p:sp>
-        <p:nvSpPr>
-          <p:cNvPr id="36" name="TextBox 35"/>
-          <p:cNvSpPr txBox="1"/>
-          <p:nvPr/>
-        </p:nvSpPr>
-        <p:spPr>
-          <a:xfrm>
-            <a:off x="1871260" y="5023877"/>
-            <a:ext cx="422111" cy="584776"/>
-          </a:xfrm>
-          <a:prstGeom prst="rect">
-            <a:avLst/>
-          </a:prstGeom>
-          <a:noFill/>
-        </p:spPr>
-        <p:txBody>
-          <a:bodyPr wrap="none" rtlCol="0">
-            <a:spAutoFit/>
-          </a:bodyPr>
-          <a:lstStyle/>
-          <a:p>
-            <a:r>
-              <a:rPr lang="en-US" sz="3200" dirty="0" smtClean="0"/>
-              <a:t>B</a:t>
-            </a:r>
-            <a:endParaRPr lang="en-US" sz="3200" dirty="0"/>
-          </a:p>
-        </p:txBody>
-      </p:sp>
-      <p:sp>
-        <p:nvSpPr>
-          <p:cNvPr id="40" name="TextBox 39"/>
-          <p:cNvSpPr txBox="1"/>
-          <p:nvPr/>
-        </p:nvSpPr>
-        <p:spPr>
-          <a:xfrm>
-            <a:off x="2434322" y="5023877"/>
-            <a:ext cx="403476" cy="584776"/>
-          </a:xfrm>
-          <a:prstGeom prst="rect">
-            <a:avLst/>
-          </a:prstGeom>
-          <a:noFill/>
-        </p:spPr>
-        <p:txBody>
-          <a:bodyPr wrap="none" rtlCol="0">
-            <a:spAutoFit/>
-          </a:bodyPr>
-          <a:lstStyle/>
-          <a:p>
-            <a:r>
-              <a:rPr lang="en-US" sz="3200" dirty="0" smtClean="0"/>
-              <a:t>C</a:t>
-            </a:r>
-            <a:endParaRPr lang="en-US" sz="3200" dirty="0"/>
-          </a:p>
-        </p:txBody>
-      </p:sp>
-      <p:sp>
-        <p:nvSpPr>
           <p:cNvPr id="44" name="TextBox 43"/>
           <p:cNvSpPr txBox="1"/>
           <p:nvPr/>
@@ -4501,7 +3908,7 @@
 </p:sld>
 </file>
 
-<file path=ppt/slides/slide12.xml><?xml version="1.0" encoding="utf-8"?>
+<file path=ppt/slides/slide11.xml><?xml version="1.0" encoding="utf-8"?>
 <p:sld xmlns:a="http://schemas.openxmlformats.org/drawingml/2006/main" xmlns:r="http://schemas.openxmlformats.org/officeDocument/2006/relationships" xmlns:p="http://schemas.openxmlformats.org/presentationml/2006/main">
   <p:cSld>
     <p:spTree>
@@ -5094,7 +4501,7 @@
 </p:sld>
 </file>
 
-<file path=ppt/slides/slide13.xml><?xml version="1.0" encoding="utf-8"?>
+<file path=ppt/slides/slide12.xml><?xml version="1.0" encoding="utf-8"?>
 <p:sld xmlns:a="http://schemas.openxmlformats.org/drawingml/2006/main" xmlns:r="http://schemas.openxmlformats.org/officeDocument/2006/relationships" xmlns:p="http://schemas.openxmlformats.org/presentationml/2006/main">
   <p:cSld>
     <p:spTree>
@@ -6409,7 +5816,7 @@
 </p:sld>
 </file>
 
-<file path=ppt/slides/slide14.xml><?xml version="1.0" encoding="utf-8"?>
+<file path=ppt/slides/slide13.xml><?xml version="1.0" encoding="utf-8"?>
 <p:sld xmlns:a="http://schemas.openxmlformats.org/drawingml/2006/main" xmlns:r="http://schemas.openxmlformats.org/officeDocument/2006/relationships" xmlns:p="http://schemas.openxmlformats.org/presentationml/2006/main">
   <p:cSld>
     <p:spTree>
@@ -6517,7 +5924,7 @@
 </p:sld>
 </file>
 
-<file path=ppt/slides/slide15.xml><?xml version="1.0" encoding="utf-8"?>
+<file path=ppt/slides/slide14.xml><?xml version="1.0" encoding="utf-8"?>
 <p:sld xmlns:a="http://schemas.openxmlformats.org/drawingml/2006/main" xmlns:r="http://schemas.openxmlformats.org/officeDocument/2006/relationships" xmlns:p="http://schemas.openxmlformats.org/presentationml/2006/main">
   <p:cSld>
     <p:spTree>
@@ -6543,7 +5950,7 @@
           <p:nvPr>
             <p:extLst>
               <p:ext uri="{D42A27DB-BD31-4B8C-83A1-F6EECF244321}">
-                <p14:modId xmlns:p14="http://schemas.microsoft.com/office/powerpoint/2010/main" val="2915724507"/>
+                <p14:modId xmlns:p14="http://schemas.microsoft.com/office/powerpoint/2010/main" val="220764408"/>
               </p:ext>
             </p:extLst>
           </p:nvPr>
@@ -6556,7 +5963,7 @@
           <a:graphicData uri="http://schemas.openxmlformats.org/presentationml/2006/ole">
             <mc:AlternateContent xmlns:mc="http://schemas.openxmlformats.org/markup-compatibility/2006">
               <mc:Choice xmlns:v="urn:schemas-microsoft-com:vml" Requires="v">
-                <p:oleObj spid="_x0000_s9225" name="Equation" r:id="rId3" imgW="1219200" imgH="482600" progId="Equation.3">
+                <p:oleObj spid="_x0000_s9226" name="Equation" r:id="rId3" imgW="1219200" imgH="482600" progId="Equation.3">
                   <p:embed/>
                 </p:oleObj>
               </mc:Choice>
@@ -6680,6 +6087,116 @@
 </p:sld>
 </file>
 
+<file path=ppt/slides/slide15.xml><?xml version="1.0" encoding="utf-8"?>
+<p:sld xmlns:a="http://schemas.openxmlformats.org/drawingml/2006/main" xmlns:r="http://schemas.openxmlformats.org/officeDocument/2006/relationships" xmlns:p="http://schemas.openxmlformats.org/presentationml/2006/main">
+  <p:cSld>
+    <p:spTree>
+      <p:nvGrpSpPr>
+        <p:cNvPr id="1" name=""/>
+        <p:cNvGrpSpPr/>
+        <p:nvPr/>
+      </p:nvGrpSpPr>
+      <p:grpSpPr>
+        <a:xfrm>
+          <a:off x="0" y="0"/>
+          <a:ext cx="0" cy="0"/>
+          <a:chOff x="0" y="0"/>
+          <a:chExt cx="0" cy="0"/>
+        </a:xfrm>
+      </p:grpSpPr>
+      <p:sp>
+        <p:nvSpPr>
+          <p:cNvPr id="2" name="Title 1"/>
+          <p:cNvSpPr>
+            <a:spLocks noGrp="1"/>
+          </p:cNvSpPr>
+          <p:nvPr>
+            <p:ph type="title"/>
+          </p:nvPr>
+        </p:nvSpPr>
+        <p:spPr/>
+        <p:txBody>
+          <a:bodyPr/>
+          <a:lstStyle/>
+          <a:p>
+            <a:r>
+              <a:rPr lang="en-US" dirty="0" smtClean="0"/>
+              <a:t>Current Window</a:t>
+            </a:r>
+            <a:endParaRPr lang="en-US" dirty="0"/>
+          </a:p>
+        </p:txBody>
+      </p:sp>
+      <p:sp>
+        <p:nvSpPr>
+          <p:cNvPr id="3" name="Content Placeholder 2"/>
+          <p:cNvSpPr>
+            <a:spLocks noGrp="1"/>
+          </p:cNvSpPr>
+          <p:nvPr>
+            <p:ph idx="1"/>
+          </p:nvPr>
+        </p:nvSpPr>
+        <p:spPr/>
+        <p:txBody>
+          <a:bodyPr/>
+          <a:lstStyle/>
+          <a:p>
+            <a:r>
+              <a:rPr lang="en-US" dirty="0" smtClean="0"/>
+              <a:t>Data structure has 3 components:</a:t>
+            </a:r>
+          </a:p>
+          <a:p>
+            <a:pPr lvl="1"/>
+            <a:r>
+              <a:rPr lang="en-US" dirty="0" smtClean="0"/>
+              <a:t>Max Heap</a:t>
+            </a:r>
+          </a:p>
+          <a:p>
+            <a:pPr lvl="1"/>
+            <a:r>
+              <a:rPr lang="en-US" dirty="0" smtClean="0"/>
+              <a:t>Queue</a:t>
+            </a:r>
+          </a:p>
+          <a:p>
+            <a:pPr lvl="1"/>
+            <a:r>
+              <a:rPr lang="en-US" dirty="0" smtClean="0"/>
+              <a:t>Hash table</a:t>
+            </a:r>
+          </a:p>
+          <a:p>
+            <a:r>
+              <a:rPr lang="en-US" dirty="0" smtClean="0"/>
+              <a:t>Heap function is: frequency in last 3 hours/value stored in Kernel CM sketch</a:t>
+            </a:r>
+            <a:endParaRPr lang="en-US" dirty="0"/>
+          </a:p>
+        </p:txBody>
+      </p:sp>
+    </p:spTree>
+    <p:extLst>
+      <p:ext uri="{BB962C8B-B14F-4D97-AF65-F5344CB8AC3E}">
+        <p14:creationId xmlns:p14="http://schemas.microsoft.com/office/powerpoint/2010/main" val="496115422"/>
+      </p:ext>
+    </p:extLst>
+  </p:cSld>
+  <p:clrMapOvr>
+    <a:masterClrMapping/>
+  </p:clrMapOvr>
+  <p:timing>
+    <p:tnLst>
+      <p:par>
+        <p:cTn xmlns:p14="http://schemas.microsoft.com/office/powerpoint/2010/main" id="1" dur="indefinite" restart="never" nodeType="tmRoot"/>
+      </p:par>
+    </p:tnLst>
+  </p:timing>
+</p:sld>
+</file>
+
 <file path=ppt/slides/slide16.xml><?xml version="1.0" encoding="utf-8"?>
 <p:sld xmlns:a="http://schemas.openxmlformats.org/drawingml/2006/main" xmlns:r="http://schemas.openxmlformats.org/officeDocument/2006/relationships" xmlns:p="http://schemas.openxmlformats.org/presentationml/2006/main">
   <p:cSld>
@@ -6714,7 +6231,7 @@
           <a:p>
             <a:r>
               <a:rPr lang="en-US" dirty="0" smtClean="0"/>
-              <a:t>Current Window</a:t>
+              <a:t>Space/Time Analysis</a:t>
             </a:r>
             <a:endParaRPr lang="en-US" dirty="0"/>
           </a:p>
@@ -6722,58 +6239,146 @@
       </p:sp>
       <p:sp>
         <p:nvSpPr>
-          <p:cNvPr id="3" name="Content Placeholder 2"/>
-          <p:cNvSpPr>
-            <a:spLocks noGrp="1"/>
-          </p:cNvSpPr>
-          <p:nvPr>
-            <p:ph idx="1"/>
-          </p:nvPr>
-        </p:nvSpPr>
-        <p:spPr/>
-        <p:txBody>
-          <a:bodyPr/>
+          <p:cNvPr id="6" name="TextBox 5"/>
+          <p:cNvSpPr txBox="1"/>
+          <p:nvPr/>
+        </p:nvSpPr>
+        <p:spPr>
+          <a:xfrm>
+            <a:off x="1448084" y="5249200"/>
+            <a:ext cx="6265320" cy="1754327"/>
+          </a:xfrm>
+          <a:prstGeom prst="rect">
+            <a:avLst/>
+          </a:prstGeom>
+          <a:noFill/>
+        </p:spPr>
+        <p:txBody>
+          <a:bodyPr wrap="none" rtlCol="0">
+            <a:spAutoFit/>
+          </a:bodyPr>
           <a:lstStyle/>
           <a:p>
             <a:r>
               <a:rPr lang="en-US" dirty="0" smtClean="0"/>
-              <a:t>Data structure has 3 components:</a:t>
-            </a:r>
-          </a:p>
-          <a:p>
-            <a:pPr lvl="1"/>
+              <a:t>d = Number of hash tables for each CM sketch</a:t>
+            </a:r>
+          </a:p>
+          <a:p>
             <a:r>
               <a:rPr lang="en-US" dirty="0" smtClean="0"/>
-              <a:t>Max Heap</a:t>
-            </a:r>
-          </a:p>
-          <a:p>
-            <a:pPr lvl="1"/>
+              <a:t>m = Size of each hash table in each CM sketch</a:t>
+            </a:r>
+          </a:p>
+          <a:p>
             <a:r>
               <a:rPr lang="en-US" dirty="0" smtClean="0"/>
-              <a:t>Queue</a:t>
-            </a:r>
-          </a:p>
-          <a:p>
-            <a:pPr lvl="1"/>
+              <a:t>s = Number of distinct </a:t>
+            </a:r>
+            <a:r>
+              <a:rPr lang="en-US" dirty="0" err="1" smtClean="0"/>
+              <a:t>hashtags</a:t>
+            </a:r>
             <a:r>
               <a:rPr lang="en-US" dirty="0" smtClean="0"/>
-              <a:t>Hash table</a:t>
+              <a:t> in the Current Window</a:t>
             </a:r>
           </a:p>
           <a:p>
             <a:r>
               <a:rPr lang="en-US" dirty="0" smtClean="0"/>
-              <a:t>Heap function is: frequency in last 3 hours/value stored in Kernel CM sketch</a:t>
-            </a:r>
-            <a:endParaRPr lang="en-US" dirty="0"/>
+              <a:t>T = Upper bound on the number of days of data stored in History</a:t>
+            </a:r>
+          </a:p>
+          <a:p>
+            <a:r>
+              <a:rPr lang="en-US" dirty="0" smtClean="0"/>
+              <a:t>x = Total number of </a:t>
+            </a:r>
+            <a:r>
+              <a:rPr lang="en-US" dirty="0" err="1" smtClean="0"/>
+              <a:t>hashtags</a:t>
+            </a:r>
+            <a:r>
+              <a:rPr lang="en-US" dirty="0" smtClean="0"/>
+              <a:t> in the Current Window</a:t>
+            </a:r>
+          </a:p>
+          <a:p>
+            <a:endParaRPr lang="en-US" dirty="0" smtClean="0"/>
+          </a:p>
+        </p:txBody>
+      </p:sp>
+      <p:pic>
+        <p:nvPicPr>
+          <p:cNvPr id="8" name="Picture 7"/>
+          <p:cNvPicPr>
+            <a:picLocks noChangeAspect="1"/>
+          </p:cNvPicPr>
+          <p:nvPr/>
+        </p:nvPicPr>
+        <p:blipFill>
+          <a:blip r:embed="rId2"/>
+          <a:stretch>
+            <a:fillRect/>
+          </a:stretch>
+        </p:blipFill>
+        <p:spPr>
+          <a:xfrm>
+            <a:off x="1448084" y="1750004"/>
+            <a:ext cx="5956300" cy="2133600"/>
+          </a:xfrm>
+          <a:prstGeom prst="rect">
+            <a:avLst/>
+          </a:prstGeom>
+        </p:spPr>
+      </p:pic>
+      <p:sp>
+        <p:nvSpPr>
+          <p:cNvPr id="9" name="TextBox 8"/>
+          <p:cNvSpPr txBox="1"/>
+          <p:nvPr/>
+        </p:nvSpPr>
+        <p:spPr>
+          <a:xfrm>
+            <a:off x="1554910" y="4188819"/>
+            <a:ext cx="2896169" cy="707886"/>
+          </a:xfrm>
+          <a:prstGeom prst="rect">
+            <a:avLst/>
+          </a:prstGeom>
+          <a:noFill/>
+        </p:spPr>
+        <p:txBody>
+          <a:bodyPr wrap="square" rtlCol="0">
+            <a:spAutoFit/>
+          </a:bodyPr>
+          <a:lstStyle/>
+          <a:p>
+            <a:r>
+              <a:rPr lang="en-US" sz="2000" dirty="0" smtClean="0"/>
+              <a:t>Space requirements: </a:t>
+            </a:r>
+            <a:r>
+              <a:rPr lang="en-US" sz="2000" i="1" dirty="0" smtClean="0"/>
+              <a:t>O(md * </a:t>
+            </a:r>
+            <a:r>
+              <a:rPr lang="en-US" sz="2000" dirty="0" smtClean="0"/>
+              <a:t>log</a:t>
+            </a:r>
+            <a:r>
+              <a:rPr lang="en-US" sz="2000" i="1" dirty="0" smtClean="0"/>
+              <a:t>(T) + x)</a:t>
+            </a:r>
+            <a:endParaRPr lang="en-US" sz="2000" dirty="0"/>
           </a:p>
         </p:txBody>
       </p:sp>
     </p:spTree>
     <p:extLst>
       <p:ext uri="{BB962C8B-B14F-4D97-AF65-F5344CB8AC3E}">
-        <p14:creationId xmlns:p14="http://schemas.microsoft.com/office/powerpoint/2010/main" val="496115422"/>
+        <p14:creationId xmlns:p14="http://schemas.microsoft.com/office/powerpoint/2010/main" val="1225324306"/>
       </p:ext>
     </p:extLst>
   </p:cSld>
@@ -6807,24 +6412,311 @@
           <a:chExt cx="0" cy="0"/>
         </a:xfrm>
       </p:grpSpPr>
-      <p:sp>
-        <p:nvSpPr>
-          <p:cNvPr id="2" name="Title 1"/>
-          <p:cNvSpPr>
-            <a:spLocks noGrp="1"/>
-          </p:cNvSpPr>
-          <p:nvPr>
-            <p:ph type="title"/>
-          </p:nvPr>
-        </p:nvSpPr>
-        <p:spPr/>
-        <p:txBody>
-          <a:bodyPr/>
+      <p:cxnSp>
+        <p:nvCxnSpPr>
+          <p:cNvPr id="32" name="Straight Connector 31"/>
+          <p:cNvCxnSpPr/>
+          <p:nvPr/>
+        </p:nvCxnSpPr>
+        <p:spPr>
+          <a:xfrm flipV="1">
+            <a:off x="664695" y="5674147"/>
+            <a:ext cx="308608" cy="486677"/>
+          </a:xfrm>
+          <a:prstGeom prst="line">
+            <a:avLst/>
+          </a:prstGeom>
+          <a:ln>
+            <a:solidFill>
+              <a:srgbClr val="FF6600"/>
+            </a:solidFill>
+          </a:ln>
+        </p:spPr>
+        <p:style>
+          <a:lnRef idx="2">
+            <a:schemeClr val="accent1"/>
+          </a:lnRef>
+          <a:fillRef idx="0">
+            <a:schemeClr val="accent1"/>
+          </a:fillRef>
+          <a:effectRef idx="1">
+            <a:schemeClr val="accent1"/>
+          </a:effectRef>
+          <a:fontRef idx="minor">
+            <a:schemeClr val="tx1"/>
+          </a:fontRef>
+        </p:style>
+      </p:cxnSp>
+      <p:cxnSp>
+        <p:nvCxnSpPr>
+          <p:cNvPr id="33" name="Straight Connector 32"/>
+          <p:cNvCxnSpPr/>
+          <p:nvPr/>
+        </p:nvCxnSpPr>
+        <p:spPr>
+          <a:xfrm flipV="1">
+            <a:off x="1937815" y="5674147"/>
+            <a:ext cx="308608" cy="486677"/>
+          </a:xfrm>
+          <a:prstGeom prst="line">
+            <a:avLst/>
+          </a:prstGeom>
+          <a:ln>
+            <a:solidFill>
+              <a:srgbClr val="FF6600"/>
+            </a:solidFill>
+          </a:ln>
+        </p:spPr>
+        <p:style>
+          <a:lnRef idx="2">
+            <a:schemeClr val="accent1"/>
+          </a:lnRef>
+          <a:fillRef idx="0">
+            <a:schemeClr val="accent1"/>
+          </a:fillRef>
+          <a:effectRef idx="1">
+            <a:schemeClr val="accent1"/>
+          </a:effectRef>
+          <a:fontRef idx="minor">
+            <a:schemeClr val="tx1"/>
+          </a:fontRef>
+        </p:style>
+      </p:cxnSp>
+      <p:cxnSp>
+        <p:nvCxnSpPr>
+          <p:cNvPr id="34" name="Straight Connector 33"/>
+          <p:cNvCxnSpPr/>
+          <p:nvPr/>
+        </p:nvCxnSpPr>
+        <p:spPr>
+          <a:xfrm flipV="1">
+            <a:off x="3210935" y="5674147"/>
+            <a:ext cx="308608" cy="486677"/>
+          </a:xfrm>
+          <a:prstGeom prst="line">
+            <a:avLst/>
+          </a:prstGeom>
+          <a:ln>
+            <a:solidFill>
+              <a:srgbClr val="FF6600"/>
+            </a:solidFill>
+          </a:ln>
+        </p:spPr>
+        <p:style>
+          <a:lnRef idx="2">
+            <a:schemeClr val="accent1"/>
+          </a:lnRef>
+          <a:fillRef idx="0">
+            <a:schemeClr val="accent1"/>
+          </a:fillRef>
+          <a:effectRef idx="1">
+            <a:schemeClr val="accent1"/>
+          </a:effectRef>
+          <a:fontRef idx="minor">
+            <a:schemeClr val="tx1"/>
+          </a:fontRef>
+        </p:style>
+      </p:cxnSp>
+      <p:cxnSp>
+        <p:nvCxnSpPr>
+          <p:cNvPr id="35" name="Straight Connector 34"/>
+          <p:cNvCxnSpPr/>
+          <p:nvPr/>
+        </p:nvCxnSpPr>
+        <p:spPr>
+          <a:xfrm flipV="1">
+            <a:off x="4484055" y="5674147"/>
+            <a:ext cx="308608" cy="486677"/>
+          </a:xfrm>
+          <a:prstGeom prst="line">
+            <a:avLst/>
+          </a:prstGeom>
+          <a:ln>
+            <a:solidFill>
+              <a:srgbClr val="FF6600"/>
+            </a:solidFill>
+          </a:ln>
+        </p:spPr>
+        <p:style>
+          <a:lnRef idx="2">
+            <a:schemeClr val="accent1"/>
+          </a:lnRef>
+          <a:fillRef idx="0">
+            <a:schemeClr val="accent1"/>
+          </a:fillRef>
+          <a:effectRef idx="1">
+            <a:schemeClr val="accent1"/>
+          </a:effectRef>
+          <a:fontRef idx="minor">
+            <a:schemeClr val="tx1"/>
+          </a:fontRef>
+        </p:style>
+      </p:cxnSp>
+      <p:cxnSp>
+        <p:nvCxnSpPr>
+          <p:cNvPr id="36" name="Straight Connector 35"/>
+          <p:cNvCxnSpPr/>
+          <p:nvPr/>
+        </p:nvCxnSpPr>
+        <p:spPr>
+          <a:xfrm flipV="1">
+            <a:off x="5757175" y="5674147"/>
+            <a:ext cx="308608" cy="486677"/>
+          </a:xfrm>
+          <a:prstGeom prst="line">
+            <a:avLst/>
+          </a:prstGeom>
+          <a:ln>
+            <a:solidFill>
+              <a:srgbClr val="FF6600"/>
+            </a:solidFill>
+          </a:ln>
+        </p:spPr>
+        <p:style>
+          <a:lnRef idx="2">
+            <a:schemeClr val="accent1"/>
+          </a:lnRef>
+          <a:fillRef idx="0">
+            <a:schemeClr val="accent1"/>
+          </a:fillRef>
+          <a:effectRef idx="1">
+            <a:schemeClr val="accent1"/>
+          </a:effectRef>
+          <a:fontRef idx="minor">
+            <a:schemeClr val="tx1"/>
+          </a:fontRef>
+        </p:style>
+      </p:cxnSp>
+      <p:cxnSp>
+        <p:nvCxnSpPr>
+          <p:cNvPr id="37" name="Straight Connector 36"/>
+          <p:cNvCxnSpPr/>
+          <p:nvPr/>
+        </p:nvCxnSpPr>
+        <p:spPr>
+          <a:xfrm flipV="1">
+            <a:off x="7030295" y="5674147"/>
+            <a:ext cx="308608" cy="486677"/>
+          </a:xfrm>
+          <a:prstGeom prst="line">
+            <a:avLst/>
+          </a:prstGeom>
+          <a:ln>
+            <a:solidFill>
+              <a:srgbClr val="FF6600"/>
+            </a:solidFill>
+          </a:ln>
+        </p:spPr>
+        <p:style>
+          <a:lnRef idx="2">
+            <a:schemeClr val="accent1"/>
+          </a:lnRef>
+          <a:fillRef idx="0">
+            <a:schemeClr val="accent1"/>
+          </a:fillRef>
+          <a:effectRef idx="1">
+            <a:schemeClr val="accent1"/>
+          </a:effectRef>
+          <a:fontRef idx="minor">
+            <a:schemeClr val="tx1"/>
+          </a:fontRef>
+        </p:style>
+      </p:cxnSp>
+      <p:cxnSp>
+        <p:nvCxnSpPr>
+          <p:cNvPr id="38" name="Straight Connector 37"/>
+          <p:cNvCxnSpPr/>
+          <p:nvPr/>
+        </p:nvCxnSpPr>
+        <p:spPr>
+          <a:xfrm flipV="1">
+            <a:off x="8303414" y="5674147"/>
+            <a:ext cx="308608" cy="486677"/>
+          </a:xfrm>
+          <a:prstGeom prst="line">
+            <a:avLst/>
+          </a:prstGeom>
+          <a:ln>
+            <a:solidFill>
+              <a:srgbClr val="FF6600"/>
+            </a:solidFill>
+          </a:ln>
+        </p:spPr>
+        <p:style>
+          <a:lnRef idx="2">
+            <a:schemeClr val="accent1"/>
+          </a:lnRef>
+          <a:fillRef idx="0">
+            <a:schemeClr val="accent1"/>
+          </a:fillRef>
+          <a:effectRef idx="1">
+            <a:schemeClr val="accent1"/>
+          </a:effectRef>
+          <a:fontRef idx="minor">
+            <a:schemeClr val="tx1"/>
+          </a:fontRef>
+        </p:style>
+      </p:cxnSp>
+      <p:cxnSp>
+        <p:nvCxnSpPr>
+          <p:cNvPr id="41" name="Straight Connector 40"/>
+          <p:cNvCxnSpPr/>
+          <p:nvPr/>
+        </p:nvCxnSpPr>
+        <p:spPr>
+          <a:xfrm>
+            <a:off x="973303" y="5674147"/>
+            <a:ext cx="7638719" cy="0"/>
+          </a:xfrm>
+          <a:prstGeom prst="line">
+            <a:avLst/>
+          </a:prstGeom>
+          <a:ln>
+            <a:solidFill>
+              <a:srgbClr val="FF6600"/>
+            </a:solidFill>
+          </a:ln>
+        </p:spPr>
+        <p:style>
+          <a:lnRef idx="2">
+            <a:schemeClr val="accent1"/>
+          </a:lnRef>
+          <a:fillRef idx="0">
+            <a:schemeClr val="accent1"/>
+          </a:fillRef>
+          <a:effectRef idx="1">
+            <a:schemeClr val="accent1"/>
+          </a:effectRef>
+          <a:fontRef idx="minor">
+            <a:schemeClr val="tx1"/>
+          </a:fontRef>
+        </p:style>
+      </p:cxnSp>
+      <p:sp>
+        <p:nvSpPr>
+          <p:cNvPr id="44" name="TextBox 43"/>
+          <p:cNvSpPr txBox="1"/>
+          <p:nvPr/>
+        </p:nvSpPr>
+        <p:spPr>
+          <a:xfrm rot="18088515">
+            <a:off x="189143" y="5794280"/>
+            <a:ext cx="714408" cy="369332"/>
+          </a:xfrm>
+          <a:prstGeom prst="rect">
+            <a:avLst/>
+          </a:prstGeom>
+          <a:noFill/>
+        </p:spPr>
+        <p:txBody>
+          <a:bodyPr wrap="none" rtlCol="0">
+            <a:spAutoFit/>
+          </a:bodyPr>
           <a:lstStyle/>
           <a:p>
             <a:r>
               <a:rPr lang="en-US" dirty="0" smtClean="0"/>
-              <a:t>Space/Time Analysis</a:t>
+              <a:t>18:00</a:t>
             </a:r>
             <a:endParaRPr lang="en-US" dirty="0"/>
           </a:p>
@@ -6832,14 +6724,14 @@
       </p:sp>
       <p:sp>
         <p:nvSpPr>
-          <p:cNvPr id="6" name="TextBox 5"/>
-          <p:cNvSpPr txBox="1"/>
-          <p:nvPr/>
-        </p:nvSpPr>
-        <p:spPr>
-          <a:xfrm>
-            <a:off x="1448084" y="5249200"/>
-            <a:ext cx="6265320" cy="1754327"/>
+          <p:cNvPr id="45" name="TextBox 44"/>
+          <p:cNvSpPr txBox="1"/>
+          <p:nvPr/>
+        </p:nvSpPr>
+        <p:spPr>
+          <a:xfrm rot="18088515">
+            <a:off x="1459234" y="5794280"/>
+            <a:ext cx="714408" cy="369332"/>
           </a:xfrm>
           <a:prstGeom prst="rect">
             <a:avLst/>
@@ -6854,57 +6746,459 @@
           <a:p>
             <a:r>
               <a:rPr lang="en-US" dirty="0" smtClean="0"/>
-              <a:t>d = Number of hash tables for each CM sketch</a:t>
-            </a:r>
-          </a:p>
+              <a:t>21:00</a:t>
+            </a:r>
+            <a:endParaRPr lang="en-US" dirty="0"/>
+          </a:p>
+        </p:txBody>
+      </p:sp>
+      <p:sp>
+        <p:nvSpPr>
+          <p:cNvPr id="46" name="TextBox 45"/>
+          <p:cNvSpPr txBox="1"/>
+          <p:nvPr/>
+        </p:nvSpPr>
+        <p:spPr>
+          <a:xfrm rot="18088515">
+            <a:off x="2729325" y="5794280"/>
+            <a:ext cx="714408" cy="369332"/>
+          </a:xfrm>
+          <a:prstGeom prst="rect">
+            <a:avLst/>
+          </a:prstGeom>
+          <a:noFill/>
+        </p:spPr>
+        <p:txBody>
+          <a:bodyPr wrap="none" rtlCol="0">
+            <a:spAutoFit/>
+          </a:bodyPr>
+          <a:lstStyle/>
           <a:p>
             <a:r>
               <a:rPr lang="en-US" dirty="0" smtClean="0"/>
-              <a:t>m = Size of each hash table in each CM sketch</a:t>
-            </a:r>
-          </a:p>
+              <a:t>00:00</a:t>
+            </a:r>
+            <a:endParaRPr lang="en-US" dirty="0"/>
+          </a:p>
+        </p:txBody>
+      </p:sp>
+      <p:sp>
+        <p:nvSpPr>
+          <p:cNvPr id="47" name="TextBox 46"/>
+          <p:cNvSpPr txBox="1"/>
+          <p:nvPr/>
+        </p:nvSpPr>
+        <p:spPr>
+          <a:xfrm rot="18088515">
+            <a:off x="3999416" y="5794280"/>
+            <a:ext cx="714408" cy="369332"/>
+          </a:xfrm>
+          <a:prstGeom prst="rect">
+            <a:avLst/>
+          </a:prstGeom>
+          <a:noFill/>
+        </p:spPr>
+        <p:txBody>
+          <a:bodyPr wrap="none" rtlCol="0">
+            <a:spAutoFit/>
+          </a:bodyPr>
+          <a:lstStyle/>
           <a:p>
             <a:r>
               <a:rPr lang="en-US" dirty="0" smtClean="0"/>
-              <a:t>s = Number of distinct </a:t>
+              <a:t>03:00</a:t>
+            </a:r>
+            <a:endParaRPr lang="en-US" dirty="0"/>
+          </a:p>
+        </p:txBody>
+      </p:sp>
+      <p:sp>
+        <p:nvSpPr>
+          <p:cNvPr id="48" name="TextBox 47"/>
+          <p:cNvSpPr txBox="1"/>
+          <p:nvPr/>
+        </p:nvSpPr>
+        <p:spPr>
+          <a:xfrm rot="18088515">
+            <a:off x="5269507" y="5794280"/>
+            <a:ext cx="714408" cy="369332"/>
+          </a:xfrm>
+          <a:prstGeom prst="rect">
+            <a:avLst/>
+          </a:prstGeom>
+          <a:noFill/>
+        </p:spPr>
+        <p:txBody>
+          <a:bodyPr wrap="none" rtlCol="0">
+            <a:spAutoFit/>
+          </a:bodyPr>
+          <a:lstStyle/>
+          <a:p>
+            <a:r>
+              <a:rPr lang="en-US" dirty="0" smtClean="0"/>
+              <a:t>06:00</a:t>
+            </a:r>
+            <a:endParaRPr lang="en-US" dirty="0"/>
+          </a:p>
+        </p:txBody>
+      </p:sp>
+      <p:sp>
+        <p:nvSpPr>
+          <p:cNvPr id="49" name="TextBox 48"/>
+          <p:cNvSpPr txBox="1"/>
+          <p:nvPr/>
+        </p:nvSpPr>
+        <p:spPr>
+          <a:xfrm rot="18088515">
+            <a:off x="6539598" y="5794280"/>
+            <a:ext cx="714408" cy="369332"/>
+          </a:xfrm>
+          <a:prstGeom prst="rect">
+            <a:avLst/>
+          </a:prstGeom>
+          <a:noFill/>
+        </p:spPr>
+        <p:txBody>
+          <a:bodyPr wrap="none" rtlCol="0">
+            <a:spAutoFit/>
+          </a:bodyPr>
+          <a:lstStyle/>
+          <a:p>
+            <a:r>
+              <a:rPr lang="en-US" dirty="0" smtClean="0"/>
+              <a:t>09:00</a:t>
+            </a:r>
+            <a:endParaRPr lang="en-US" dirty="0"/>
+          </a:p>
+        </p:txBody>
+      </p:sp>
+      <p:sp>
+        <p:nvSpPr>
+          <p:cNvPr id="50" name="TextBox 49"/>
+          <p:cNvSpPr txBox="1"/>
+          <p:nvPr/>
+        </p:nvSpPr>
+        <p:spPr>
+          <a:xfrm rot="18088515">
+            <a:off x="7809690" y="5794281"/>
+            <a:ext cx="714408" cy="369332"/>
+          </a:xfrm>
+          <a:prstGeom prst="rect">
+            <a:avLst/>
+          </a:prstGeom>
+          <a:noFill/>
+        </p:spPr>
+        <p:txBody>
+          <a:bodyPr wrap="none" rtlCol="0">
+            <a:spAutoFit/>
+          </a:bodyPr>
+          <a:lstStyle/>
+          <a:p>
+            <a:r>
+              <a:rPr lang="en-US" dirty="0" smtClean="0"/>
+              <a:t>12:00</a:t>
+            </a:r>
+            <a:endParaRPr lang="en-US" dirty="0"/>
+          </a:p>
+        </p:txBody>
+      </p:sp>
+      <p:sp>
+        <p:nvSpPr>
+          <p:cNvPr id="54" name="TextBox 53"/>
+          <p:cNvSpPr txBox="1"/>
+          <p:nvPr/>
+        </p:nvSpPr>
+        <p:spPr>
+          <a:xfrm>
+            <a:off x="0" y="6380013"/>
+            <a:ext cx="890350" cy="369332"/>
+          </a:xfrm>
+          <a:prstGeom prst="rect">
+            <a:avLst/>
+          </a:prstGeom>
+          <a:noFill/>
+        </p:spPr>
+        <p:txBody>
+          <a:bodyPr wrap="none" rtlCol="0">
+            <a:spAutoFit/>
+          </a:bodyPr>
+          <a:lstStyle/>
+          <a:p>
+            <a:r>
+              <a:rPr lang="en-US" dirty="0" smtClean="0"/>
+              <a:t>Sept 25</a:t>
+            </a:r>
+            <a:endParaRPr lang="en-US" dirty="0"/>
+          </a:p>
+        </p:txBody>
+      </p:sp>
+      <p:sp>
+        <p:nvSpPr>
+          <p:cNvPr id="55" name="TextBox 54"/>
+          <p:cNvSpPr txBox="1"/>
+          <p:nvPr/>
+        </p:nvSpPr>
+        <p:spPr>
+          <a:xfrm>
+            <a:off x="2525823" y="6380013"/>
+            <a:ext cx="890350" cy="369332"/>
+          </a:xfrm>
+          <a:prstGeom prst="rect">
+            <a:avLst/>
+          </a:prstGeom>
+          <a:noFill/>
+        </p:spPr>
+        <p:txBody>
+          <a:bodyPr wrap="none" rtlCol="0">
+            <a:spAutoFit/>
+          </a:bodyPr>
+          <a:lstStyle/>
+          <a:p>
+            <a:r>
+              <a:rPr lang="en-US" dirty="0" smtClean="0"/>
+              <a:t>Sept 26</a:t>
+            </a:r>
+            <a:endParaRPr lang="en-US" dirty="0"/>
+          </a:p>
+        </p:txBody>
+      </p:sp>
+      <p:sp>
+        <p:nvSpPr>
+          <p:cNvPr id="56" name="TextBox 55"/>
+          <p:cNvSpPr txBox="1"/>
+          <p:nvPr/>
+        </p:nvSpPr>
+        <p:spPr>
+          <a:xfrm>
+            <a:off x="850966" y="6380013"/>
+            <a:ext cx="1380507" cy="369332"/>
+          </a:xfrm>
+          <a:prstGeom prst="rect">
+            <a:avLst/>
+          </a:prstGeom>
+          <a:noFill/>
+        </p:spPr>
+        <p:txBody>
+          <a:bodyPr wrap="square" rtlCol="0">
+            <a:spAutoFit/>
+          </a:bodyPr>
+          <a:lstStyle/>
+          <a:p>
+            <a:r>
+              <a:rPr lang="en-US" dirty="0" smtClean="0"/>
+              <a:t>+0000 GMT</a:t>
+            </a:r>
+            <a:endParaRPr lang="en-US" dirty="0"/>
+          </a:p>
+        </p:txBody>
+      </p:sp>
+      <p:sp>
+        <p:nvSpPr>
+          <p:cNvPr id="59" name="TextBox 58"/>
+          <p:cNvSpPr txBox="1"/>
+          <p:nvPr/>
+        </p:nvSpPr>
+        <p:spPr>
+          <a:xfrm>
+            <a:off x="1937815" y="133834"/>
+            <a:ext cx="1031051" cy="369332"/>
+          </a:xfrm>
+          <a:prstGeom prst="rect">
+            <a:avLst/>
+          </a:prstGeom>
+          <a:noFill/>
+        </p:spPr>
+        <p:txBody>
+          <a:bodyPr wrap="none" rtlCol="0">
+            <a:spAutoFit/>
+          </a:bodyPr>
+          <a:lstStyle/>
+          <a:p>
+            <a:r>
+              <a:rPr lang="en-US" dirty="0" smtClean="0"/>
+              <a:t>#</a:t>
+            </a:r>
+            <a:r>
+              <a:rPr lang="en-US" dirty="0" err="1"/>
+              <a:t>W</a:t>
             </a:r>
             <a:r>
               <a:rPr lang="en-US" dirty="0" err="1" smtClean="0"/>
-              <a:t>hashtags</a:t>
-            </a:r>
+              <a:t>alkoff</a:t>
+            </a:r>
+            <a:endParaRPr lang="en-US" dirty="0"/>
+          </a:p>
+        </p:txBody>
+      </p:sp>
+      <p:sp>
+        <p:nvSpPr>
+          <p:cNvPr id="60" name="TextBox 59"/>
+          <p:cNvSpPr txBox="1"/>
+          <p:nvPr/>
+        </p:nvSpPr>
+        <p:spPr>
+          <a:xfrm>
+            <a:off x="-21799" y="2984674"/>
+            <a:ext cx="2988468" cy="369332"/>
+          </a:xfrm>
+          <a:prstGeom prst="rect">
+            <a:avLst/>
+          </a:prstGeom>
+          <a:noFill/>
+        </p:spPr>
+        <p:txBody>
+          <a:bodyPr wrap="none" rtlCol="0">
+            <a:spAutoFit/>
+          </a:bodyPr>
+          <a:lstStyle/>
+          <a:p>
             <a:r>
               <a:rPr lang="en-US" dirty="0" smtClean="0"/>
-              <a:t> in the Current Window</a:t>
-            </a:r>
-          </a:p>
+              <a:t>#</a:t>
+            </a:r>
+            <a:r>
+              <a:rPr lang="en-US" dirty="0" err="1" smtClean="0"/>
+              <a:t>HowToGetAwayWithMurder</a:t>
+            </a:r>
+            <a:endParaRPr lang="en-US" dirty="0" smtClean="0"/>
+          </a:p>
+        </p:txBody>
+      </p:sp>
+      <p:sp>
+        <p:nvSpPr>
+          <p:cNvPr id="61" name="TextBox 60"/>
+          <p:cNvSpPr txBox="1"/>
+          <p:nvPr/>
+        </p:nvSpPr>
+        <p:spPr>
+          <a:xfrm>
+            <a:off x="3172783" y="2984674"/>
+            <a:ext cx="1679667" cy="369332"/>
+          </a:xfrm>
+          <a:prstGeom prst="rect">
+            <a:avLst/>
+          </a:prstGeom>
+          <a:noFill/>
+        </p:spPr>
+        <p:txBody>
+          <a:bodyPr wrap="none" rtlCol="0">
+            <a:spAutoFit/>
+          </a:bodyPr>
+          <a:lstStyle/>
           <a:p>
             <a:r>
               <a:rPr lang="en-US" dirty="0" smtClean="0"/>
-              <a:t>T = Upper bound on the number of days of data stored in History</a:t>
-            </a:r>
-          </a:p>
+              <a:t>#RyderCup2014</a:t>
+            </a:r>
+            <a:endParaRPr lang="en-US" dirty="0"/>
+          </a:p>
+        </p:txBody>
+      </p:sp>
+      <p:sp>
+        <p:nvSpPr>
+          <p:cNvPr id="62" name="TextBox 61"/>
+          <p:cNvSpPr txBox="1"/>
+          <p:nvPr/>
+        </p:nvSpPr>
+        <p:spPr>
+          <a:xfrm>
+            <a:off x="4580590" y="548653"/>
+            <a:ext cx="1390124" cy="369332"/>
+          </a:xfrm>
+          <a:prstGeom prst="rect">
+            <a:avLst/>
+          </a:prstGeom>
+          <a:noFill/>
+        </p:spPr>
+        <p:txBody>
+          <a:bodyPr wrap="none" rtlCol="0">
+            <a:spAutoFit/>
+          </a:bodyPr>
+          <a:lstStyle/>
           <a:p>
             <a:r>
               <a:rPr lang="en-US" dirty="0" smtClean="0"/>
-              <a:t>x = Total number of </a:t>
+              <a:t>#</a:t>
             </a:r>
             <a:r>
               <a:rPr lang="en-US" dirty="0" err="1" smtClean="0"/>
-              <a:t>hashtags</a:t>
-            </a:r>
+              <a:t>ToyotaEMR</a:t>
+            </a:r>
+            <a:endParaRPr lang="en-US" dirty="0"/>
+          </a:p>
+        </p:txBody>
+      </p:sp>
+      <p:sp>
+        <p:nvSpPr>
+          <p:cNvPr id="63" name="TextBox 62"/>
+          <p:cNvSpPr txBox="1"/>
+          <p:nvPr/>
+        </p:nvSpPr>
+        <p:spPr>
+          <a:xfrm>
+            <a:off x="5161864" y="2984674"/>
+            <a:ext cx="2781869" cy="369332"/>
+          </a:xfrm>
+          <a:prstGeom prst="rect">
+            <a:avLst/>
+          </a:prstGeom>
+          <a:noFill/>
+        </p:spPr>
+        <p:txBody>
+          <a:bodyPr wrap="none" rtlCol="0">
+            <a:spAutoFit/>
+          </a:bodyPr>
+          <a:lstStyle/>
+          <a:p>
             <a:r>
               <a:rPr lang="en-US" dirty="0" smtClean="0"/>
-              <a:t> in the Current Window</a:t>
-            </a:r>
-          </a:p>
-          <a:p>
-            <a:endParaRPr lang="en-US" dirty="0" smtClean="0"/>
+              <a:t>#</a:t>
+            </a:r>
+            <a:r>
+              <a:rPr lang="en-US" dirty="0" err="1" smtClean="0"/>
+              <a:t>TheDailyShowGoneTooFar</a:t>
+            </a:r>
+            <a:endParaRPr lang="en-US" dirty="0"/>
+          </a:p>
+        </p:txBody>
+      </p:sp>
+      <p:sp>
+        <p:nvSpPr>
+          <p:cNvPr id="64" name="TextBox 63"/>
+          <p:cNvSpPr txBox="1"/>
+          <p:nvPr/>
+        </p:nvSpPr>
+        <p:spPr>
+          <a:xfrm>
+            <a:off x="6908612" y="503166"/>
+            <a:ext cx="1828558" cy="369332"/>
+          </a:xfrm>
+          <a:prstGeom prst="rect">
+            <a:avLst/>
+          </a:prstGeom>
+          <a:noFill/>
+        </p:spPr>
+        <p:txBody>
+          <a:bodyPr wrap="none" rtlCol="0">
+            <a:spAutoFit/>
+          </a:bodyPr>
+          <a:lstStyle/>
+          <a:p>
+            <a:r>
+              <a:rPr lang="en-US" dirty="0" smtClean="0"/>
+              <a:t>#</a:t>
+            </a:r>
+            <a:r>
+              <a:rPr lang="en-US" dirty="0" err="1" smtClean="0"/>
+              <a:t>BlowTheWhistle</a:t>
+            </a:r>
+            <a:endParaRPr lang="en-US" dirty="0"/>
           </a:p>
         </p:txBody>
       </p:sp>
       <p:pic>
         <p:nvPicPr>
-          <p:cNvPr id="8" name="Picture 7"/>
+          <p:cNvPr id="65" name="Picture 64"/>
           <p:cNvPicPr>
             <a:picLocks noChangeAspect="1"/>
           </p:cNvPicPr>
@@ -6918,60 +7212,136 @@
         </p:blipFill>
         <p:spPr>
           <a:xfrm>
-            <a:off x="1448084" y="1750004"/>
-            <a:ext cx="5956300" cy="2133600"/>
+            <a:off x="743051" y="548653"/>
+            <a:ext cx="2916835" cy="2504807"/>
           </a:xfrm>
           <a:prstGeom prst="rect">
             <a:avLst/>
           </a:prstGeom>
         </p:spPr>
       </p:pic>
-      <p:sp>
-        <p:nvSpPr>
-          <p:cNvPr id="9" name="TextBox 8"/>
-          <p:cNvSpPr txBox="1"/>
-          <p:nvPr/>
-        </p:nvSpPr>
-        <p:spPr>
-          <a:xfrm>
-            <a:off x="1554910" y="4188819"/>
-            <a:ext cx="2896169" cy="707886"/>
-          </a:xfrm>
-          <a:prstGeom prst="rect">
-            <a:avLst/>
-          </a:prstGeom>
-          <a:noFill/>
-        </p:spPr>
-        <p:txBody>
-          <a:bodyPr wrap="square" rtlCol="0">
-            <a:spAutoFit/>
-          </a:bodyPr>
-          <a:lstStyle/>
-          <a:p>
-            <a:r>
-              <a:rPr lang="en-US" sz="2000" dirty="0" smtClean="0"/>
-              <a:t>Space requirements: </a:t>
-            </a:r>
-            <a:r>
-              <a:rPr lang="en-US" sz="2000" i="1" dirty="0" smtClean="0"/>
-              <a:t>O(md * </a:t>
-            </a:r>
-            <a:r>
-              <a:rPr lang="en-US" sz="2000" dirty="0" smtClean="0"/>
-              <a:t>log</a:t>
-            </a:r>
-            <a:r>
-              <a:rPr lang="en-US" sz="2000" i="1" dirty="0" smtClean="0"/>
-              <a:t>(T) + x)</a:t>
-            </a:r>
-            <a:endParaRPr lang="en-US" sz="2000" dirty="0"/>
-          </a:p>
-        </p:txBody>
-      </p:sp>
+      <p:pic>
+        <p:nvPicPr>
+          <p:cNvPr id="66" name="Picture 65"/>
+          <p:cNvPicPr>
+            <a:picLocks noChangeAspect="1"/>
+          </p:cNvPicPr>
+          <p:nvPr/>
+        </p:nvPicPr>
+        <p:blipFill>
+          <a:blip r:embed="rId3"/>
+          <a:stretch>
+            <a:fillRect/>
+          </a:stretch>
+        </p:blipFill>
+        <p:spPr>
+          <a:xfrm>
+            <a:off x="819980" y="3354006"/>
+            <a:ext cx="1705843" cy="2274457"/>
+          </a:xfrm>
+          <a:prstGeom prst="rect">
+            <a:avLst/>
+          </a:prstGeom>
+        </p:spPr>
+      </p:pic>
+      <p:pic>
+        <p:nvPicPr>
+          <p:cNvPr id="67" name="Picture 66"/>
+          <p:cNvPicPr>
+            <a:picLocks noChangeAspect="1"/>
+          </p:cNvPicPr>
+          <p:nvPr/>
+        </p:nvPicPr>
+        <p:blipFill rotWithShape="1">
+          <a:blip r:embed="rId4"/>
+          <a:srcRect l="12897" r="17245"/>
+          <a:stretch/>
+        </p:blipFill>
+        <p:spPr>
+          <a:xfrm>
+            <a:off x="3158720" y="3610806"/>
+            <a:ext cx="2201528" cy="1967074"/>
+          </a:xfrm>
+          <a:prstGeom prst="rect">
+            <a:avLst/>
+          </a:prstGeom>
+        </p:spPr>
+      </p:pic>
+      <p:pic>
+        <p:nvPicPr>
+          <p:cNvPr id="68" name="Picture 67"/>
+          <p:cNvPicPr>
+            <a:picLocks noChangeAspect="1"/>
+          </p:cNvPicPr>
+          <p:nvPr/>
+        </p:nvPicPr>
+        <p:blipFill>
+          <a:blip r:embed="rId5"/>
+          <a:stretch>
+            <a:fillRect/>
+          </a:stretch>
+        </p:blipFill>
+        <p:spPr>
+          <a:xfrm>
+            <a:off x="3669559" y="1092329"/>
+            <a:ext cx="2883240" cy="1768387"/>
+          </a:xfrm>
+          <a:prstGeom prst="rect">
+            <a:avLst/>
+          </a:prstGeom>
+        </p:spPr>
+      </p:pic>
+      <p:pic>
+        <p:nvPicPr>
+          <p:cNvPr id="70" name="Picture 69"/>
+          <p:cNvPicPr>
+            <a:picLocks noChangeAspect="1"/>
+          </p:cNvPicPr>
+          <p:nvPr/>
+        </p:nvPicPr>
+        <p:blipFill>
+          <a:blip r:embed="rId6"/>
+          <a:stretch>
+            <a:fillRect/>
+          </a:stretch>
+        </p:blipFill>
+        <p:spPr>
+          <a:xfrm>
+            <a:off x="6552799" y="1092329"/>
+            <a:ext cx="2540000" cy="1778000"/>
+          </a:xfrm>
+          <a:prstGeom prst="rect">
+            <a:avLst/>
+          </a:prstGeom>
+        </p:spPr>
+      </p:pic>
+      <p:pic>
+        <p:nvPicPr>
+          <p:cNvPr id="71" name="Picture 70"/>
+          <p:cNvPicPr>
+            <a:picLocks noChangeAspect="1"/>
+          </p:cNvPicPr>
+          <p:nvPr/>
+        </p:nvPicPr>
+        <p:blipFill rotWithShape="1">
+          <a:blip r:embed="rId7"/>
+          <a:srcRect b="41844"/>
+          <a:stretch/>
+        </p:blipFill>
+        <p:spPr>
+          <a:xfrm>
+            <a:off x="5360248" y="3454224"/>
+            <a:ext cx="2738710" cy="2123656"/>
+          </a:xfrm>
+          <a:prstGeom prst="rect">
+            <a:avLst/>
+          </a:prstGeom>
+        </p:spPr>
+      </p:pic>
     </p:spTree>
     <p:extLst>
       <p:ext uri="{BB962C8B-B14F-4D97-AF65-F5344CB8AC3E}">
-        <p14:creationId xmlns:p14="http://schemas.microsoft.com/office/powerpoint/2010/main" val="1225324306"/>
+        <p14:creationId xmlns:p14="http://schemas.microsoft.com/office/powerpoint/2010/main" val="2148953089"/>
       </p:ext>
     </p:extLst>
   </p:cSld>
@@ -7005,311 +7375,24 @@
           <a:chExt cx="0" cy="0"/>
         </a:xfrm>
       </p:grpSpPr>
-      <p:cxnSp>
-        <p:nvCxnSpPr>
-          <p:cNvPr id="32" name="Straight Connector 31"/>
-          <p:cNvCxnSpPr/>
-          <p:nvPr/>
-        </p:nvCxnSpPr>
-        <p:spPr>
-          <a:xfrm flipV="1">
-            <a:off x="664695" y="5674147"/>
-            <a:ext cx="308608" cy="486677"/>
-          </a:xfrm>
-          <a:prstGeom prst="line">
-            <a:avLst/>
-          </a:prstGeom>
-          <a:ln>
-            <a:solidFill>
-              <a:srgbClr val="FF6600"/>
-            </a:solidFill>
-          </a:ln>
-        </p:spPr>
-        <p:style>
-          <a:lnRef idx="2">
-            <a:schemeClr val="accent1"/>
-          </a:lnRef>
-          <a:fillRef idx="0">
-            <a:schemeClr val="accent1"/>
-          </a:fillRef>
-          <a:effectRef idx="1">
-            <a:schemeClr val="accent1"/>
-          </a:effectRef>
-          <a:fontRef idx="minor">
-            <a:schemeClr val="tx1"/>
-          </a:fontRef>
-        </p:style>
-      </p:cxnSp>
-      <p:cxnSp>
-        <p:nvCxnSpPr>
-          <p:cNvPr id="33" name="Straight Connector 32"/>
-          <p:cNvCxnSpPr/>
-          <p:nvPr/>
-        </p:nvCxnSpPr>
-        <p:spPr>
-          <a:xfrm flipV="1">
-            <a:off x="1937815" y="5674147"/>
-            <a:ext cx="308608" cy="486677"/>
-          </a:xfrm>
-          <a:prstGeom prst="line">
-            <a:avLst/>
-          </a:prstGeom>
-          <a:ln>
-            <a:solidFill>
-              <a:srgbClr val="FF6600"/>
-            </a:solidFill>
-          </a:ln>
-        </p:spPr>
-        <p:style>
-          <a:lnRef idx="2">
-            <a:schemeClr val="accent1"/>
-          </a:lnRef>
-          <a:fillRef idx="0">
-            <a:schemeClr val="accent1"/>
-          </a:fillRef>
-          <a:effectRef idx="1">
-            <a:schemeClr val="accent1"/>
-          </a:effectRef>
-          <a:fontRef idx="minor">
-            <a:schemeClr val="tx1"/>
-          </a:fontRef>
-        </p:style>
-      </p:cxnSp>
-      <p:cxnSp>
-        <p:nvCxnSpPr>
-          <p:cNvPr id="34" name="Straight Connector 33"/>
-          <p:cNvCxnSpPr/>
-          <p:nvPr/>
-        </p:nvCxnSpPr>
-        <p:spPr>
-          <a:xfrm flipV="1">
-            <a:off x="3210935" y="5674147"/>
-            <a:ext cx="308608" cy="486677"/>
-          </a:xfrm>
-          <a:prstGeom prst="line">
-            <a:avLst/>
-          </a:prstGeom>
-          <a:ln>
-            <a:solidFill>
-              <a:srgbClr val="FF6600"/>
-            </a:solidFill>
-          </a:ln>
-        </p:spPr>
-        <p:style>
-          <a:lnRef idx="2">
-            <a:schemeClr val="accent1"/>
-          </a:lnRef>
-          <a:fillRef idx="0">
-            <a:schemeClr val="accent1"/>
-          </a:fillRef>
-          <a:effectRef idx="1">
-            <a:schemeClr val="accent1"/>
-          </a:effectRef>
-          <a:fontRef idx="minor">
-            <a:schemeClr val="tx1"/>
-          </a:fontRef>
-        </p:style>
-      </p:cxnSp>
-      <p:cxnSp>
-        <p:nvCxnSpPr>
-          <p:cNvPr id="35" name="Straight Connector 34"/>
-          <p:cNvCxnSpPr/>
-          <p:nvPr/>
-        </p:nvCxnSpPr>
-        <p:spPr>
-          <a:xfrm flipV="1">
-            <a:off x="4484055" y="5674147"/>
-            <a:ext cx="308608" cy="486677"/>
-          </a:xfrm>
-          <a:prstGeom prst="line">
-            <a:avLst/>
-          </a:prstGeom>
-          <a:ln>
-            <a:solidFill>
-              <a:srgbClr val="FF6600"/>
-            </a:solidFill>
-          </a:ln>
-        </p:spPr>
-        <p:style>
-          <a:lnRef idx="2">
-            <a:schemeClr val="accent1"/>
-          </a:lnRef>
-          <a:fillRef idx="0">
-            <a:schemeClr val="accent1"/>
-          </a:fillRef>
-          <a:effectRef idx="1">
-            <a:schemeClr val="accent1"/>
-          </a:effectRef>
-          <a:fontRef idx="minor">
-            <a:schemeClr val="tx1"/>
-          </a:fontRef>
-        </p:style>
-      </p:cxnSp>
-      <p:cxnSp>
-        <p:nvCxnSpPr>
-          <p:cNvPr id="36" name="Straight Connector 35"/>
-          <p:cNvCxnSpPr/>
-          <p:nvPr/>
-        </p:nvCxnSpPr>
-        <p:spPr>
-          <a:xfrm flipV="1">
-            <a:off x="5757175" y="5674147"/>
-            <a:ext cx="308608" cy="486677"/>
-          </a:xfrm>
-          <a:prstGeom prst="line">
-            <a:avLst/>
-          </a:prstGeom>
-          <a:ln>
-            <a:solidFill>
-              <a:srgbClr val="FF6600"/>
-            </a:solidFill>
-          </a:ln>
-        </p:spPr>
-        <p:style>
-          <a:lnRef idx="2">
-            <a:schemeClr val="accent1"/>
-          </a:lnRef>
-          <a:fillRef idx="0">
-            <a:schemeClr val="accent1"/>
-          </a:fillRef>
-          <a:effectRef idx="1">
-            <a:schemeClr val="accent1"/>
-          </a:effectRef>
-          <a:fontRef idx="minor">
-            <a:schemeClr val="tx1"/>
-          </a:fontRef>
-        </p:style>
-      </p:cxnSp>
-      <p:cxnSp>
-        <p:nvCxnSpPr>
-          <p:cNvPr id="37" name="Straight Connector 36"/>
-          <p:cNvCxnSpPr/>
-          <p:nvPr/>
-        </p:nvCxnSpPr>
-        <p:spPr>
-          <a:xfrm flipV="1">
-            <a:off x="7030295" y="5674147"/>
-            <a:ext cx="308608" cy="486677"/>
-          </a:xfrm>
-          <a:prstGeom prst="line">
-            <a:avLst/>
-          </a:prstGeom>
-          <a:ln>
-            <a:solidFill>
-              <a:srgbClr val="FF6600"/>
-            </a:solidFill>
-          </a:ln>
-        </p:spPr>
-        <p:style>
-          <a:lnRef idx="2">
-            <a:schemeClr val="accent1"/>
-          </a:lnRef>
-          <a:fillRef idx="0">
-            <a:schemeClr val="accent1"/>
-          </a:fillRef>
-          <a:effectRef idx="1">
-            <a:schemeClr val="accent1"/>
-          </a:effectRef>
-          <a:fontRef idx="minor">
-            <a:schemeClr val="tx1"/>
-          </a:fontRef>
-        </p:style>
-      </p:cxnSp>
-      <p:cxnSp>
-        <p:nvCxnSpPr>
-          <p:cNvPr id="38" name="Straight Connector 37"/>
-          <p:cNvCxnSpPr/>
-          <p:nvPr/>
-        </p:nvCxnSpPr>
-        <p:spPr>
-          <a:xfrm flipV="1">
-            <a:off x="8303414" y="5674147"/>
-            <a:ext cx="308608" cy="486677"/>
-          </a:xfrm>
-          <a:prstGeom prst="line">
-            <a:avLst/>
-          </a:prstGeom>
-          <a:ln>
-            <a:solidFill>
-              <a:srgbClr val="FF6600"/>
-            </a:solidFill>
-          </a:ln>
-        </p:spPr>
-        <p:style>
-          <a:lnRef idx="2">
-            <a:schemeClr val="accent1"/>
-          </a:lnRef>
-          <a:fillRef idx="0">
-            <a:schemeClr val="accent1"/>
-          </a:fillRef>
-          <a:effectRef idx="1">
-            <a:schemeClr val="accent1"/>
-          </a:effectRef>
-          <a:fontRef idx="minor">
-            <a:schemeClr val="tx1"/>
-          </a:fontRef>
-        </p:style>
-      </p:cxnSp>
-      <p:cxnSp>
-        <p:nvCxnSpPr>
-          <p:cNvPr id="41" name="Straight Connector 40"/>
-          <p:cNvCxnSpPr/>
-          <p:nvPr/>
-        </p:nvCxnSpPr>
-        <p:spPr>
-          <a:xfrm>
-            <a:off x="973303" y="5674147"/>
-            <a:ext cx="7638719" cy="0"/>
-          </a:xfrm>
-          <a:prstGeom prst="line">
-            <a:avLst/>
-          </a:prstGeom>
-          <a:ln>
-            <a:solidFill>
-              <a:srgbClr val="FF6600"/>
-            </a:solidFill>
-          </a:ln>
-        </p:spPr>
-        <p:style>
-          <a:lnRef idx="2">
-            <a:schemeClr val="accent1"/>
-          </a:lnRef>
-          <a:fillRef idx="0">
-            <a:schemeClr val="accent1"/>
-          </a:fillRef>
-          <a:effectRef idx="1">
-            <a:schemeClr val="accent1"/>
-          </a:effectRef>
-          <a:fontRef idx="minor">
-            <a:schemeClr val="tx1"/>
-          </a:fontRef>
-        </p:style>
-      </p:cxnSp>
-      <p:sp>
-        <p:nvSpPr>
-          <p:cNvPr id="44" name="TextBox 43"/>
-          <p:cNvSpPr txBox="1"/>
-          <p:nvPr/>
-        </p:nvSpPr>
-        <p:spPr>
-          <a:xfrm rot="18088515">
-            <a:off x="189143" y="5794280"/>
-            <a:ext cx="714408" cy="369332"/>
-          </a:xfrm>
-          <a:prstGeom prst="rect">
-            <a:avLst/>
-          </a:prstGeom>
-          <a:noFill/>
-        </p:spPr>
-        <p:txBody>
-          <a:bodyPr wrap="none" rtlCol="0">
-            <a:spAutoFit/>
-          </a:bodyPr>
+      <p:sp>
+        <p:nvSpPr>
+          <p:cNvPr id="2" name="Title 1"/>
+          <p:cNvSpPr>
+            <a:spLocks noGrp="1"/>
+          </p:cNvSpPr>
+          <p:nvPr>
+            <p:ph type="title"/>
+          </p:nvPr>
+        </p:nvSpPr>
+        <p:spPr/>
+        <p:txBody>
+          <a:bodyPr/>
           <a:lstStyle/>
           <a:p>
             <a:r>
               <a:rPr lang="en-US" dirty="0" smtClean="0"/>
-              <a:t>18:00</a:t>
+              <a:t>Visualization of trending topics</a:t>
             </a:r>
             <a:endParaRPr lang="en-US" dirty="0"/>
           </a:p>
@@ -7317,624 +7400,39 @@
       </p:sp>
       <p:sp>
         <p:nvSpPr>
-          <p:cNvPr id="45" name="TextBox 44"/>
-          <p:cNvSpPr txBox="1"/>
-          <p:nvPr/>
-        </p:nvSpPr>
-        <p:spPr>
-          <a:xfrm rot="18088515">
-            <a:off x="1459234" y="5794280"/>
-            <a:ext cx="714408" cy="369332"/>
-          </a:xfrm>
-          <a:prstGeom prst="rect">
-            <a:avLst/>
-          </a:prstGeom>
-          <a:noFill/>
-        </p:spPr>
-        <p:txBody>
-          <a:bodyPr wrap="none" rtlCol="0">
-            <a:spAutoFit/>
-          </a:bodyPr>
-          <a:lstStyle/>
-          <a:p>
-            <a:r>
-              <a:rPr lang="en-US" dirty="0" smtClean="0"/>
-              <a:t>21:00</a:t>
-            </a:r>
+          <p:cNvPr id="3" name="Content Placeholder 2"/>
+          <p:cNvSpPr>
+            <a:spLocks noGrp="1"/>
+          </p:cNvSpPr>
+          <p:nvPr>
+            <p:ph idx="1"/>
+          </p:nvPr>
+        </p:nvSpPr>
+        <p:spPr/>
+        <p:txBody>
+          <a:bodyPr/>
+          <a:lstStyle/>
+          <a:p>
+            <a:r>
+              <a:rPr lang="en-US" dirty="0" smtClean="0">
+                <a:hlinkClick r:id="rId2"/>
+              </a:rPr>
+              <a:t>http://www.princeton.edu/~awlee/trends.html</a:t>
+            </a:r>
+            <a:endParaRPr lang="en-US" dirty="0" smtClean="0"/>
+          </a:p>
+          <a:p>
+            <a:pPr marL="0" indent="0">
+              <a:buNone/>
+            </a:pPr>
             <a:endParaRPr lang="en-US" dirty="0"/>
           </a:p>
         </p:txBody>
       </p:sp>
-      <p:sp>
-        <p:nvSpPr>
-          <p:cNvPr id="46" name="TextBox 45"/>
-          <p:cNvSpPr txBox="1"/>
-          <p:nvPr/>
-        </p:nvSpPr>
-        <p:spPr>
-          <a:xfrm rot="18088515">
-            <a:off x="2729325" y="5794280"/>
-            <a:ext cx="714408" cy="369332"/>
-          </a:xfrm>
-          <a:prstGeom prst="rect">
-            <a:avLst/>
-          </a:prstGeom>
-          <a:noFill/>
-        </p:spPr>
-        <p:txBody>
-          <a:bodyPr wrap="none" rtlCol="0">
-            <a:spAutoFit/>
-          </a:bodyPr>
-          <a:lstStyle/>
-          <a:p>
-            <a:r>
-              <a:rPr lang="en-US" dirty="0" smtClean="0"/>
-              <a:t>00:00</a:t>
-            </a:r>
-            <a:endParaRPr lang="en-US" dirty="0"/>
-          </a:p>
-        </p:txBody>
-      </p:sp>
-      <p:sp>
-        <p:nvSpPr>
-          <p:cNvPr id="47" name="TextBox 46"/>
-          <p:cNvSpPr txBox="1"/>
-          <p:nvPr/>
-        </p:nvSpPr>
-        <p:spPr>
-          <a:xfrm rot="18088515">
-            <a:off x="3999416" y="5794280"/>
-            <a:ext cx="714408" cy="369332"/>
-          </a:xfrm>
-          <a:prstGeom prst="rect">
-            <a:avLst/>
-          </a:prstGeom>
-          <a:noFill/>
-        </p:spPr>
-        <p:txBody>
-          <a:bodyPr wrap="none" rtlCol="0">
-            <a:spAutoFit/>
-          </a:bodyPr>
-          <a:lstStyle/>
-          <a:p>
-            <a:r>
-              <a:rPr lang="en-US" dirty="0" smtClean="0"/>
-              <a:t>03:00</a:t>
-            </a:r>
-            <a:endParaRPr lang="en-US" dirty="0"/>
-          </a:p>
-        </p:txBody>
-      </p:sp>
-      <p:sp>
-        <p:nvSpPr>
-          <p:cNvPr id="48" name="TextBox 47"/>
-          <p:cNvSpPr txBox="1"/>
-          <p:nvPr/>
-        </p:nvSpPr>
-        <p:spPr>
-          <a:xfrm rot="18088515">
-            <a:off x="5269507" y="5794280"/>
-            <a:ext cx="714408" cy="369332"/>
-          </a:xfrm>
-          <a:prstGeom prst="rect">
-            <a:avLst/>
-          </a:prstGeom>
-          <a:noFill/>
-        </p:spPr>
-        <p:txBody>
-          <a:bodyPr wrap="none" rtlCol="0">
-            <a:spAutoFit/>
-          </a:bodyPr>
-          <a:lstStyle/>
-          <a:p>
-            <a:r>
-              <a:rPr lang="en-US" dirty="0" smtClean="0"/>
-              <a:t>06:00</a:t>
-            </a:r>
-            <a:endParaRPr lang="en-US" dirty="0"/>
-          </a:p>
-        </p:txBody>
-      </p:sp>
-      <p:sp>
-        <p:nvSpPr>
-          <p:cNvPr id="49" name="TextBox 48"/>
-          <p:cNvSpPr txBox="1"/>
-          <p:nvPr/>
-        </p:nvSpPr>
-        <p:spPr>
-          <a:xfrm rot="18088515">
-            <a:off x="6539598" y="5794280"/>
-            <a:ext cx="714408" cy="369332"/>
-          </a:xfrm>
-          <a:prstGeom prst="rect">
-            <a:avLst/>
-          </a:prstGeom>
-          <a:noFill/>
-        </p:spPr>
-        <p:txBody>
-          <a:bodyPr wrap="none" rtlCol="0">
-            <a:spAutoFit/>
-          </a:bodyPr>
-          <a:lstStyle/>
-          <a:p>
-            <a:r>
-              <a:rPr lang="en-US" dirty="0" smtClean="0"/>
-              <a:t>09:00</a:t>
-            </a:r>
-            <a:endParaRPr lang="en-US" dirty="0"/>
-          </a:p>
-        </p:txBody>
-      </p:sp>
-      <p:sp>
-        <p:nvSpPr>
-          <p:cNvPr id="50" name="TextBox 49"/>
-          <p:cNvSpPr txBox="1"/>
-          <p:nvPr/>
-        </p:nvSpPr>
-        <p:spPr>
-          <a:xfrm rot="18088515">
-            <a:off x="7809690" y="5794281"/>
-            <a:ext cx="714408" cy="369332"/>
-          </a:xfrm>
-          <a:prstGeom prst="rect">
-            <a:avLst/>
-          </a:prstGeom>
-          <a:noFill/>
-        </p:spPr>
-        <p:txBody>
-          <a:bodyPr wrap="none" rtlCol="0">
-            <a:spAutoFit/>
-          </a:bodyPr>
-          <a:lstStyle/>
-          <a:p>
-            <a:r>
-              <a:rPr lang="en-US" dirty="0" smtClean="0"/>
-              <a:t>12:00</a:t>
-            </a:r>
-            <a:endParaRPr lang="en-US" dirty="0"/>
-          </a:p>
-        </p:txBody>
-      </p:sp>
-      <p:sp>
-        <p:nvSpPr>
-          <p:cNvPr id="54" name="TextBox 53"/>
-          <p:cNvSpPr txBox="1"/>
-          <p:nvPr/>
-        </p:nvSpPr>
-        <p:spPr>
-          <a:xfrm>
-            <a:off x="0" y="6380013"/>
-            <a:ext cx="890350" cy="369332"/>
-          </a:xfrm>
-          <a:prstGeom prst="rect">
-            <a:avLst/>
-          </a:prstGeom>
-          <a:noFill/>
-        </p:spPr>
-        <p:txBody>
-          <a:bodyPr wrap="none" rtlCol="0">
-            <a:spAutoFit/>
-          </a:bodyPr>
-          <a:lstStyle/>
-          <a:p>
-            <a:r>
-              <a:rPr lang="en-US" dirty="0" smtClean="0"/>
-              <a:t>Sept 25</a:t>
-            </a:r>
-            <a:endParaRPr lang="en-US" dirty="0"/>
-          </a:p>
-        </p:txBody>
-      </p:sp>
-      <p:sp>
-        <p:nvSpPr>
-          <p:cNvPr id="55" name="TextBox 54"/>
-          <p:cNvSpPr txBox="1"/>
-          <p:nvPr/>
-        </p:nvSpPr>
-        <p:spPr>
-          <a:xfrm>
-            <a:off x="2525823" y="6380013"/>
-            <a:ext cx="890350" cy="369332"/>
-          </a:xfrm>
-          <a:prstGeom prst="rect">
-            <a:avLst/>
-          </a:prstGeom>
-          <a:noFill/>
-        </p:spPr>
-        <p:txBody>
-          <a:bodyPr wrap="none" rtlCol="0">
-            <a:spAutoFit/>
-          </a:bodyPr>
-          <a:lstStyle/>
-          <a:p>
-            <a:r>
-              <a:rPr lang="en-US" dirty="0" smtClean="0"/>
-              <a:t>Sept 26</a:t>
-            </a:r>
-            <a:endParaRPr lang="en-US" dirty="0"/>
-          </a:p>
-        </p:txBody>
-      </p:sp>
-      <p:sp>
-        <p:nvSpPr>
-          <p:cNvPr id="56" name="TextBox 55"/>
-          <p:cNvSpPr txBox="1"/>
-          <p:nvPr/>
-        </p:nvSpPr>
-        <p:spPr>
-          <a:xfrm>
-            <a:off x="850966" y="6380013"/>
-            <a:ext cx="1380507" cy="369332"/>
-          </a:xfrm>
-          <a:prstGeom prst="rect">
-            <a:avLst/>
-          </a:prstGeom>
-          <a:noFill/>
-        </p:spPr>
-        <p:txBody>
-          <a:bodyPr wrap="square" rtlCol="0">
-            <a:spAutoFit/>
-          </a:bodyPr>
-          <a:lstStyle/>
-          <a:p>
-            <a:r>
-              <a:rPr lang="en-US" dirty="0" smtClean="0"/>
-              <a:t>+0000 GMT</a:t>
-            </a:r>
-            <a:endParaRPr lang="en-US" dirty="0"/>
-          </a:p>
-        </p:txBody>
-      </p:sp>
-      <p:sp>
-        <p:nvSpPr>
-          <p:cNvPr id="59" name="TextBox 58"/>
-          <p:cNvSpPr txBox="1"/>
-          <p:nvPr/>
-        </p:nvSpPr>
-        <p:spPr>
-          <a:xfrm>
-            <a:off x="1937815" y="133834"/>
-            <a:ext cx="1031051" cy="369332"/>
-          </a:xfrm>
-          <a:prstGeom prst="rect">
-            <a:avLst/>
-          </a:prstGeom>
-          <a:noFill/>
-        </p:spPr>
-        <p:txBody>
-          <a:bodyPr wrap="none" rtlCol="0">
-            <a:spAutoFit/>
-          </a:bodyPr>
-          <a:lstStyle/>
-          <a:p>
-            <a:r>
-              <a:rPr lang="en-US" dirty="0" smtClean="0"/>
-              <a:t>#</a:t>
-            </a:r>
-            <a:r>
-              <a:rPr lang="en-US" dirty="0" err="1"/>
-              <a:t>W</a:t>
-            </a:r>
-            <a:r>
-              <a:rPr lang="en-US" dirty="0" err="1" smtClean="0"/>
-              <a:t>alkoff</a:t>
-            </a:r>
-            <a:endParaRPr lang="en-US" dirty="0"/>
-          </a:p>
-        </p:txBody>
-      </p:sp>
-      <p:sp>
-        <p:nvSpPr>
-          <p:cNvPr id="60" name="TextBox 59"/>
-          <p:cNvSpPr txBox="1"/>
-          <p:nvPr/>
-        </p:nvSpPr>
-        <p:spPr>
-          <a:xfrm>
-            <a:off x="-21799" y="2984674"/>
-            <a:ext cx="2988468" cy="369332"/>
-          </a:xfrm>
-          <a:prstGeom prst="rect">
-            <a:avLst/>
-          </a:prstGeom>
-          <a:noFill/>
-        </p:spPr>
-        <p:txBody>
-          <a:bodyPr wrap="none" rtlCol="0">
-            <a:spAutoFit/>
-          </a:bodyPr>
-          <a:lstStyle/>
-          <a:p>
-            <a:r>
-              <a:rPr lang="en-US" dirty="0" smtClean="0"/>
-              <a:t>#</a:t>
-            </a:r>
-            <a:r>
-              <a:rPr lang="en-US" dirty="0" err="1" smtClean="0"/>
-              <a:t>HowToGetAwayWithMurder</a:t>
-            </a:r>
-            <a:endParaRPr lang="en-US" dirty="0" smtClean="0"/>
-          </a:p>
-        </p:txBody>
-      </p:sp>
-      <p:sp>
-        <p:nvSpPr>
-          <p:cNvPr id="61" name="TextBox 60"/>
-          <p:cNvSpPr txBox="1"/>
-          <p:nvPr/>
-        </p:nvSpPr>
-        <p:spPr>
-          <a:xfrm>
-            <a:off x="3172783" y="2984674"/>
-            <a:ext cx="1679667" cy="369332"/>
-          </a:xfrm>
-          <a:prstGeom prst="rect">
-            <a:avLst/>
-          </a:prstGeom>
-          <a:noFill/>
-        </p:spPr>
-        <p:txBody>
-          <a:bodyPr wrap="none" rtlCol="0">
-            <a:spAutoFit/>
-          </a:bodyPr>
-          <a:lstStyle/>
-          <a:p>
-            <a:r>
-              <a:rPr lang="en-US" dirty="0" smtClean="0"/>
-              <a:t>#RyderCup2014</a:t>
-            </a:r>
-            <a:endParaRPr lang="en-US" dirty="0"/>
-          </a:p>
-        </p:txBody>
-      </p:sp>
-      <p:sp>
-        <p:nvSpPr>
-          <p:cNvPr id="62" name="TextBox 61"/>
-          <p:cNvSpPr txBox="1"/>
-          <p:nvPr/>
-        </p:nvSpPr>
-        <p:spPr>
-          <a:xfrm>
-            <a:off x="4580590" y="548653"/>
-            <a:ext cx="1390124" cy="369332"/>
-          </a:xfrm>
-          <a:prstGeom prst="rect">
-            <a:avLst/>
-          </a:prstGeom>
-          <a:noFill/>
-        </p:spPr>
-        <p:txBody>
-          <a:bodyPr wrap="none" rtlCol="0">
-            <a:spAutoFit/>
-          </a:bodyPr>
-          <a:lstStyle/>
-          <a:p>
-            <a:r>
-              <a:rPr lang="en-US" dirty="0" smtClean="0"/>
-              <a:t>#</a:t>
-            </a:r>
-            <a:r>
-              <a:rPr lang="en-US" dirty="0" err="1" smtClean="0"/>
-              <a:t>ToyotaEMR</a:t>
-            </a:r>
-            <a:endParaRPr lang="en-US" dirty="0"/>
-          </a:p>
-        </p:txBody>
-      </p:sp>
-      <p:sp>
-        <p:nvSpPr>
-          <p:cNvPr id="63" name="TextBox 62"/>
-          <p:cNvSpPr txBox="1"/>
-          <p:nvPr/>
-        </p:nvSpPr>
-        <p:spPr>
-          <a:xfrm>
-            <a:off x="5161864" y="2984674"/>
-            <a:ext cx="2781869" cy="369332"/>
-          </a:xfrm>
-          <a:prstGeom prst="rect">
-            <a:avLst/>
-          </a:prstGeom>
-          <a:noFill/>
-        </p:spPr>
-        <p:txBody>
-          <a:bodyPr wrap="none" rtlCol="0">
-            <a:spAutoFit/>
-          </a:bodyPr>
-          <a:lstStyle/>
-          <a:p>
-            <a:r>
-              <a:rPr lang="en-US" dirty="0" smtClean="0"/>
-              <a:t>#</a:t>
-            </a:r>
-            <a:r>
-              <a:rPr lang="en-US" dirty="0" err="1" smtClean="0"/>
-              <a:t>TheDailyShowGoneTooFar</a:t>
-            </a:r>
-            <a:endParaRPr lang="en-US" dirty="0"/>
-          </a:p>
-        </p:txBody>
-      </p:sp>
-      <p:sp>
-        <p:nvSpPr>
-          <p:cNvPr id="64" name="TextBox 63"/>
-          <p:cNvSpPr txBox="1"/>
-          <p:nvPr/>
-        </p:nvSpPr>
-        <p:spPr>
-          <a:xfrm>
-            <a:off x="6908612" y="503166"/>
-            <a:ext cx="1828558" cy="369332"/>
-          </a:xfrm>
-          <a:prstGeom prst="rect">
-            <a:avLst/>
-          </a:prstGeom>
-          <a:noFill/>
-        </p:spPr>
-        <p:txBody>
-          <a:bodyPr wrap="none" rtlCol="0">
-            <a:spAutoFit/>
-          </a:bodyPr>
-          <a:lstStyle/>
-          <a:p>
-            <a:r>
-              <a:rPr lang="en-US" dirty="0" smtClean="0"/>
-              <a:t>#</a:t>
-            </a:r>
-            <a:r>
-              <a:rPr lang="en-US" dirty="0" err="1" smtClean="0"/>
-              <a:t>BlowTheWhistle</a:t>
-            </a:r>
-            <a:endParaRPr lang="en-US" dirty="0"/>
-          </a:p>
-        </p:txBody>
-      </p:sp>
-      <p:pic>
-        <p:nvPicPr>
-          <p:cNvPr id="65" name="Picture 64"/>
-          <p:cNvPicPr>
-            <a:picLocks noChangeAspect="1"/>
-          </p:cNvPicPr>
-          <p:nvPr/>
-        </p:nvPicPr>
-        <p:blipFill>
-          <a:blip r:embed="rId2"/>
-          <a:stretch>
-            <a:fillRect/>
-          </a:stretch>
-        </p:blipFill>
-        <p:spPr>
-          <a:xfrm>
-            <a:off x="743051" y="548653"/>
-            <a:ext cx="2916835" cy="2504807"/>
-          </a:xfrm>
-          <a:prstGeom prst="rect">
-            <a:avLst/>
-          </a:prstGeom>
-        </p:spPr>
-      </p:pic>
-      <p:pic>
-        <p:nvPicPr>
-          <p:cNvPr id="66" name="Picture 65"/>
-          <p:cNvPicPr>
-            <a:picLocks noChangeAspect="1"/>
-          </p:cNvPicPr>
-          <p:nvPr/>
-        </p:nvPicPr>
-        <p:blipFill>
-          <a:blip r:embed="rId3"/>
-          <a:stretch>
-            <a:fillRect/>
-          </a:stretch>
-        </p:blipFill>
-        <p:spPr>
-          <a:xfrm>
-            <a:off x="819980" y="3354006"/>
-            <a:ext cx="1705843" cy="2274457"/>
-          </a:xfrm>
-          <a:prstGeom prst="rect">
-            <a:avLst/>
-          </a:prstGeom>
-        </p:spPr>
-      </p:pic>
-      <p:pic>
-        <p:nvPicPr>
-          <p:cNvPr id="67" name="Picture 66"/>
-          <p:cNvPicPr>
-            <a:picLocks noChangeAspect="1"/>
-          </p:cNvPicPr>
-          <p:nvPr/>
-        </p:nvPicPr>
-        <p:blipFill rotWithShape="1">
-          <a:blip r:embed="rId4"/>
-          <a:srcRect l="12897" r="17245"/>
-          <a:stretch/>
-        </p:blipFill>
-        <p:spPr>
-          <a:xfrm>
-            <a:off x="3158720" y="3610806"/>
-            <a:ext cx="2201528" cy="1967074"/>
-          </a:xfrm>
-          <a:prstGeom prst="rect">
-            <a:avLst/>
-          </a:prstGeom>
-        </p:spPr>
-      </p:pic>
-      <p:pic>
-        <p:nvPicPr>
-          <p:cNvPr id="68" name="Picture 67"/>
-          <p:cNvPicPr>
-            <a:picLocks noChangeAspect="1"/>
-          </p:cNvPicPr>
-          <p:nvPr/>
-        </p:nvPicPr>
-        <p:blipFill>
-          <a:blip r:embed="rId5"/>
-          <a:stretch>
-            <a:fillRect/>
-          </a:stretch>
-        </p:blipFill>
-        <p:spPr>
-          <a:xfrm>
-            <a:off x="3669559" y="1092329"/>
-            <a:ext cx="2883240" cy="1768387"/>
-          </a:xfrm>
-          <a:prstGeom prst="rect">
-            <a:avLst/>
-          </a:prstGeom>
-        </p:spPr>
-      </p:pic>
-      <p:pic>
-        <p:nvPicPr>
-          <p:cNvPr id="70" name="Picture 69"/>
-          <p:cNvPicPr>
-            <a:picLocks noChangeAspect="1"/>
-          </p:cNvPicPr>
-          <p:nvPr/>
-        </p:nvPicPr>
-        <p:blipFill>
-          <a:blip r:embed="rId6"/>
-          <a:stretch>
-            <a:fillRect/>
-          </a:stretch>
-        </p:blipFill>
-        <p:spPr>
-          <a:xfrm>
-            <a:off x="6552799" y="1092329"/>
-            <a:ext cx="2540000" cy="1778000"/>
-          </a:xfrm>
-          <a:prstGeom prst="rect">
-            <a:avLst/>
-          </a:prstGeom>
-        </p:spPr>
-      </p:pic>
-      <p:pic>
-        <p:nvPicPr>
-          <p:cNvPr id="71" name="Picture 70"/>
-          <p:cNvPicPr>
-            <a:picLocks noChangeAspect="1"/>
-          </p:cNvPicPr>
-          <p:nvPr/>
-        </p:nvPicPr>
-        <p:blipFill rotWithShape="1">
-          <a:blip r:embed="rId7"/>
-          <a:srcRect b="41844"/>
-          <a:stretch/>
-        </p:blipFill>
-        <p:spPr>
-          <a:xfrm>
-            <a:off x="5360248" y="3454224"/>
-            <a:ext cx="2738710" cy="2123656"/>
-          </a:xfrm>
-          <a:prstGeom prst="rect">
-            <a:avLst/>
-          </a:prstGeom>
-        </p:spPr>
-      </p:pic>
     </p:spTree>
     <p:extLst>
       <p:ext uri="{BB962C8B-B14F-4D97-AF65-F5344CB8AC3E}">
-        <p14:creationId xmlns:p14="http://schemas.microsoft.com/office/powerpoint/2010/main" val="2148953089"/>
+        <p14:creationId xmlns:p14="http://schemas.microsoft.com/office/powerpoint/2010/main" val="1543210240"/>
       </p:ext>
     </p:extLst>
   </p:cSld>
@@ -8141,7 +7639,7 @@
           <a:p>
             <a:r>
               <a:rPr lang="en-US" dirty="0" smtClean="0"/>
-              <a:t>Visualization</a:t>
+              <a:t>Problem</a:t>
             </a:r>
             <a:endParaRPr lang="en-US" dirty="0"/>
           </a:p>
@@ -8163,17 +7661,17 @@
           <a:lstStyle/>
           <a:p>
             <a:r>
-              <a:rPr lang="en-US" dirty="0" smtClean="0">
-                <a:hlinkClick r:id="rId2"/>
-              </a:rPr>
-              <a:t>http://www.princeton.edu/~awlee/trends.html</a:t>
-            </a:r>
-            <a:endParaRPr lang="en-US" dirty="0" smtClean="0"/>
-          </a:p>
-          <a:p>
-            <a:pPr marL="0" indent="0">
-              <a:buNone/>
-            </a:pPr>
+              <a:rPr lang="en-US" dirty="0" smtClean="0"/>
+              <a:t>Space efficient algorithms for trend detection on Twitter.</a:t>
+            </a:r>
+          </a:p>
+          <a:p>
+            <a:r>
+              <a:rPr lang="en-US" dirty="0" smtClean="0"/>
+              <a:t>Does trend detection benefit from comparing present data against data from the more distant past?</a:t>
+            </a:r>
+          </a:p>
+          <a:p>
             <a:endParaRPr lang="en-US" dirty="0"/>
           </a:p>
         </p:txBody>
@@ -8181,7 +7679,7 @@
     </p:spTree>
     <p:extLst>
       <p:ext uri="{BB962C8B-B14F-4D97-AF65-F5344CB8AC3E}">
-        <p14:creationId xmlns:p14="http://schemas.microsoft.com/office/powerpoint/2010/main" val="1543210240"/>
+        <p14:creationId xmlns:p14="http://schemas.microsoft.com/office/powerpoint/2010/main" val="1709170420"/>
       </p:ext>
     </p:extLst>
   </p:cSld>
@@ -8276,6 +7774,13 @@
   <p:clrMapOvr>
     <a:masterClrMapping/>
   </p:clrMapOvr>
+  <p:timing>
+    <p:tnLst>
+      <p:par>
+        <p:cTn xmlns:p14="http://schemas.microsoft.com/office/powerpoint/2010/main" id="1" dur="indefinite" restart="never" nodeType="tmRoot"/>
+      </p:par>
+    </p:tnLst>
+  </p:timing>
 </p:sld>
 </file>
 
@@ -8313,7 +7818,15 @@
           <a:p>
             <a:r>
               <a:rPr lang="en-US" dirty="0" smtClean="0"/>
-              <a:t>Problem</a:t>
+              <a:t>Na</a:t>
+            </a:r>
+            <a:r>
+              <a:rPr lang="en-US" dirty="0"/>
+              <a:t>i</a:t>
+            </a:r>
+            <a:r>
+              <a:rPr lang="en-US" dirty="0" smtClean="0"/>
+              <a:t>ve Solution</a:t>
             </a:r>
             <a:endParaRPr lang="en-US" dirty="0"/>
           </a:p>
@@ -8336,16 +7849,16 @@
           <a:p>
             <a:r>
               <a:rPr lang="en-US" dirty="0" smtClean="0"/>
-              <a:t>Space efficient algorithms for trend detection on Twitter.</a:t>
-            </a:r>
-          </a:p>
-          <a:p>
+              <a:t>Find the </a:t>
+            </a:r>
+            <a:r>
+              <a:rPr lang="en-US" dirty="0" err="1" smtClean="0"/>
+              <a:t>hashtags</a:t>
+            </a:r>
             <a:r>
               <a:rPr lang="en-US" dirty="0" smtClean="0"/>
-              <a:t>Does trend detection benefit from comparing present data against data from the more distant past?</a:t>
-            </a:r>
-          </a:p>
-          <a:p>
+              <a:t> with the highest rate of change of frequency between successive time intervals</a:t>
+            </a:r>
             <a:endParaRPr lang="en-US" dirty="0"/>
           </a:p>
         </p:txBody>
@@ -8353,7 +7866,7 @@
     </p:spTree>
     <p:extLst>
       <p:ext uri="{BB962C8B-B14F-4D97-AF65-F5344CB8AC3E}">
-        <p14:creationId xmlns:p14="http://schemas.microsoft.com/office/powerpoint/2010/main" val="1709170420"/>
+        <p14:creationId xmlns:p14="http://schemas.microsoft.com/office/powerpoint/2010/main" val="582871808"/>
       </p:ext>
     </p:extLst>
   </p:cSld>
@@ -8404,105 +7917,6 @@
           <a:p>
             <a:r>
               <a:rPr lang="en-US" dirty="0" smtClean="0"/>
-              <a:t>Na</a:t>
-            </a:r>
-            <a:r>
-              <a:rPr lang="en-US" dirty="0"/>
-              <a:t>i</a:t>
-            </a:r>
-            <a:r>
-              <a:rPr lang="en-US" dirty="0" smtClean="0"/>
-              <a:t>ve Solution</a:t>
-            </a:r>
-            <a:endParaRPr lang="en-US" dirty="0"/>
-          </a:p>
-        </p:txBody>
-      </p:sp>
-      <p:sp>
-        <p:nvSpPr>
-          <p:cNvPr id="3" name="Content Placeholder 2"/>
-          <p:cNvSpPr>
-            <a:spLocks noGrp="1"/>
-          </p:cNvSpPr>
-          <p:nvPr>
-            <p:ph idx="1"/>
-          </p:nvPr>
-        </p:nvSpPr>
-        <p:spPr/>
-        <p:txBody>
-          <a:bodyPr/>
-          <a:lstStyle/>
-          <a:p>
-            <a:r>
-              <a:rPr lang="en-US" dirty="0" smtClean="0"/>
-              <a:t>Find the </a:t>
-            </a:r>
-            <a:r>
-              <a:rPr lang="en-US" dirty="0" err="1" smtClean="0"/>
-              <a:t>hashtags</a:t>
-            </a:r>
-            <a:r>
-              <a:rPr lang="en-US" dirty="0" smtClean="0"/>
-              <a:t> with the highest rate of change of frequency between successive time intervals</a:t>
-            </a:r>
-            <a:endParaRPr lang="en-US" dirty="0"/>
-          </a:p>
-        </p:txBody>
-      </p:sp>
-    </p:spTree>
-    <p:extLst>
-      <p:ext uri="{BB962C8B-B14F-4D97-AF65-F5344CB8AC3E}">
-        <p14:creationId xmlns:p14="http://schemas.microsoft.com/office/powerpoint/2010/main" val="582871808"/>
-      </p:ext>
-    </p:extLst>
-  </p:cSld>
-  <p:clrMapOvr>
-    <a:masterClrMapping/>
-  </p:clrMapOvr>
-  <p:timing>
-    <p:tnLst>
-      <p:par>
-        <p:cTn xmlns:p14="http://schemas.microsoft.com/office/powerpoint/2010/main" id="1" dur="indefinite" restart="never" nodeType="tmRoot"/>
-      </p:par>
-    </p:tnLst>
-  </p:timing>
-</p:sld>
-</file>
-
-<file path=ppt/slides/slide5.xml><?xml version="1.0" encoding="utf-8"?>
-<p:sld xmlns:a="http://schemas.openxmlformats.org/drawingml/2006/main" xmlns:r="http://schemas.openxmlformats.org/officeDocument/2006/relationships" xmlns:p="http://schemas.openxmlformats.org/presentationml/2006/main">
-  <p:cSld>
-    <p:spTree>
-      <p:nvGrpSpPr>
-        <p:cNvPr id="1" name=""/>
-        <p:cNvGrpSpPr/>
-        <p:nvPr/>
-      </p:nvGrpSpPr>
-      <p:grpSpPr>
-        <a:xfrm>
-          <a:off x="0" y="0"/>
-          <a:ext cx="0" cy="0"/>
-          <a:chOff x="0" y="0"/>
-          <a:chExt cx="0" cy="0"/>
-        </a:xfrm>
-      </p:grpSpPr>
-      <p:sp>
-        <p:nvSpPr>
-          <p:cNvPr id="2" name="Title 1"/>
-          <p:cNvSpPr>
-            <a:spLocks noGrp="1"/>
-          </p:cNvSpPr>
-          <p:nvPr>
-            <p:ph type="title"/>
-          </p:nvPr>
-        </p:nvSpPr>
-        <p:spPr/>
-        <p:txBody>
-          <a:bodyPr/>
-          <a:lstStyle/>
-          <a:p>
-            <a:r>
-              <a:rPr lang="en-US" dirty="0" smtClean="0"/>
               <a:t>Hokusai system</a:t>
             </a:r>
             <a:endParaRPr lang="en-US" dirty="0"/>
@@ -8584,7 +7998,7 @@
 </p:sld>
 </file>
 
-<file path=ppt/slides/slide6.xml><?xml version="1.0" encoding="utf-8"?>
+<file path=ppt/slides/slide5.xml><?xml version="1.0" encoding="utf-8"?>
 <p:sld xmlns:a="http://schemas.openxmlformats.org/drawingml/2006/main" xmlns:r="http://schemas.openxmlformats.org/officeDocument/2006/relationships" xmlns:p="http://schemas.openxmlformats.org/presentationml/2006/main">
   <p:cSld>
     <p:spTree>
@@ -8956,7 +8370,7 @@
 </p:sld>
 </file>
 
-<file path=ppt/slides/slide7.xml><?xml version="1.0" encoding="utf-8"?>
+<file path=ppt/slides/slide6.xml><?xml version="1.0" encoding="utf-8"?>
 <p:sld xmlns:a="http://schemas.openxmlformats.org/drawingml/2006/main" xmlns:r="http://schemas.openxmlformats.org/officeDocument/2006/relationships" xmlns:p="http://schemas.openxmlformats.org/presentationml/2006/main">
   <p:cSld>
     <p:spTree>
@@ -9407,7 +8821,7 @@
 </p:sld>
 </file>
 
-<file path=ppt/slides/slide8.xml><?xml version="1.0" encoding="utf-8"?>
+<file path=ppt/slides/slide7.xml><?xml version="1.0" encoding="utf-8"?>
 <p:sld xmlns:a="http://schemas.openxmlformats.org/drawingml/2006/main" xmlns:r="http://schemas.openxmlformats.org/officeDocument/2006/relationships" xmlns:p="http://schemas.openxmlformats.org/presentationml/2006/main">
   <p:cSld>
     <p:spTree>
@@ -9910,7 +9324,7 @@
 </p:sld>
 </file>
 
-<file path=ppt/slides/slide9.xml><?xml version="1.0" encoding="utf-8"?>
+<file path=ppt/slides/slide8.xml><?xml version="1.0" encoding="utf-8"?>
 <p:sld xmlns:a="http://schemas.openxmlformats.org/drawingml/2006/main" xmlns:r="http://schemas.openxmlformats.org/officeDocument/2006/relationships" xmlns:p="http://schemas.openxmlformats.org/presentationml/2006/main">
   <p:cSld>
     <p:spTree>
@@ -10647,6 +10061,599 @@
       <p:bldP spid="81" grpId="0"/>
       <p:bldP spid="84" grpId="0"/>
       <p:bldP spid="84" grpId="1"/>
+    </p:bldLst>
+  </p:timing>
+</p:sld>
+</file>
+
+<file path=ppt/slides/slide9.xml><?xml version="1.0" encoding="utf-8"?>
+<p:sld xmlns:a="http://schemas.openxmlformats.org/drawingml/2006/main" xmlns:r="http://schemas.openxmlformats.org/officeDocument/2006/relationships" xmlns:p="http://schemas.openxmlformats.org/presentationml/2006/main">
+  <p:cSld>
+    <p:spTree>
+      <p:nvGrpSpPr>
+        <p:cNvPr id="1" name=""/>
+        <p:cNvGrpSpPr/>
+        <p:nvPr/>
+      </p:nvGrpSpPr>
+      <p:grpSpPr>
+        <a:xfrm>
+          <a:off x="0" y="0"/>
+          <a:ext cx="0" cy="0"/>
+          <a:chOff x="0" y="0"/>
+          <a:chExt cx="0" cy="0"/>
+        </a:xfrm>
+      </p:grpSpPr>
+      <p:sp>
+        <p:nvSpPr>
+          <p:cNvPr id="20" name="TextBox 19"/>
+          <p:cNvSpPr txBox="1"/>
+          <p:nvPr/>
+        </p:nvSpPr>
+        <p:spPr>
+          <a:xfrm>
+            <a:off x="-2" y="12096"/>
+            <a:ext cx="4572000" cy="646331"/>
+          </a:xfrm>
+          <a:prstGeom prst="rect">
+            <a:avLst/>
+          </a:prstGeom>
+          <a:noFill/>
+        </p:spPr>
+        <p:txBody>
+          <a:bodyPr wrap="square" rtlCol="0">
+            <a:spAutoFit/>
+          </a:bodyPr>
+          <a:lstStyle/>
+          <a:p>
+            <a:pPr algn="ctr"/>
+            <a:r>
+              <a:rPr lang="en-US" sz="3600" b="1" dirty="0" smtClean="0"/>
+              <a:t>M</a:t>
+            </a:r>
+            <a:r>
+              <a:rPr lang="en-US" sz="3600" b="1" baseline="30000" dirty="0" smtClean="0"/>
+              <a:t>0</a:t>
+            </a:r>
+            <a:endParaRPr lang="en-US" sz="3600" b="1" dirty="0"/>
+          </a:p>
+        </p:txBody>
+      </p:sp>
+      <p:sp>
+        <p:nvSpPr>
+          <p:cNvPr id="21" name="TextBox 20"/>
+          <p:cNvSpPr txBox="1"/>
+          <p:nvPr/>
+        </p:nvSpPr>
+        <p:spPr>
+          <a:xfrm>
+            <a:off x="4650956" y="12096"/>
+            <a:ext cx="4572000" cy="646331"/>
+          </a:xfrm>
+          <a:prstGeom prst="rect">
+            <a:avLst/>
+          </a:prstGeom>
+          <a:noFill/>
+        </p:spPr>
+        <p:txBody>
+          <a:bodyPr wrap="square" rtlCol="0">
+            <a:spAutoFit/>
+          </a:bodyPr>
+          <a:lstStyle/>
+          <a:p>
+            <a:pPr algn="ctr"/>
+            <a:r>
+              <a:rPr lang="en-US" sz="3600" b="1" dirty="0" smtClean="0"/>
+              <a:t>M</a:t>
+            </a:r>
+            <a:r>
+              <a:rPr lang="en-US" sz="3600" b="1" baseline="30000" dirty="0"/>
+              <a:t>1</a:t>
+            </a:r>
+            <a:endParaRPr lang="en-US" sz="3600" b="1" dirty="0"/>
+          </a:p>
+        </p:txBody>
+      </p:sp>
+      <p:cxnSp>
+        <p:nvCxnSpPr>
+          <p:cNvPr id="23" name="Straight Connector 22"/>
+          <p:cNvCxnSpPr/>
+          <p:nvPr/>
+        </p:nvCxnSpPr>
+        <p:spPr>
+          <a:xfrm>
+            <a:off x="4572000" y="-94961"/>
+            <a:ext cx="0" cy="7050890"/>
+          </a:xfrm>
+          <a:prstGeom prst="line">
+            <a:avLst/>
+          </a:prstGeom>
+        </p:spPr>
+        <p:style>
+          <a:lnRef idx="2">
+            <a:schemeClr val="accent1"/>
+          </a:lnRef>
+          <a:fillRef idx="0">
+            <a:schemeClr val="accent1"/>
+          </a:fillRef>
+          <a:effectRef idx="1">
+            <a:schemeClr val="accent1"/>
+          </a:effectRef>
+          <a:fontRef idx="minor">
+            <a:schemeClr val="tx1"/>
+          </a:fontRef>
+        </p:style>
+      </p:cxnSp>
+      <p:cxnSp>
+        <p:nvCxnSpPr>
+          <p:cNvPr id="26" name="Straight Connector 25"/>
+          <p:cNvCxnSpPr/>
+          <p:nvPr/>
+        </p:nvCxnSpPr>
+        <p:spPr>
+          <a:xfrm>
+            <a:off x="-94956" y="3429000"/>
+            <a:ext cx="9317912" cy="0"/>
+          </a:xfrm>
+          <a:prstGeom prst="line">
+            <a:avLst/>
+          </a:prstGeom>
+        </p:spPr>
+        <p:style>
+          <a:lnRef idx="2">
+            <a:schemeClr val="accent1"/>
+          </a:lnRef>
+          <a:fillRef idx="0">
+            <a:schemeClr val="accent1"/>
+          </a:fillRef>
+          <a:effectRef idx="1">
+            <a:schemeClr val="accent1"/>
+          </a:effectRef>
+          <a:fontRef idx="minor">
+            <a:schemeClr val="tx1"/>
+          </a:fontRef>
+        </p:style>
+      </p:cxnSp>
+      <p:sp>
+        <p:nvSpPr>
+          <p:cNvPr id="28" name="TextBox 27"/>
+          <p:cNvSpPr txBox="1"/>
+          <p:nvPr/>
+        </p:nvSpPr>
+        <p:spPr>
+          <a:xfrm>
+            <a:off x="0" y="3429000"/>
+            <a:ext cx="4572000" cy="646331"/>
+          </a:xfrm>
+          <a:prstGeom prst="rect">
+            <a:avLst/>
+          </a:prstGeom>
+          <a:noFill/>
+        </p:spPr>
+        <p:txBody>
+          <a:bodyPr wrap="square" rtlCol="0">
+            <a:spAutoFit/>
+          </a:bodyPr>
+          <a:lstStyle/>
+          <a:p>
+            <a:pPr algn="ctr"/>
+            <a:r>
+              <a:rPr lang="en-US" sz="3600" b="1" dirty="0" smtClean="0"/>
+              <a:t>M</a:t>
+            </a:r>
+            <a:r>
+              <a:rPr lang="en-US" sz="3600" b="1" baseline="30000" dirty="0" smtClean="0"/>
+              <a:t>2</a:t>
+            </a:r>
+            <a:endParaRPr lang="en-US" sz="3600" b="1" dirty="0"/>
+          </a:p>
+        </p:txBody>
+      </p:sp>
+      <p:sp>
+        <p:nvSpPr>
+          <p:cNvPr id="29" name="TextBox 28"/>
+          <p:cNvSpPr txBox="1"/>
+          <p:nvPr/>
+        </p:nvSpPr>
+        <p:spPr>
+          <a:xfrm>
+            <a:off x="4650956" y="3429000"/>
+            <a:ext cx="4572000" cy="646331"/>
+          </a:xfrm>
+          <a:prstGeom prst="rect">
+            <a:avLst/>
+          </a:prstGeom>
+          <a:noFill/>
+        </p:spPr>
+        <p:txBody>
+          <a:bodyPr wrap="square" rtlCol="0">
+            <a:spAutoFit/>
+          </a:bodyPr>
+          <a:lstStyle/>
+          <a:p>
+            <a:pPr algn="ctr"/>
+            <a:r>
+              <a:rPr lang="en-US" sz="3600" b="1" dirty="0" smtClean="0"/>
+              <a:t>M</a:t>
+            </a:r>
+            <a:r>
+              <a:rPr lang="en-US" sz="3600" b="1" baseline="30000" dirty="0"/>
+              <a:t>3</a:t>
+            </a:r>
+            <a:endParaRPr lang="en-US" sz="3600" b="1" dirty="0"/>
+          </a:p>
+        </p:txBody>
+      </p:sp>
+      <p:sp>
+        <p:nvSpPr>
+          <p:cNvPr id="32" name="TextBox 31"/>
+          <p:cNvSpPr txBox="1"/>
+          <p:nvPr/>
+        </p:nvSpPr>
+        <p:spPr>
+          <a:xfrm>
+            <a:off x="1293384" y="5026665"/>
+            <a:ext cx="422111" cy="584776"/>
+          </a:xfrm>
+          <a:prstGeom prst="rect">
+            <a:avLst/>
+          </a:prstGeom>
+          <a:noFill/>
+        </p:spPr>
+        <p:txBody>
+          <a:bodyPr wrap="none" rtlCol="0">
+            <a:spAutoFit/>
+          </a:bodyPr>
+          <a:lstStyle/>
+          <a:p>
+            <a:r>
+              <a:rPr lang="en-US" sz="3200" dirty="0" smtClean="0"/>
+              <a:t>A</a:t>
+            </a:r>
+            <a:endParaRPr lang="en-US" sz="3200" dirty="0"/>
+          </a:p>
+        </p:txBody>
+      </p:sp>
+      <p:sp>
+        <p:nvSpPr>
+          <p:cNvPr id="36" name="TextBox 35"/>
+          <p:cNvSpPr txBox="1"/>
+          <p:nvPr/>
+        </p:nvSpPr>
+        <p:spPr>
+          <a:xfrm>
+            <a:off x="1871260" y="5023877"/>
+            <a:ext cx="422111" cy="584776"/>
+          </a:xfrm>
+          <a:prstGeom prst="rect">
+            <a:avLst/>
+          </a:prstGeom>
+          <a:noFill/>
+        </p:spPr>
+        <p:txBody>
+          <a:bodyPr wrap="none" rtlCol="0">
+            <a:spAutoFit/>
+          </a:bodyPr>
+          <a:lstStyle/>
+          <a:p>
+            <a:r>
+              <a:rPr lang="en-US" sz="3200" dirty="0" smtClean="0"/>
+              <a:t>B</a:t>
+            </a:r>
+            <a:endParaRPr lang="en-US" sz="3200" dirty="0"/>
+          </a:p>
+        </p:txBody>
+      </p:sp>
+      <p:sp>
+        <p:nvSpPr>
+          <p:cNvPr id="40" name="TextBox 39"/>
+          <p:cNvSpPr txBox="1"/>
+          <p:nvPr/>
+        </p:nvSpPr>
+        <p:spPr>
+          <a:xfrm>
+            <a:off x="2434322" y="5023877"/>
+            <a:ext cx="403476" cy="584776"/>
+          </a:xfrm>
+          <a:prstGeom prst="rect">
+            <a:avLst/>
+          </a:prstGeom>
+          <a:noFill/>
+        </p:spPr>
+        <p:txBody>
+          <a:bodyPr wrap="none" rtlCol="0">
+            <a:spAutoFit/>
+          </a:bodyPr>
+          <a:lstStyle/>
+          <a:p>
+            <a:r>
+              <a:rPr lang="en-US" sz="3200" dirty="0" smtClean="0"/>
+              <a:t>C</a:t>
+            </a:r>
+            <a:endParaRPr lang="en-US" sz="3200" dirty="0"/>
+          </a:p>
+        </p:txBody>
+      </p:sp>
+      <p:sp>
+        <p:nvSpPr>
+          <p:cNvPr id="41" name="TextBox 40"/>
+          <p:cNvSpPr txBox="1"/>
+          <p:nvPr/>
+        </p:nvSpPr>
+        <p:spPr>
+          <a:xfrm>
+            <a:off x="6832212" y="1170767"/>
+            <a:ext cx="403476" cy="584776"/>
+          </a:xfrm>
+          <a:prstGeom prst="rect">
+            <a:avLst/>
+          </a:prstGeom>
+          <a:noFill/>
+        </p:spPr>
+        <p:txBody>
+          <a:bodyPr wrap="none" rtlCol="0">
+            <a:spAutoFit/>
+          </a:bodyPr>
+          <a:lstStyle/>
+          <a:p>
+            <a:r>
+              <a:rPr lang="en-US" sz="3200" dirty="0" smtClean="0"/>
+              <a:t>C</a:t>
+            </a:r>
+            <a:endParaRPr lang="en-US" sz="3200" dirty="0"/>
+          </a:p>
+        </p:txBody>
+      </p:sp>
+      <p:sp>
+        <p:nvSpPr>
+          <p:cNvPr id="44" name="TextBox 43"/>
+          <p:cNvSpPr txBox="1"/>
+          <p:nvPr/>
+        </p:nvSpPr>
+        <p:spPr>
+          <a:xfrm>
+            <a:off x="2975128" y="5023877"/>
+            <a:ext cx="437139" cy="584776"/>
+          </a:xfrm>
+          <a:prstGeom prst="rect">
+            <a:avLst/>
+          </a:prstGeom>
+          <a:noFill/>
+        </p:spPr>
+        <p:txBody>
+          <a:bodyPr wrap="none" rtlCol="0">
+            <a:spAutoFit/>
+          </a:bodyPr>
+          <a:lstStyle/>
+          <a:p>
+            <a:r>
+              <a:rPr lang="en-US" sz="3200" dirty="0" smtClean="0"/>
+              <a:t>D</a:t>
+            </a:r>
+            <a:endParaRPr lang="en-US" sz="3200" dirty="0"/>
+          </a:p>
+        </p:txBody>
+      </p:sp>
+      <p:sp>
+        <p:nvSpPr>
+          <p:cNvPr id="45" name="TextBox 44"/>
+          <p:cNvSpPr txBox="1"/>
+          <p:nvPr/>
+        </p:nvSpPr>
+        <p:spPr>
+          <a:xfrm>
+            <a:off x="7373018" y="1170767"/>
+            <a:ext cx="437139" cy="584776"/>
+          </a:xfrm>
+          <a:prstGeom prst="rect">
+            <a:avLst/>
+          </a:prstGeom>
+          <a:noFill/>
+        </p:spPr>
+        <p:txBody>
+          <a:bodyPr wrap="none" rtlCol="0">
+            <a:spAutoFit/>
+          </a:bodyPr>
+          <a:lstStyle/>
+          <a:p>
+            <a:r>
+              <a:rPr lang="en-US" sz="3200" dirty="0" smtClean="0"/>
+              <a:t>D</a:t>
+            </a:r>
+            <a:endParaRPr lang="en-US" sz="3200" dirty="0"/>
+          </a:p>
+        </p:txBody>
+      </p:sp>
+      <p:sp>
+        <p:nvSpPr>
+          <p:cNvPr id="46" name="TextBox 45"/>
+          <p:cNvSpPr txBox="1"/>
+          <p:nvPr/>
+        </p:nvSpPr>
+        <p:spPr>
+          <a:xfrm>
+            <a:off x="1330455" y="1892040"/>
+            <a:ext cx="385041" cy="584776"/>
+          </a:xfrm>
+          <a:prstGeom prst="rect">
+            <a:avLst/>
+          </a:prstGeom>
+          <a:noFill/>
+        </p:spPr>
+        <p:txBody>
+          <a:bodyPr wrap="none" rtlCol="0">
+            <a:spAutoFit/>
+          </a:bodyPr>
+          <a:lstStyle/>
+          <a:p>
+            <a:r>
+              <a:rPr lang="en-US" sz="3200" dirty="0" smtClean="0"/>
+              <a:t>E</a:t>
+            </a:r>
+            <a:endParaRPr lang="en-US" sz="3200" dirty="0"/>
+          </a:p>
+        </p:txBody>
+      </p:sp>
+      <p:sp>
+        <p:nvSpPr>
+          <p:cNvPr id="62" name="TextBox 61"/>
+          <p:cNvSpPr txBox="1"/>
+          <p:nvPr/>
+        </p:nvSpPr>
+        <p:spPr>
+          <a:xfrm>
+            <a:off x="2975129" y="1170767"/>
+            <a:ext cx="437139" cy="584776"/>
+          </a:xfrm>
+          <a:prstGeom prst="rect">
+            <a:avLst/>
+          </a:prstGeom>
+          <a:noFill/>
+        </p:spPr>
+        <p:txBody>
+          <a:bodyPr wrap="none" rtlCol="0">
+            <a:spAutoFit/>
+          </a:bodyPr>
+          <a:lstStyle/>
+          <a:p>
+            <a:r>
+              <a:rPr lang="en-US" sz="3200" dirty="0" smtClean="0"/>
+              <a:t>D</a:t>
+            </a:r>
+            <a:endParaRPr lang="en-US" sz="3200" dirty="0"/>
+          </a:p>
+        </p:txBody>
+      </p:sp>
+      <p:sp>
+        <p:nvSpPr>
+          <p:cNvPr id="63" name="TextBox 62"/>
+          <p:cNvSpPr txBox="1"/>
+          <p:nvPr/>
+        </p:nvSpPr>
+        <p:spPr>
+          <a:xfrm>
+            <a:off x="-2" y="-65965"/>
+            <a:ext cx="913957" cy="523220"/>
+          </a:xfrm>
+          <a:prstGeom prst="rect">
+            <a:avLst/>
+          </a:prstGeom>
+          <a:noFill/>
+        </p:spPr>
+        <p:txBody>
+          <a:bodyPr wrap="square" rtlCol="0">
+            <a:spAutoFit/>
+          </a:bodyPr>
+          <a:lstStyle/>
+          <a:p>
+            <a:r>
+              <a:rPr lang="en-US" sz="2800" dirty="0"/>
+              <a:t>t</a:t>
+            </a:r>
+            <a:r>
+              <a:rPr lang="en-US" sz="2800" dirty="0" smtClean="0"/>
+              <a:t> = 5</a:t>
+            </a:r>
+            <a:endParaRPr lang="en-US" sz="2800" dirty="0"/>
+          </a:p>
+        </p:txBody>
+      </p:sp>
+    </p:spTree>
+    <p:extLst>
+      <p:ext uri="{BB962C8B-B14F-4D97-AF65-F5344CB8AC3E}">
+        <p14:creationId xmlns:p14="http://schemas.microsoft.com/office/powerpoint/2010/main" val="1409968461"/>
+      </p:ext>
+    </p:extLst>
+  </p:cSld>
+  <p:clrMapOvr>
+    <a:masterClrMapping/>
+  </p:clrMapOvr>
+  <p:timing>
+    <p:tnLst>
+      <p:par>
+        <p:cTn xmlns:p14="http://schemas.microsoft.com/office/powerpoint/2010/main" id="1" dur="indefinite" restart="never" nodeType="tmRoot">
+          <p:childTnLst>
+            <p:seq concurrent="1" nextAc="seek">
+              <p:cTn id="2" dur="indefinite" nodeType="mainSeq">
+                <p:childTnLst>
+                  <p:par>
+                    <p:cTn id="3" fill="hold">
+                      <p:stCondLst>
+                        <p:cond delay="indefinite"/>
+                        <p:cond evt="onBegin" delay="0">
+                          <p:tn val="2"/>
+                        </p:cond>
+                      </p:stCondLst>
+                      <p:childTnLst>
+                        <p:par>
+                          <p:cTn id="4" fill="hold">
+                            <p:stCondLst>
+                              <p:cond delay="0"/>
+                            </p:stCondLst>
+                            <p:childTnLst>
+                              <p:par>
+                                <p:cTn id="5" presetID="9" presetClass="exit" presetSubtype="0" fill="hold" grpId="0" nodeType="withEffect">
+                                  <p:stCondLst>
+                                    <p:cond delay="0"/>
+                                  </p:stCondLst>
+                                  <p:childTnLst>
+                                    <p:animEffect transition="out" filter="dissolve">
+                                      <p:cBhvr>
+                                        <p:cTn id="6" dur="500"/>
+                                        <p:tgtEl>
+                                          <p:spTgt spid="62"/>
+                                        </p:tgtEl>
+                                      </p:cBhvr>
+                                    </p:animEffect>
+                                    <p:set>
+                                      <p:cBhvr>
+                                        <p:cTn id="7" dur="1" fill="hold">
+                                          <p:stCondLst>
+                                            <p:cond delay="499"/>
+                                          </p:stCondLst>
+                                        </p:cTn>
+                                        <p:tgtEl>
+                                          <p:spTgt spid="62"/>
+                                        </p:tgtEl>
+                                        <p:attrNameLst>
+                                          <p:attrName>style.visibility</p:attrName>
+                                        </p:attrNameLst>
+                                      </p:cBhvr>
+                                      <p:to>
+                                        <p:strVal val="hidden"/>
+                                      </p:to>
+                                    </p:set>
+                                  </p:childTnLst>
+                                </p:cTn>
+                              </p:par>
+                            </p:childTnLst>
+                          </p:cTn>
+                        </p:par>
+                      </p:childTnLst>
+                    </p:cTn>
+                  </p:par>
+                </p:childTnLst>
+              </p:cTn>
+              <p:prevCondLst>
+                <p:cond evt="onPrev" delay="0">
+                  <p:tgtEl>
+                    <p:sldTgt/>
+                  </p:tgtEl>
+                </p:cond>
+              </p:prevCondLst>
+              <p:nextCondLst>
+                <p:cond evt="onNext" delay="0">
+                  <p:tgtEl>
+                    <p:sldTgt/>
+                  </p:tgtEl>
+                </p:cond>
+              </p:nextCondLst>
+            </p:seq>
+          </p:childTnLst>
+        </p:cTn>
+      </p:par>
+    </p:tnLst>
+    <p:bldLst>
+      <p:bldP spid="62" grpId="0"/>
     </p:bldLst>
   </p:timing>
 </p:sld>
